--- a/lectures/lecture-09/Lecture 09 - Lecture.pptx
+++ b/lectures/lecture-09/Lecture 09 - Lecture.pptx
@@ -155,6 +155,1612 @@
     </p:ext>
   </p:extLst>
 </p:presentation>
+</file>
+
+<file path=ppt/ink/ink1.xml><?xml version="1.0" encoding="utf-8"?>
+<inkml:ink xmlns:inkml="http://www.w3.org/2003/InkML">
+  <inkml:definitions>
+    <inkml:context xml:id="ctx0">
+      <inkml:inkSource xml:id="inkSrc0">
+        <inkml:traceFormat>
+          <inkml:channel name="X" type="integer" min="-2.14748E9" max="2.14748E9" units="cm"/>
+          <inkml:channel name="Y" type="integer" min="-2.14748E9" max="2.14748E9" units="cm"/>
+          <inkml:channel name="F" type="integer" max="32767" units="dev"/>
+          <inkml:channel name="OA" type="integer" max="360" units="deg"/>
+          <inkml:channel name="OE" type="integer" max="90" units="deg"/>
+        </inkml:traceFormat>
+        <inkml:channelProperties>
+          <inkml:channelProperty channel="X" name="resolution" value="1000" units="1/cm"/>
+          <inkml:channelProperty channel="Y" name="resolution" value="1000" units="1/cm"/>
+          <inkml:channelProperty channel="F" name="resolution" value="0" units="1/dev"/>
+          <inkml:channelProperty channel="OA" name="resolution" value="1000" units="1/deg"/>
+          <inkml:channelProperty channel="OE" name="resolution" value="1000" units="1/deg"/>
+        </inkml:channelProperties>
+      </inkml:inkSource>
+      <inkml:timestamp xml:id="ts0" timeString="2021-08-16T16:30:58.138"/>
+    </inkml:context>
+    <inkml:brush xml:id="br0">
+      <inkml:brushProperty name="width" value="0.05" units="cm"/>
+      <inkml:brushProperty name="height" value="0.05" units="cm"/>
+      <inkml:brushProperty name="color" value="#FF0066"/>
+    </inkml:brush>
+  </inkml:definitions>
+  <inkml:trace contextRef="#ctx0" brushRef="#br0">0 193 1840 0 0,'0'0'10410'0'0,"21"-10"-6406"0"0,-7 7-2404 0 0,-12 2-1498 0 0,0 1 0 0 0,0 0 0 0 0,0-1 1 0 0,0 1-1 0 0,0 0 0 0 0,0 0 0 0 0,0 0 0 0 0,0 0 1 0 0,0 0-1 0 0,0 0 0 0 0,0 1 0 0 0,0-1 1 0 0,0 1-1 0 0,0-1 0 0 0,0 1 0 0 0,2 1 0 0 0,17 6 1200 0 0,2-1-1 0 0,23 5 0 0 0,-27-10-929 0 0,0 0 0 0 0,0-2 1 0 0,26-2-1 0 0,2 1-29 0 0,-31 0-277 0 0,22-4-1 0 0,16 0 12 0 0,92 15 1395 0 0,-117-8-1214 0 0,0-2 0 0 0,58-7-1 0 0,16 0 242 0 0,-39 6-310 0 0,-24-1 29 0 0,44 5-1 0 0,-74-3-144 0 0,-1 0-1 0 0,1-1 0 0 0,15-2 1 0 0,17-1 205 0 0,-20 2-218 0 0,0 0 1 0 0,38-9-1 0 0,8-1-48 0 0,14-1 360 0 0,-66 11-321 0 0,75-13 381 0 0,-41 0-227 0 0,-32 9-119 0 0,1 0-1 0 0,0 2 0 0 0,24-3 1 0 0,-37 6-63 0 0,18-1 176 0 0,0 1 1 0 0,38 2-1 0 0,-44 1-223 0 0,1-1 0 0 0,-1 0 0 0 0,31-5 0 0 0,15-13 91 0 0,-2 1-59 0 0,-45 11 38 0 0,1 0 0 0 0,0 1 0 0 0,0 1-1 0 0,24-1 1 0 0,28 1 129 0 0,3 8 2 0 0,-2 0-626 0 0,-64-5 489 0 0,-1 0 0 0 0,0 0 0 0 0,0-1 1 0 0,0 1-1 0 0,1-2 0 0 0,-1 1 1 0 0,0-1-1 0 0,0 0 0 0 0,5-2 0 0 0,-5 1-14 0 0,0 0 0 0 0,0 1 0 0 0,0 0-1 0 0,1 0 1 0 0,-1 1 0 0 0,0 0-1 0 0,11-1 1 0 0,5-1-1 0 0,-18 2-22 0 0,0 1 0 0 0,-1 0 0 0 0,1 0 0 0 0,-1 0 1 0 0,1 0-1 0 0,3 1 0 0 0,-4 0 5 0 0,1 0-1 0 0,-1-1 1 0 0,0 0 0 0 0,1 0 0 0 0,-1 0-1 0 0,0 0 1 0 0,4-1 0 0 0,-5 1 5 0 0,-1-1 0 0 0,1 1-1 0 0,0 0 1 0 0,-1 0 0 0 0,1 0 0 0 0,-1 0-1 0 0,1 0 1 0 0,0 0 0 0 0,-1 1 0 0 0,1-1 0 0 0,-1 1-1 0 0,1-1 1 0 0,-1 1 0 0 0,3 0 0 0 0,6 3 0 0 0,5-4 34 0 0,-11 2-668 0 0,-8-7-815 0 0,-10-6-1320 0 0,3 3 1345 0 0</inkml:trace>
+</inkml:ink>
+</file>
+
+<file path=ppt/ink/ink10.xml><?xml version="1.0" encoding="utf-8"?>
+<inkml:ink xmlns:inkml="http://www.w3.org/2003/InkML">
+  <inkml:definitions>
+    <inkml:context xml:id="ctx0">
+      <inkml:inkSource xml:id="inkSrc0">
+        <inkml:traceFormat>
+          <inkml:channel name="X" type="integer" min="-2.14748E9" max="2.14748E9" units="cm"/>
+          <inkml:channel name="Y" type="integer" min="-2.14748E9" max="2.14748E9" units="cm"/>
+          <inkml:channel name="F" type="integer" max="32767" units="dev"/>
+          <inkml:channel name="OA" type="integer" max="360" units="deg"/>
+          <inkml:channel name="OE" type="integer" max="90" units="deg"/>
+        </inkml:traceFormat>
+        <inkml:channelProperties>
+          <inkml:channelProperty channel="X" name="resolution" value="1000" units="1/cm"/>
+          <inkml:channelProperty channel="Y" name="resolution" value="1000" units="1/cm"/>
+          <inkml:channelProperty channel="F" name="resolution" value="0" units="1/dev"/>
+          <inkml:channelProperty channel="OA" name="resolution" value="1000" units="1/deg"/>
+          <inkml:channelProperty channel="OE" name="resolution" value="1000" units="1/deg"/>
+        </inkml:channelProperties>
+      </inkml:inkSource>
+      <inkml:timestamp xml:id="ts0" timeString="2021-08-16T16:32:08.435"/>
+    </inkml:context>
+    <inkml:brush xml:id="br0">
+      <inkml:brushProperty name="width" value="0.05" units="cm"/>
+      <inkml:brushProperty name="height" value="0.05" units="cm"/>
+      <inkml:brushProperty name="color" value="#FF0066"/>
+    </inkml:brush>
+  </inkml:definitions>
+  <inkml:trace contextRef="#ctx0" brushRef="#br0">6 86 4144 0 0,'-3'-4'11579'0'0,"1"-1"-10854"0"0,2 3-513 0 0,0 0 1 0 0,0 1 0 0 0,0-1-1 0 0,0 0 1 0 0,0 0 0 0 0,0 0-1 0 0,0 0 1 0 0,1 0 0 0 0,-1 0 0 0 0,0 0-1 0 0,1 1 1 0 0,0-1 0 0 0,0 0-1 0 0,-1 0 1 0 0,1 1 0 0 0,0-1 0 0 0,0 0-1 0 0,0 1 1 0 0,1-1 0 0 0,-1 1-1 0 0,0 0 1 0 0,0-1 0 0 0,1 1-1 0 0,-1 0 1 0 0,1 0 0 0 0,-1 0 0 0 0,1 0-1 0 0,0 0 1 0 0,2-1 0 0 0,4-3 80 0 0,1 1 0 0 0,0 1 1 0 0,0 0-1 0 0,14-4 0 0 0,-16 5-186 0 0,1 1 0 0 0,0-1 0 0 0,0 1 0 0 0,0 1 0 0 0,0 0 1 0 0,17 1-1 0 0,-22-1-96 0 0,0 1 1 0 0,0 0 0 0 0,1 0 0 0 0,-1 0 0 0 0,0 0 0 0 0,0 0 0 0 0,0 1 0 0 0,0 0 0 0 0,0-1 0 0 0,-1 1 0 0 0,1 0 0 0 0,0 0 0 0 0,-1 1 0 0 0,1-1 0 0 0,-1 0-1 0 0,0 1 1 0 0,0-1 0 0 0,0 1 0 0 0,3 5 0 0 0,-1 0 0 0 0,-1 1 0 0 0,1 0 0 0 0,-1 0 0 0 0,-1 0 0 0 0,0 0 0 0 0,0 1 0 0 0,-1-1 0 0 0,0 1 0 0 0,-1-1 0 0 0,0 15 0 0 0,-2 1 37 0 0,-2 0 0 0 0,-10 43 0 0 0,7-40-33 0 0,-2 0 0 0 0,-25 53 1 0 0,26-65-13 0 0,-1 0 0 0 0,-1-1 0 0 0,0-1 0 0 0,-1 0 0 0 0,0 0 0 0 0,-17 14 0 0 0,24-25 17 0 0,0 0 0 0 0,0-1 0 0 0,0 1-1 0 0,0-1 1 0 0,-1 0 0 0 0,1 0 0 0 0,-1-1 0 0 0,1 1-1 0 0,-1-1 1 0 0,0 0 0 0 0,1 0 0 0 0,-1-1 0 0 0,0 0-1 0 0,-6 1 1 0 0,28-19 691 0 0,-9 13-592 0 0,1-1 0 0 0,-1 2 0 0 0,1-1 0 0 0,-1 1 0 0 0,1 1 0 0 0,0-1 0 0 0,1 1 0 0 0,16-2 0 0 0,-6 2-38 0 0,0 1 0 0 0,1 1 0 0 0,22 1 0 0 0,-23 3-602 0 0,0 1 0 0 0,0 0 0 0 0,0 1 0 0 0,0 1 0 0 0,35 17 0 0 0,-30-12-5680 0 0,0 1-1879 0 0</inkml:trace>
+</inkml:ink>
+</file>
+
+<file path=ppt/ink/ink11.xml><?xml version="1.0" encoding="utf-8"?>
+<inkml:ink xmlns:inkml="http://www.w3.org/2003/InkML">
+  <inkml:definitions>
+    <inkml:context xml:id="ctx0">
+      <inkml:inkSource xml:id="inkSrc0">
+        <inkml:traceFormat>
+          <inkml:channel name="X" type="integer" min="-2.14748E9" max="2.14748E9" units="cm"/>
+          <inkml:channel name="Y" type="integer" min="-2.14748E9" max="2.14748E9" units="cm"/>
+          <inkml:channel name="F" type="integer" max="32767" units="dev"/>
+          <inkml:channel name="OA" type="integer" max="360" units="deg"/>
+          <inkml:channel name="OE" type="integer" max="90" units="deg"/>
+        </inkml:traceFormat>
+        <inkml:channelProperties>
+          <inkml:channelProperty channel="X" name="resolution" value="1000" units="1/cm"/>
+          <inkml:channelProperty channel="Y" name="resolution" value="1000" units="1/cm"/>
+          <inkml:channelProperty channel="F" name="resolution" value="0" units="1/dev"/>
+          <inkml:channelProperty channel="OA" name="resolution" value="1000" units="1/deg"/>
+          <inkml:channelProperty channel="OE" name="resolution" value="1000" units="1/deg"/>
+        </inkml:channelProperties>
+      </inkml:inkSource>
+      <inkml:timestamp xml:id="ts0" timeString="2021-08-16T16:32:09.121"/>
+    </inkml:context>
+    <inkml:brush xml:id="br0">
+      <inkml:brushProperty name="width" value="0.05" units="cm"/>
+      <inkml:brushProperty name="height" value="0.05" units="cm"/>
+      <inkml:brushProperty name="color" value="#FF0066"/>
+    </inkml:brush>
+  </inkml:definitions>
+  <inkml:trace contextRef="#ctx0" brushRef="#br0">9 81 9240 0 0,'0'0'422'0'0,"0"-20"260"0"0,0 14-76 0 0,0 0 333 0 0,0 0-1 0 0,0 0 0 0 0,3-11 1 0 0,-4 8-148 0 0,2-1 2965 0 0,6 55-3584 0 0,-16 140-172 0 0,6-148 0 0 0,1-9 0 0 0,-3 31 0 0 0,6 112 0 0 0,-1-169 29 0 0,1 0-1 0 0,-1 0 1 0 0,0 1 0 0 0,1-1-1 0 0,0 0 1 0 0,-1 0-1 0 0,1 0 1 0 0,0 1-1 0 0,0-1 1 0 0,0 0-1 0 0,0 0 1 0 0,0 0-1 0 0,1-1 1 0 0,-1 1-1 0 0,1 0 1 0 0,2 2 0 0 0,-3-3 24 0 0,0 0 0 0 0,1-1 0 0 0,-1 1 0 0 0,0 0 0 0 0,1-1 0 0 0,-1 0 0 0 0,1 1 0 0 0,-1-1 0 0 0,0 0 0 0 0,1 1 1 0 0,-1-1-1 0 0,1 0 0 0 0,-1 0 0 0 0,1 0 0 0 0,-1-1 0 0 0,0 1 0 0 0,1 0 0 0 0,-1 0 0 0 0,1-1 0 0 0,-1 1 0 0 0,0-1 1 0 0,1 1-1 0 0,-1-1 0 0 0,0 0 0 0 0,1 1 0 0 0,0-2 0 0 0,27-17 939 0 0,44-38 0 0 0,17-12 961 0 0,-84 66-1719 0 0,-1-1 1 0 0,1 1-1 0 0,0 1 0 0 0,0-1 0 0 0,11-2 1 0 0,-15 4-215 0 0,-1 1 0 0 0,0 0 0 0 0,1-1 0 0 0,-1 1 1 0 0,0 0-1 0 0,1 0 0 0 0,-1 0 0 0 0,0 0 1 0 0,1 0-1 0 0,-1 0 0 0 0,0 0 0 0 0,1 1 1 0 0,-1-1-1 0 0,1 0 0 0 0,-1 1 0 0 0,0-1 1 0 0,0 1-1 0 0,1-1 0 0 0,-1 1 0 0 0,0 0 0 0 0,0-1 1 0 0,0 1-1 0 0,0 0 0 0 0,0 0 0 0 0,1 0 1 0 0,-2 0-1 0 0,1 0 0 0 0,0 0 0 0 0,0 0 1 0 0,0 0-1 0 0,0 0 0 0 0,-1 0 0 0 0,2 2 0 0 0,0 3-52 0 0,-1-1-1 0 0,1 1 0 0 0,-1 0 0 0 0,0 0 1 0 0,0-1-1 0 0,-1 1 0 0 0,0 0 0 0 0,0 7 0 0 0,-2 5 137 0 0,-5 24-1 0 0,-2 14-6 0 0,2 3-2468 0 0</inkml:trace>
+</inkml:ink>
+</file>
+
+<file path=ppt/ink/ink12.xml><?xml version="1.0" encoding="utf-8"?>
+<inkml:ink xmlns:inkml="http://www.w3.org/2003/InkML">
+  <inkml:definitions>
+    <inkml:context xml:id="ctx0">
+      <inkml:inkSource xml:id="inkSrc0">
+        <inkml:traceFormat>
+          <inkml:channel name="X" type="integer" min="-2.14748E9" max="2.14748E9" units="cm"/>
+          <inkml:channel name="Y" type="integer" min="-2.14748E9" max="2.14748E9" units="cm"/>
+          <inkml:channel name="F" type="integer" max="32767" units="dev"/>
+          <inkml:channel name="OA" type="integer" max="360" units="deg"/>
+          <inkml:channel name="OE" type="integer" max="90" units="deg"/>
+        </inkml:traceFormat>
+        <inkml:channelProperties>
+          <inkml:channelProperty channel="X" name="resolution" value="1000" units="1/cm"/>
+          <inkml:channelProperty channel="Y" name="resolution" value="1000" units="1/cm"/>
+          <inkml:channelProperty channel="F" name="resolution" value="0" units="1/dev"/>
+          <inkml:channelProperty channel="OA" name="resolution" value="1000" units="1/deg"/>
+          <inkml:channelProperty channel="OE" name="resolution" value="1000" units="1/deg"/>
+        </inkml:channelProperties>
+      </inkml:inkSource>
+      <inkml:timestamp xml:id="ts0" timeString="2021-08-16T16:32:09.530"/>
+    </inkml:context>
+    <inkml:brush xml:id="br0">
+      <inkml:brushProperty name="width" value="0.05" units="cm"/>
+      <inkml:brushProperty name="height" value="0.05" units="cm"/>
+      <inkml:brushProperty name="color" value="#FF0066"/>
+    </inkml:brush>
+  </inkml:definitions>
+  <inkml:trace contextRef="#ctx0" brushRef="#br0">158 11 5528 0 0,'0'0'-19'0'0,"-1"-1"1"0"0,0 0-1 0 0,1 0 0 0 0,-1 1 1 0 0,0-1-1 0 0,0 1 0 0 0,1-1 1 0 0,-1 0-1 0 0,0 1 0 0 0,0-1 1 0 0,0 1-1 0 0,-1-1 1 0 0,0 0 636 0 0,-1 1 1 0 0,1-1 0 0 0,0 1-1 0 0,0 0 1 0 0,0 0 0 0 0,-1 0-1 0 0,1 0 1 0 0,0 0 0 0 0,-3 1-1 0 0,-19 6 6552 0 0,12 0-5663 0 0,3 2-1124 0 0,-1 0 1 0 0,2 1-1 0 0,-1 0 0 0 0,1 0 1 0 0,1 1-1 0 0,0 0 0 0 0,0 0 1 0 0,-4 13-1 0 0,9-19-346 0 0,0 0-1 0 0,0 1 0 0 0,1-1 0 0 0,0 0 1 0 0,0 1-1 0 0,1-1 0 0 0,-1 0 1 0 0,1 1-1 0 0,1-1 0 0 0,-1 1 1 0 0,1-1-1 0 0,-1 0 0 0 0,2 1 0 0 0,0 5 1 0 0,-1-9-43 0 0,0 1 1 0 0,0 0-1 0 0,0-1 1 0 0,0 1 0 0 0,0-1-1 0 0,1 1 1 0 0,-1-1-1 0 0,1 0 1 0 0,0 1-1 0 0,-1-1 1 0 0,1 0-1 0 0,0 0 1 0 0,0 0 0 0 0,0 0-1 0 0,1-1 1 0 0,-1 1-1 0 0,0-1 1 0 0,1 1-1 0 0,-1-1 1 0 0,1 0-1 0 0,-1 0 1 0 0,1 0 0 0 0,0 0-1 0 0,-1 0 1 0 0,1 0-1 0 0,0-1 1 0 0,0 1-1 0 0,3-1 1 0 0,-1 0 41 0 0,1-1 0 0 0,-1 0 0 0 0,0 0 0 0 0,0 0 0 0 0,0-1 0 0 0,0 0 0 0 0,0 0 0 0 0,0 0 0 0 0,0 0 0 0 0,-1-1 0 0 0,1 0 0 0 0,-1 0 0 0 0,8-7 0 0 0,0-1-475 0 0,-1 0 0 0 0,0-1 0 0 0,11-15 0 0 0,-16 16-3038 0 0</inkml:trace>
+</inkml:ink>
+</file>
+
+<file path=ppt/ink/ink13.xml><?xml version="1.0" encoding="utf-8"?>
+<inkml:ink xmlns:inkml="http://www.w3.org/2003/InkML">
+  <inkml:definitions>
+    <inkml:context xml:id="ctx0">
+      <inkml:inkSource xml:id="inkSrc0">
+        <inkml:traceFormat>
+          <inkml:channel name="X" type="integer" min="-2.14748E9" max="2.14748E9" units="cm"/>
+          <inkml:channel name="Y" type="integer" min="-2.14748E9" max="2.14748E9" units="cm"/>
+          <inkml:channel name="F" type="integer" max="32767" units="dev"/>
+          <inkml:channel name="OA" type="integer" max="360" units="deg"/>
+          <inkml:channel name="OE" type="integer" max="90" units="deg"/>
+        </inkml:traceFormat>
+        <inkml:channelProperties>
+          <inkml:channelProperty channel="X" name="resolution" value="1000" units="1/cm"/>
+          <inkml:channelProperty channel="Y" name="resolution" value="1000" units="1/cm"/>
+          <inkml:channelProperty channel="F" name="resolution" value="0" units="1/dev"/>
+          <inkml:channelProperty channel="OA" name="resolution" value="1000" units="1/deg"/>
+          <inkml:channelProperty channel="OE" name="resolution" value="1000" units="1/deg"/>
+        </inkml:channelProperties>
+      </inkml:inkSource>
+      <inkml:timestamp xml:id="ts0" timeString="2021-08-16T16:32:09.901"/>
+    </inkml:context>
+    <inkml:brush xml:id="br0">
+      <inkml:brushProperty name="width" value="0.05" units="cm"/>
+      <inkml:brushProperty name="height" value="0.05" units="cm"/>
+      <inkml:brushProperty name="color" value="#FF0066"/>
+    </inkml:brush>
+  </inkml:definitions>
+  <inkml:trace contextRef="#ctx0" brushRef="#br0">58 8 3680 0 0,'-7'-3'10110'0'0,"-6"-1"-4093"0"0,2 19-4617 0 0,8-12-1311 0 0,1 0 0 0 0,0 0 0 0 0,0 1 0 0 0,0-1 0 0 0,0 0 0 0 0,0 1 0 0 0,1 0-1 0 0,-2 4 1 0 0,0 9-71 0 0,1 0 0 0 0,0 0 0 0 0,2 0 0 0 0,0 1 0 0 0,1-1 0 0 0,0 0 0 0 0,8 33 0 0 0,-8-48-18 0 0,0 1-1 0 0,0-1 1 0 0,-1 1-1 0 0,1-1 1 0 0,1 1-1 0 0,-1-1 1 0 0,0 1 0 0 0,1-1-1 0 0,-1 0 1 0 0,1 0-1 0 0,0 0 1 0 0,0 0-1 0 0,-1 0 1 0 0,1 0-1 0 0,4 2 1 0 0,-5-3 11 0 0,0-1 0 0 0,0 1 0 0 0,0-1 0 0 0,0 1 0 0 0,0-1 0 0 0,0 0 0 0 0,1 1 0 0 0,-1-1 0 0 0,0 0 1 0 0,0 0-1 0 0,0 0 0 0 0,1 1 0 0 0,-1-2 0 0 0,0 1 0 0 0,0 0 0 0 0,0 0 0 0 0,1 0 0 0 0,-1 0 0 0 0,0-1 0 0 0,0 1 1 0 0,0 0-1 0 0,0-1 0 0 0,1 1 0 0 0,-1-1 0 0 0,0 0 0 0 0,0 1 0 0 0,0-1 0 0 0,0 0 0 0 0,-1 0 0 0 0,1 1 0 0 0,0-1 1 0 0,0 0-1 0 0,0 0 0 0 0,0 0 0 0 0,-1 0 0 0 0,2-1 0 0 0,25-38 862 0 0,-19 26-330 0 0,1 0 0 0 0,1 1 1 0 0,0 0-1 0 0,1 1 1 0 0,23-20-1 0 0,-33 31-500 0 0,0 0 0 0 0,1 0 0 0 0,-1 0 0 0 0,0 0 0 0 0,1 0 1 0 0,-1 0-1 0 0,1 1 0 0 0,-1-1 0 0 0,1 0 0 0 0,-1 1 0 0 0,1-1 0 0 0,-1 1 0 0 0,1 0 0 0 0,-1 0 0 0 0,1-1 0 0 0,0 1 0 0 0,-1 0 0 0 0,1 0 0 0 0,-1 1 0 0 0,1-1 0 0 0,0 0 0 0 0,-1 0 1 0 0,3 1-1 0 0,-3 0-38 0 0,0 0 0 0 0,1 0 0 0 0,-1 0 0 0 0,0 0 1 0 0,0 1-1 0 0,0-1 0 0 0,1 0 0 0 0,-1 1 0 0 0,0-1 1 0 0,-1 0-1 0 0,1 1 0 0 0,0-1 0 0 0,0 1 1 0 0,-1-1-1 0 0,1 1 0 0 0,-1 0 0 0 0,1-1 0 0 0,-1 1 1 0 0,0 0-1 0 0,1-1 0 0 0,-1 4 0 0 0,4 24-125 0 0,1 27-1 0 0,-2-33-1808 0 0,5-27-1681 0 0</inkml:trace>
+</inkml:ink>
+</file>
+
+<file path=ppt/ink/ink14.xml><?xml version="1.0" encoding="utf-8"?>
+<inkml:ink xmlns:inkml="http://www.w3.org/2003/InkML">
+  <inkml:definitions>
+    <inkml:context xml:id="ctx0">
+      <inkml:inkSource xml:id="inkSrc0">
+        <inkml:traceFormat>
+          <inkml:channel name="X" type="integer" min="-2.14748E9" max="2.14748E9" units="cm"/>
+          <inkml:channel name="Y" type="integer" min="-2.14748E9" max="2.14748E9" units="cm"/>
+          <inkml:channel name="F" type="integer" max="32767" units="dev"/>
+          <inkml:channel name="OA" type="integer" max="360" units="deg"/>
+          <inkml:channel name="OE" type="integer" max="90" units="deg"/>
+        </inkml:traceFormat>
+        <inkml:channelProperties>
+          <inkml:channelProperty channel="X" name="resolution" value="1000" units="1/cm"/>
+          <inkml:channelProperty channel="Y" name="resolution" value="1000" units="1/cm"/>
+          <inkml:channelProperty channel="F" name="resolution" value="0" units="1/dev"/>
+          <inkml:channelProperty channel="OA" name="resolution" value="1000" units="1/deg"/>
+          <inkml:channelProperty channel="OE" name="resolution" value="1000" units="1/deg"/>
+        </inkml:channelProperties>
+      </inkml:inkSource>
+      <inkml:timestamp xml:id="ts0" timeString="2021-08-16T16:32:10.305"/>
+    </inkml:context>
+    <inkml:brush xml:id="br0">
+      <inkml:brushProperty name="width" value="0.05" units="cm"/>
+      <inkml:brushProperty name="height" value="0.05" units="cm"/>
+      <inkml:brushProperty name="color" value="#FF0066"/>
+    </inkml:brush>
+  </inkml:definitions>
+  <inkml:trace contextRef="#ctx0" brushRef="#br0">0 23 17999 0 0,'0'0'4244'0'0,"11"11"-3568"0"0,-5-4-623 0 0,-2-1 0 0 0,1 1 0 0 0,-1 0 0 0 0,0 1 0 0 0,0-1 0 0 0,0 1 0 0 0,2 10 0 0 0,13 59 49 0 0,-8-41-9 0 0,-11-35 663 0 0,9-9 213 0 0,-4 2-611 0 0,0-1-1 0 0,-1 1 1 0 0,0-1-1 0 0,6-15 1 0 0,8-11 262 0 0,-13 25-808 0 0,1 0 0 0 0,0 1 0 0 0,0-1 0 0 0,1 1 0 0 0,0 1 0 0 0,0-1 0 0 0,16-9 0 0 0,1 2-3130 0 0,36-16 1 0 0,-49 25 2576 0 0,11-5-987 0 0</inkml:trace>
+</inkml:ink>
+</file>
+
+<file path=ppt/ink/ink15.xml><?xml version="1.0" encoding="utf-8"?>
+<inkml:ink xmlns:inkml="http://www.w3.org/2003/InkML">
+  <inkml:definitions>
+    <inkml:context xml:id="ctx0">
+      <inkml:inkSource xml:id="inkSrc0">
+        <inkml:traceFormat>
+          <inkml:channel name="X" type="integer" min="-2.14748E9" max="2.14748E9" units="cm"/>
+          <inkml:channel name="Y" type="integer" min="-2.14748E9" max="2.14748E9" units="cm"/>
+          <inkml:channel name="F" type="integer" max="32767" units="dev"/>
+          <inkml:channel name="OA" type="integer" max="360" units="deg"/>
+          <inkml:channel name="OE" type="integer" max="90" units="deg"/>
+        </inkml:traceFormat>
+        <inkml:channelProperties>
+          <inkml:channelProperty channel="X" name="resolution" value="1000" units="1/cm"/>
+          <inkml:channelProperty channel="Y" name="resolution" value="1000" units="1/cm"/>
+          <inkml:channelProperty channel="F" name="resolution" value="0" units="1/dev"/>
+          <inkml:channelProperty channel="OA" name="resolution" value="1000" units="1/deg"/>
+          <inkml:channelProperty channel="OE" name="resolution" value="1000" units="1/deg"/>
+        </inkml:channelProperties>
+      </inkml:inkSource>
+      <inkml:timestamp xml:id="ts0" timeString="2021-08-16T16:32:10.711"/>
+    </inkml:context>
+    <inkml:brush xml:id="br0">
+      <inkml:brushProperty name="width" value="0.05" units="cm"/>
+      <inkml:brushProperty name="height" value="0.05" units="cm"/>
+      <inkml:brushProperty name="color" value="#FF0066"/>
+    </inkml:brush>
+  </inkml:definitions>
+  <inkml:trace contextRef="#ctx0" brushRef="#br0">71 0 17047 0 0,'-3'1'337'0'0,"-1"0"-1"0"0,1 1 1 0 0,0-1-1 0 0,0 1 1 0 0,0 0 0 0 0,0-1-1 0 0,0 1 1 0 0,0 1-1 0 0,1-1 1 0 0,-1 0-1 0 0,-2 4 1 0 0,4-5-153 0 0,0-1 1 0 0,0 1 0 0 0,1 0 0 0 0,-1 0 0 0 0,0 0 0 0 0,1 0 0 0 0,-1 1 0 0 0,0-1-1 0 0,1 0 1 0 0,-1 0 0 0 0,1 0 0 0 0,0 0 0 0 0,-1 1 0 0 0,1-1 0 0 0,0 0 0 0 0,0 0 0 0 0,0 1-1 0 0,0-1 1 0 0,0 0 0 0 0,0 0 0 0 0,0 1 0 0 0,0-1 0 0 0,0 0 0 0 0,1 0 0 0 0,-1 0 0 0 0,1 1-1 0 0,-1-1 1 0 0,0 0 0 0 0,1 0 0 0 0,0 0 0 0 0,-1 0 0 0 0,1 0 0 0 0,0 0 0 0 0,0 1-1 0 0,48 43 767 0 0,-36-35-504 0 0,-1 2 0 0 0,0-1 0 0 0,14 19 0 0 0,-24-28-430 0 0,0 1 0 0 0,-1 0 0 0 0,1 0 0 0 0,-1 0 0 0 0,0 0 0 0 0,0 0 0 0 0,0 0 0 0 0,0 0 0 0 0,0 1 0 0 0,-1-1 0 0 0,1 0 0 0 0,-1 0 0 0 0,0 1 0 0 0,0-1 0 0 0,0 0 0 0 0,-1 0 0 0 0,1 1 0 0 0,-1-1 0 0 0,0 0 0 0 0,0 0 0 0 0,0 0 0 0 0,0 0 0 0 0,0 0 0 0 0,-1 0 0 0 0,1 0 0 0 0,-4 4 0 0 0,2-2-64 0 0,-1 0 0 0 0,1 0 0 0 0,-1-1 0 0 0,-1 1 0 0 0,1-1 1 0 0,0 0-1 0 0,-1 0 0 0 0,0 0 0 0 0,0-1 0 0 0,0 0 0 0 0,0 0 0 0 0,-1 0 1 0 0,-7 2-1 0 0,5-2-920 0 0,1-1 1 0 0,-1 0 0 0 0,1-1-1 0 0,-14 1 1 0 0,1-4-8300 0 0</inkml:trace>
+</inkml:ink>
+</file>
+
+<file path=ppt/ink/ink16.xml><?xml version="1.0" encoding="utf-8"?>
+<inkml:ink xmlns:inkml="http://www.w3.org/2003/InkML">
+  <inkml:definitions>
+    <inkml:context xml:id="ctx0">
+      <inkml:inkSource xml:id="inkSrc0">
+        <inkml:traceFormat>
+          <inkml:channel name="X" type="integer" min="-2.14748E9" max="2.14748E9" units="cm"/>
+          <inkml:channel name="Y" type="integer" min="-2.14748E9" max="2.14748E9" units="cm"/>
+          <inkml:channel name="F" type="integer" max="32767" units="dev"/>
+          <inkml:channel name="OA" type="integer" max="360" units="deg"/>
+          <inkml:channel name="OE" type="integer" max="90" units="deg"/>
+        </inkml:traceFormat>
+        <inkml:channelProperties>
+          <inkml:channelProperty channel="X" name="resolution" value="1000" units="1/cm"/>
+          <inkml:channelProperty channel="Y" name="resolution" value="1000" units="1/cm"/>
+          <inkml:channelProperty channel="F" name="resolution" value="0" units="1/dev"/>
+          <inkml:channelProperty channel="OA" name="resolution" value="1000" units="1/deg"/>
+          <inkml:channelProperty channel="OE" name="resolution" value="1000" units="1/deg"/>
+        </inkml:channelProperties>
+      </inkml:inkSource>
+      <inkml:timestamp xml:id="ts0" timeString="2021-08-16T16:32:17.282"/>
+    </inkml:context>
+    <inkml:brush xml:id="br0">
+      <inkml:brushProperty name="width" value="0.05" units="cm"/>
+      <inkml:brushProperty name="height" value="0.05" units="cm"/>
+      <inkml:brushProperty name="color" value="#FF0066"/>
+    </inkml:brush>
+  </inkml:definitions>
+  <inkml:trace contextRef="#ctx0" brushRef="#br0">0 1 2304 0 0,'6'15'14036'0'0,"-4"-14"-13822"0"0,1 0 0 0 0,-1 0 0 0 0,0 0 0 0 0,0-1 0 0 0,0 1 0 0 0,1 0 0 0 0,-1-1 0 0 0,0 0 0 0 0,0 0 0 0 0,1 0 1 0 0,-1 0-1 0 0,0 0 0 0 0,3 0 0 0 0,20 1-40 0 0,41 11 908 0 0,1-4-1 0 0,69 1 1 0 0,-124-9-1000 0 0,205 14 1119 0 0,-142-6-1042 0 0,-25-2-78 0 0,20 3 463 0 0,43 3 152 0 0,340-9 923 0 0,-256-4-1166 0 0,-143 2-323 0 0,73 13 0 0 0,52 19 49 0 0,-4-12 532 0 0,-88-12-405 0 0,133-1 246 0 0,-209-8-528 0 0,58 6 51 0 0,-17-1 22 0 0,7 1 153 0 0,26 1-373 0 0,132-12 1880 0 0,-123-3-2019 0 0,-44 3 188 0 0,-32 3 73 0 0,29-9 0 0 0,-29 7 11 0 0,28-4-1 0 0,-40 7 43 0 0,1 0 0 0 0,0-1 0 0 0,-1 0 0 0 0,1 0 0 0 0,-1-1-1 0 0,9-4 1 0 0,-7 3-66 0 0,1 0 0 0 0,0 1 0 0 0,0 0 0 0 0,12-2-1 0 0,-19 4-320 0 0,7-2 901 0 0,7 2-5463 0 0,-21 0 3373 0 0,-3 0-11 0 0</inkml:trace>
+</inkml:ink>
+</file>
+
+<file path=ppt/ink/ink17.xml><?xml version="1.0" encoding="utf-8"?>
+<inkml:ink xmlns:inkml="http://www.w3.org/2003/InkML">
+  <inkml:definitions>
+    <inkml:context xml:id="ctx0">
+      <inkml:inkSource xml:id="inkSrc0">
+        <inkml:traceFormat>
+          <inkml:channel name="X" type="integer" min="-2.14748E9" max="2.14748E9" units="cm"/>
+          <inkml:channel name="Y" type="integer" min="-2.14748E9" max="2.14748E9" units="cm"/>
+          <inkml:channel name="F" type="integer" max="32767" units="dev"/>
+          <inkml:channel name="OA" type="integer" max="360" units="deg"/>
+          <inkml:channel name="OE" type="integer" max="90" units="deg"/>
+        </inkml:traceFormat>
+        <inkml:channelProperties>
+          <inkml:channelProperty channel="X" name="resolution" value="1000" units="1/cm"/>
+          <inkml:channelProperty channel="Y" name="resolution" value="1000" units="1/cm"/>
+          <inkml:channelProperty channel="F" name="resolution" value="0" units="1/dev"/>
+          <inkml:channelProperty channel="OA" name="resolution" value="1000" units="1/deg"/>
+          <inkml:channelProperty channel="OE" name="resolution" value="1000" units="1/deg"/>
+        </inkml:channelProperties>
+      </inkml:inkSource>
+      <inkml:timestamp xml:id="ts0" timeString="2021-08-16T16:32:46.292"/>
+    </inkml:context>
+    <inkml:brush xml:id="br0">
+      <inkml:brushProperty name="width" value="0.05" units="cm"/>
+      <inkml:brushProperty name="height" value="0.05" units="cm"/>
+      <inkml:brushProperty name="color" value="#FF0066"/>
+    </inkml:brush>
+  </inkml:definitions>
+  <inkml:trace contextRef="#ctx0" brushRef="#br0">52 94 6448 0 0,'0'0'585'0'0,"-11"0"1750"0"0,-13-5 382 0 0,23 5-2122 0 0,0-1-470 0 0,1 1 0 0 0,-1-1 0 0 0,1 1 0 0 0,-1-1 0 0 0,1 1 0 0 0,-1-1 0 0 0,1 1 0 0 0,-1-1 0 0 0,0 1 0 0 0,1 0 0 0 0,-1-1 0 0 0,1 1 0 0 0,-1 0 0 0 0,0 0 0 0 0,0-1 0 0 0,0 1 0 0 0,-3-2 2163 0 0,8 2-63 0 0,25-2-1995 0 0,1-1-1 0 0,34-8 1 0 0,21-2 537 0 0,51-1-403 0 0,77 19-47 0 0,-58 0 1291 0 0,-136-6-1389 0 0,0-1 0 0 0,-1-2 0 0 0,27-7 0 0 0,-7 3-315 0 0,0 2 0 0 0,44-2-1 0 0,-23 3 30 0 0,-33 4 136 0 0,-1 1 1 0 0,0 1-1 0 0,32 5 0 0 0,-29-3-8 0 0,28-1 94 0 0,-8-1-502 0 0,25-2 641 0 0,-27 0-131 0 0,22 2 187 0 0,81 10 0 0 0,-109-7-176 0 0,0-3-1 0 0,58-4 1 0 0,-1-1-6 0 0,-71 4-168 0 0,22 0 0 0 0,-35 0 35 0 0,1 0-1 0 0,16-2 1 0 0,8 0 389 0 0,38 6 120 0 0,6 4 306 0 0,-63-6-756 0 0,32 7-94 0 0,-31-5 0 0 0,0-1 0 0 0,28 0 0 0 0,-2 0 0 0 0,-29-2 0 0 0,0 0 0 0 0,27-3 0 0 0,74-15 1976 0 0,-99 13-1943 0 0,-1 0 76 0 0,-1 1 0 0 0,30-1 0 0 0,-38 4-64 0 0,0-1 1 0 0,-1 0-1 0 0,17-4 0 0 0,-9 4 50 0 0,-15 1-22 0 0,17-6-2195 0 0,-15 5 1386 0 0</inkml:trace>
+</inkml:ink>
+</file>
+
+<file path=ppt/ink/ink18.xml><?xml version="1.0" encoding="utf-8"?>
+<inkml:ink xmlns:inkml="http://www.w3.org/2003/InkML">
+  <inkml:definitions>
+    <inkml:context xml:id="ctx0">
+      <inkml:inkSource xml:id="inkSrc0">
+        <inkml:traceFormat>
+          <inkml:channel name="X" type="integer" min="-2.14748E9" max="2.14748E9" units="cm"/>
+          <inkml:channel name="Y" type="integer" min="-2.14748E9" max="2.14748E9" units="cm"/>
+          <inkml:channel name="F" type="integer" max="32767" units="dev"/>
+          <inkml:channel name="OA" type="integer" max="360" units="deg"/>
+          <inkml:channel name="OE" type="integer" max="90" units="deg"/>
+        </inkml:traceFormat>
+        <inkml:channelProperties>
+          <inkml:channelProperty channel="X" name="resolution" value="1000" units="1/cm"/>
+          <inkml:channelProperty channel="Y" name="resolution" value="1000" units="1/cm"/>
+          <inkml:channelProperty channel="F" name="resolution" value="0" units="1/dev"/>
+          <inkml:channelProperty channel="OA" name="resolution" value="1000" units="1/deg"/>
+          <inkml:channelProperty channel="OE" name="resolution" value="1000" units="1/deg"/>
+        </inkml:channelProperties>
+      </inkml:inkSource>
+      <inkml:timestamp xml:id="ts0" timeString="2021-08-16T16:32:55.543"/>
+    </inkml:context>
+    <inkml:brush xml:id="br0">
+      <inkml:brushProperty name="width" value="0.05" units="cm"/>
+      <inkml:brushProperty name="height" value="0.05" units="cm"/>
+      <inkml:brushProperty name="color" value="#FF0066"/>
+    </inkml:brush>
+  </inkml:definitions>
+  <inkml:trace contextRef="#ctx0" brushRef="#br0">2 80 4144 0 0,'-2'3'8336'0'0,"4"-4"-8210"0"0,0 0 0 0 0,-1 1 1 0 0,1-1-1 0 0,0 0 0 0 0,-1 0 1 0 0,1 0-1 0 0,-1 0 1 0 0,1 0-1 0 0,-1 0 0 0 0,2-3 1 0 0,7-3 723 0 0,0 2-400 0 0,-1 0 0 0 0,1 1 0 0 0,0 1-1 0 0,15-4 1 0 0,44-7 311 0 0,-51 11-313 0 0,76-8 1771 0 0,179 0-1 0 0,101 24-850 0 0,-53 1-96 0 0,-163-22-533 0 0,-1-1 1 0 0,234 22 149 0 0,-340-9-376 0 0,54 2 994 0 0,-99-7-1535 0 0,-1 1 0 0 0,1-1 0 0 0,0-1 0 0 0,0 1 0 0 0,10-4 0 0 0,0-3-2986 0 0</inkml:trace>
+</inkml:ink>
+</file>
+
+<file path=ppt/ink/ink19.xml><?xml version="1.0" encoding="utf-8"?>
+<inkml:ink xmlns:inkml="http://www.w3.org/2003/InkML">
+  <inkml:definitions>
+    <inkml:context xml:id="ctx0">
+      <inkml:inkSource xml:id="inkSrc0">
+        <inkml:traceFormat>
+          <inkml:channel name="X" type="integer" min="-2.14748E9" max="2.14748E9" units="cm"/>
+          <inkml:channel name="Y" type="integer" min="-2.14748E9" max="2.14748E9" units="cm"/>
+          <inkml:channel name="F" type="integer" max="32767" units="dev"/>
+          <inkml:channel name="OA" type="integer" max="360" units="deg"/>
+          <inkml:channel name="OE" type="integer" max="90" units="deg"/>
+        </inkml:traceFormat>
+        <inkml:channelProperties>
+          <inkml:channelProperty channel="X" name="resolution" value="1000" units="1/cm"/>
+          <inkml:channelProperty channel="Y" name="resolution" value="1000" units="1/cm"/>
+          <inkml:channelProperty channel="F" name="resolution" value="0" units="1/dev"/>
+          <inkml:channelProperty channel="OA" name="resolution" value="1000" units="1/deg"/>
+          <inkml:channelProperty channel="OE" name="resolution" value="1000" units="1/deg"/>
+        </inkml:channelProperties>
+      </inkml:inkSource>
+      <inkml:timestamp xml:id="ts0" timeString="2021-08-16T16:33:04.128"/>
+    </inkml:context>
+    <inkml:brush xml:id="br0">
+      <inkml:brushProperty name="width" value="0.05" units="cm"/>
+      <inkml:brushProperty name="height" value="0.05" units="cm"/>
+      <inkml:brushProperty name="color" value="#FF0066"/>
+    </inkml:brush>
+  </inkml:definitions>
+  <inkml:trace contextRef="#ctx0" brushRef="#br0">11 158 3224 0 0,'0'0'9232'0'0,"1"-8"-3805"0"0,-1 6-5154 0 0,-1 1-87 0 0,1 1 0 0 0,0-1 0 0 0,0 0 0 0 0,-1 1-1 0 0,1-1 1 0 0,0 0 0 0 0,-1 1 0 0 0,1-1 0 0 0,-1 1-1 0 0,1-1 1 0 0,-1 1 0 0 0,1-1 0 0 0,-1 1 0 0 0,-1-2 1415 0 0,1-6 37 0 0,0 8-1579 0 0,1-1-1 0 0,0 1 1 0 0,0 0 0 0 0,0 0-1 0 0,0-1 1 0 0,-1 1 0 0 0,1 0-1 0 0,0-1 1 0 0,0 1-1 0 0,0 0 1 0 0,0-1 0 0 0,0 1-1 0 0,0 0 1 0 0,0-1 0 0 0,0 1-1 0 0,0-1 1 0 0,0 1 0 0 0,0 0-1 0 0,0-1 1 0 0,0 1 0 0 0,0 0-1 0 0,0-1 1 0 0,0 1 0 0 0,1 0-1 0 0,-1-1 1 0 0,0 1 0 0 0,0 0-1 0 0,0 0 1 0 0,0-1 0 0 0,1 1-1 0 0,-1 0 1 0 0,0-1 0 0 0,1 1-1 0 0,3-14 1894 0 0,9 0-885 0 0,-13 13-1014 0 0,14-1 78 0 0,-12 0-103 0 0,0 1 0 0 0,0 0 1 0 0,1 0-1 0 0,-1 0 0 0 0,0 0 1 0 0,1 0-1 0 0,-1 0 0 0 0,1 1 1 0 0,-1-1-1 0 0,1 1 0 0 0,-1 0 1 0 0,1 0-1 0 0,-1-1 0 0 0,1 2 1 0 0,-1-1-1 0 0,1 0 0 0 0,-1 0 1 0 0,1 1-1 0 0,2 1 0 0 0,25 0 376 0 0,-24-1-370 0 0,1-1-1 0 0,-1 1 1 0 0,1-1-1 0 0,0-1 1 0 0,-1 1-1 0 0,1-1 1 0 0,11-3-1 0 0,-14 3-15 0 0,58-3 307 0 0,-9 0-264 0 0,-36 3-19 0 0,30-5-1 0 0,22-5-41 0 0,38 0 0 0 0,-89 10 0 0 0,30-2 10 0 0,-8 0 17 0 0,69-12 0 0 0,-85 11 51 0 0,0 1 0 0 0,43 0 0 0 0,23-3 80 0 0,-70 5-186 0 0,31 0 0 0 0,-31 1 20 0 0,63 1 72 0 0,112 18 0 0 0,-54-6-60 0 0,31 6-24 0 0,8 6 87 0 0,121-7-278 0 0,-140-11 611 0 0,-87-7-389 0 0,178-13 170 0 0,-125 7-107 0 0,-3 0-8 0 0,-46 11-27 0 0,-1 0-18 0 0,101-10-21 0 0,-125 3 0 0 0,-7 3 0 0 0,85 12 0 0 0,-6 0 0 0 0,-70-11 0 0 0,61 4 0 0 0,107 21 0 0 0,-145-17 10 0 0,134 11 55 0 0,-96-8-43 0 0,3 0-15 0 0,196-2 273 0 0,-250-6-256 0 0,38-1 45 0 0,-32-4-41 0 0,134 3 43 0 0,-51-1-26 0 0,-89-3-8 0 0,87 10 1 0 0,-69 1-38 0 0,159-3 0 0 0,-137-13 0 0 0,43-2 0 0 0,-18 5 0 0 0,-93 1 0 0 0,94-8 0 0 0,-119 9 0 0 0,0 0 0 0 0,14 0 0 0 0,-10 1 0 0 0,-11 0 0 0 0,1 0 0 0 0,-2 0-65 0 0,-3 0-271 0 0</inkml:trace>
+</inkml:ink>
+</file>
+
+<file path=ppt/ink/ink2.xml><?xml version="1.0" encoding="utf-8"?>
+<inkml:ink xmlns:inkml="http://www.w3.org/2003/InkML">
+  <inkml:definitions>
+    <inkml:context xml:id="ctx0">
+      <inkml:inkSource xml:id="inkSrc0">
+        <inkml:traceFormat>
+          <inkml:channel name="X" type="integer" min="-2.14748E9" max="2.14748E9" units="cm"/>
+          <inkml:channel name="Y" type="integer" min="-2.14748E9" max="2.14748E9" units="cm"/>
+          <inkml:channel name="F" type="integer" max="32767" units="dev"/>
+          <inkml:channel name="OA" type="integer" max="360" units="deg"/>
+          <inkml:channel name="OE" type="integer" max="90" units="deg"/>
+        </inkml:traceFormat>
+        <inkml:channelProperties>
+          <inkml:channelProperty channel="X" name="resolution" value="1000" units="1/cm"/>
+          <inkml:channelProperty channel="Y" name="resolution" value="1000" units="1/cm"/>
+          <inkml:channelProperty channel="F" name="resolution" value="0" units="1/dev"/>
+          <inkml:channelProperty channel="OA" name="resolution" value="1000" units="1/deg"/>
+          <inkml:channelProperty channel="OE" name="resolution" value="1000" units="1/deg"/>
+        </inkml:channelProperties>
+      </inkml:inkSource>
+      <inkml:timestamp xml:id="ts0" timeString="2021-08-16T16:31:02.017"/>
+    </inkml:context>
+    <inkml:brush xml:id="br0">
+      <inkml:brushProperty name="width" value="0.05" units="cm"/>
+      <inkml:brushProperty name="height" value="0.05" units="cm"/>
+      <inkml:brushProperty name="color" value="#FF0066"/>
+    </inkml:brush>
+  </inkml:definitions>
+  <inkml:trace contextRef="#ctx0" brushRef="#br0">31 90 3680 0 0,'0'0'284'0'0,"-2"0"-143"0"0,-17 0 6184 0 0,16 0-5791 0 0,-2 1 2570 0 0,4 3 164 0 0,1-1-3787 0 0,0-2 708 0 0,0 0 49 0 0,0 0 0 0 0,0 0 0 0 0,0 1 0 0 0,0-1 0 0 0,0 0 0 0 0,0 0 1 0 0,0 1-1 0 0,0-1 0 0 0,1 0 0 0 0,0 2 0 0 0,11 0 272 0 0,-7-1-345 0 0,-1-1-1 0 0,1 0 1 0 0,-1 0-1 0 0,1 0 1 0 0,6 0-1 0 0,42-2 332 0 0,83-1 272 0 0,-105 3-642 0 0,36 7 1 0 0,10 0-4 0 0,9-4 421 0 0,115 10 716 0 0,-94-4-773 0 0,-62-7-227 0 0,58-4 0 0 0,-32-1-162 0 0,-19 0 141 0 0,56-10-1 0 0,-63 6 9 0 0,183-16 772 0 0,27 23-803 0 0,-95 2 649 0 0,-53-9-307 0 0,51-20 203 0 0,-80 9-409 0 0,83-6 1 0 0,-46 18 234 0 0,172 15-1 0 0,-219-2-557 0 0,-42-4 129 0 0,38 1-1 0 0,12-2 83 0 0,31-11 54 0 0,-101 7-333 0 0,1 0 0 0 0,-1-1 0 0 0,0 0 0 0 0,0 0 0 0 0,0 0-1 0 0,0-1 1 0 0,0 0 0 0 0,-1 0 0 0 0,1 0 0 0 0,-1-1 0 0 0,9-8 0 0 0,12-15-4640 0 0,-20 20 3216 0 0</inkml:trace>
+</inkml:ink>
+</file>
+
+<file path=ppt/ink/ink20.xml><?xml version="1.0" encoding="utf-8"?>
+<inkml:ink xmlns:inkml="http://www.w3.org/2003/InkML">
+  <inkml:definitions>
+    <inkml:context xml:id="ctx0">
+      <inkml:inkSource xml:id="inkSrc0">
+        <inkml:traceFormat>
+          <inkml:channel name="X" type="integer" min="-2.14748E9" max="2.14748E9" units="cm"/>
+          <inkml:channel name="Y" type="integer" min="-2.14748E9" max="2.14748E9" units="cm"/>
+          <inkml:channel name="F" type="integer" max="32767" units="dev"/>
+          <inkml:channel name="OA" type="integer" max="360" units="deg"/>
+          <inkml:channel name="OE" type="integer" max="90" units="deg"/>
+        </inkml:traceFormat>
+        <inkml:channelProperties>
+          <inkml:channelProperty channel="X" name="resolution" value="1000" units="1/cm"/>
+          <inkml:channelProperty channel="Y" name="resolution" value="1000" units="1/cm"/>
+          <inkml:channelProperty channel="F" name="resolution" value="0" units="1/dev"/>
+          <inkml:channelProperty channel="OA" name="resolution" value="1000" units="1/deg"/>
+          <inkml:channelProperty channel="OE" name="resolution" value="1000" units="1/deg"/>
+        </inkml:channelProperties>
+      </inkml:inkSource>
+      <inkml:timestamp xml:id="ts0" timeString="2021-08-16T16:52:44.790"/>
+    </inkml:context>
+    <inkml:brush xml:id="br0">
+      <inkml:brushProperty name="width" value="0.05" units="cm"/>
+      <inkml:brushProperty name="height" value="0.05" units="cm"/>
+      <inkml:brushProperty name="color" value="#FF0066"/>
+    </inkml:brush>
+  </inkml:definitions>
+  <inkml:trace contextRef="#ctx0" brushRef="#br0">68 13 4608 0 0,'-14'6'628'0'0,"10"-5"176"0"0,-20 5 2363 0 0,22-5-2990 0 0,1-1-1 0 0,-1 0 1 0 0,1 0 0 0 0,-1 0 0 0 0,1 0-1 0 0,0 0 1 0 0,-1 0 0 0 0,1 0 0 0 0,-1 0-1 0 0,1-1 1 0 0,0 1 0 0 0,-7-3 5788 0 0,9-3-4625 0 0,4-2-834 0 0,-3 6-381 0 0,0 1-1 0 0,0 0 1 0 0,0 0-1 0 0,0 0 1 0 0,0 1-1 0 0,0-1 1 0 0,0 1 0 0 0,1-1-1 0 0,-1 1 1 0 0,0-1-1 0 0,1 1 1 0 0,2 0-1 0 0,0 1 126 0 0,0 0 0 0 0,0 0 0 0 0,-1 0-1 0 0,10 4 1 0 0,15 4 554 0 0,1 0 0 0 0,45 6 0 0 0,64 1 386 0 0,-88-11-857 0 0,376 2 1624 0 0,-334-9-1598 0 0,208-5 62 0 0,-154 6-168 0 0,1-1-9 0 0,155 18-1 0 0,-191-5 205 0 0,86 13 159 0 0,-164-18-436 0 0,2 0 33 0 0,65 4 1 0 0,-40-8 113 0 0,-31 0-127 0 0,39-3 0 0 0,-16-5 166 0 0,80-18 0 0 0,-124 22-296 0 0,-6 2-66 0 0,-1-1 0 0 0,1 0-1 0 0,-1 1 1 0 0,1-1 0 0 0,-1 0 0 0 0,5-3-1 0 0,-6 3-223 0 0</inkml:trace>
+</inkml:ink>
+</file>
+
+<file path=ppt/ink/ink21.xml><?xml version="1.0" encoding="utf-8"?>
+<inkml:ink xmlns:inkml="http://www.w3.org/2003/InkML">
+  <inkml:definitions>
+    <inkml:context xml:id="ctx0">
+      <inkml:inkSource xml:id="inkSrc0">
+        <inkml:traceFormat>
+          <inkml:channel name="X" type="integer" min="-2.14748E9" max="2.14748E9" units="cm"/>
+          <inkml:channel name="Y" type="integer" min="-2.14748E9" max="2.14748E9" units="cm"/>
+          <inkml:channel name="F" type="integer" max="32767" units="dev"/>
+          <inkml:channel name="OA" type="integer" max="360" units="deg"/>
+          <inkml:channel name="OE" type="integer" max="90" units="deg"/>
+        </inkml:traceFormat>
+        <inkml:channelProperties>
+          <inkml:channelProperty channel="X" name="resolution" value="1000" units="1/cm"/>
+          <inkml:channelProperty channel="Y" name="resolution" value="1000" units="1/cm"/>
+          <inkml:channelProperty channel="F" name="resolution" value="0" units="1/dev"/>
+          <inkml:channelProperty channel="OA" name="resolution" value="1000" units="1/deg"/>
+          <inkml:channelProperty channel="OE" name="resolution" value="1000" units="1/deg"/>
+        </inkml:channelProperties>
+      </inkml:inkSource>
+      <inkml:timestamp xml:id="ts0" timeString="2021-08-16T16:52:46.847"/>
+    </inkml:context>
+    <inkml:brush xml:id="br0">
+      <inkml:brushProperty name="width" value="0.05" units="cm"/>
+      <inkml:brushProperty name="height" value="0.05" units="cm"/>
+      <inkml:brushProperty name="color" value="#FF0066"/>
+    </inkml:brush>
+  </inkml:definitions>
+  <inkml:trace contextRef="#ctx0" brushRef="#br0">43 110 10592 0 0,'-43'-2'6607'0'0,"47"1"-6184"0"0,-1-1-1 0 0,0 1 1 0 0,0 0-1 0 0,0 0 1 0 0,7-1-1 0 0,189-21 2793 0 0,-126 16-2581 0 0,436-31 2006 0 0,-132 23-1719 0 0,-107 6-154 0 0,57 4-45 0 0,-86 3-244 0 0,95 19 871 0 0,-298-10-1342 0 0,-28-5 42 0 0,0 0 1 0 0,21 1-1 0 0,-30-3 31 0 0,7-2 27 0 0,-7 2-130 0 0,4-10-3318 0 0,-2 8 1694 0 0</inkml:trace>
+</inkml:ink>
+</file>
+
+<file path=ppt/ink/ink22.xml><?xml version="1.0" encoding="utf-8"?>
+<inkml:ink xmlns:inkml="http://www.w3.org/2003/InkML">
+  <inkml:definitions>
+    <inkml:context xml:id="ctx0">
+      <inkml:inkSource xml:id="inkSrc0">
+        <inkml:traceFormat>
+          <inkml:channel name="X" type="integer" min="-2.14748E9" max="2.14748E9" units="cm"/>
+          <inkml:channel name="Y" type="integer" min="-2.14748E9" max="2.14748E9" units="cm"/>
+          <inkml:channel name="F" type="integer" max="32767" units="dev"/>
+          <inkml:channel name="OA" type="integer" max="360" units="deg"/>
+          <inkml:channel name="OE" type="integer" max="90" units="deg"/>
+        </inkml:traceFormat>
+        <inkml:channelProperties>
+          <inkml:channelProperty channel="X" name="resolution" value="1000" units="1/cm"/>
+          <inkml:channelProperty channel="Y" name="resolution" value="1000" units="1/cm"/>
+          <inkml:channelProperty channel="F" name="resolution" value="0" units="1/dev"/>
+          <inkml:channelProperty channel="OA" name="resolution" value="1000" units="1/deg"/>
+          <inkml:channelProperty channel="OE" name="resolution" value="1000" units="1/deg"/>
+        </inkml:channelProperties>
+      </inkml:inkSource>
+      <inkml:timestamp xml:id="ts0" timeString="2021-08-16T16:53:00.726"/>
+    </inkml:context>
+    <inkml:brush xml:id="br0">
+      <inkml:brushProperty name="width" value="0.05" units="cm"/>
+      <inkml:brushProperty name="height" value="0.05" units="cm"/>
+      <inkml:brushProperty name="color" value="#FF0066"/>
+    </inkml:brush>
+  </inkml:definitions>
+  <inkml:trace contextRef="#ctx0" brushRef="#br0">0 86 9848 0 0,'0'0'6525'0'0,"4"-8"-3968"0"0,-2 8-2349 0 0,0 0 0 0 0,0-1 0 0 0,0 1 0 0 0,0 0 0 0 0,0 0 0 0 0,0 1-1 0 0,1-1 1 0 0,-1 0 0 0 0,0 1 0 0 0,0-1 0 0 0,0 1 0 0 0,0 0 0 0 0,0 0 0 0 0,-1 0 0 0 0,5 2 1213 0 0,2 1 584 0 0,-4 0-1441 0 0,-2-3-337 0 0,-1 1 1 0 0,1-1 0 0 0,-1 0 0 0 0,1 0 0 0 0,0 1-1 0 0,0-1 1 0 0,0 0 0 0 0,0 0 0 0 0,0-1 0 0 0,3 2-1 0 0,4 0 319 0 0,-8-2-526 0 0,0 0 0 0 0,0 0 1 0 0,-1 0-1 0 0,1 1 0 0 0,0-1 1 0 0,0 0-1 0 0,0 0 0 0 0,-1 0 1 0 0,1 0-1 0 0,0-1 0 0 0,0 1 1 0 0,-1 0-1 0 0,1 0 0 0 0,0 0 1 0 0,1-1-1 0 0,10 3 289 0 0,-3-4-204 0 0,-1 1-1 0 0,0 0 0 0 0,1 1 0 0 0,10 0 1 0 0,-10 0-1 0 0,0 0 0 0 0,0 0 1 0 0,12-3-1 0 0,-13 1-95 0 0,0 1-1 0 0,-1 1 1 0 0,15 0 0 0 0,-14 0 0 0 0,1 0 1 0 0,14-2 0 0 0,-11 0 14 0 0,0 0-1 0 0,1 1 0 0 0,-1 0 1 0 0,15 1-1 0 0,18 0-12 0 0,38 2-11 0 0,-60-3 0 0 0,0 1 0 0 0,34 5 0 0 0,8-1 0 0 0,79-4 1 0 0,-64-2 74 0 0,116-3 313 0 0,-182 5-388 0 0,-8 0 0 0 0,0 1 0 0 0,0-2 0 0 0,0 1 0 0 0,0-1 0 0 0,0 0 0 0 0,8-2 0 0 0,13-4 1 0 0,0 0 0 0 0,34-2 0 0 0,-18 3 113 0 0,166-34 225 0 0,-169 32-316 0 0,0 2-1 0 0,0 2 1 0 0,1 2 0 0 0,-1 2-1 0 0,60 6 1 0 0,-61-2-23 0 0,61-2 0 0 0,-62-2 0 0 0,13-1 0 0 0,45 1 0 0 0,-66 2 0 0 0,55 6 0 0 0,-42-3 19 0 0,52 0 0 0 0,12 1 7 0 0,-80-4-26 0 0,-15-1 0 0 0,1 0 0 0 0,-1 1 0 0 0,14 4 0 0 0,26 6 21 0 0,0-2 1 0 0,97 6-1 0 0,-55-13-24 0 0,30 4 59 0 0,-10 0-42 0 0,-6 0-17 0 0,-34-3 29 0 0,20 3 12 0 0,80 3-41 0 0,-85-8 59 0 0,-29-2-8 0 0,12 0 70 0 0,-48 1-90 0 0,29-3 0 0 0,16 1-15 0 0,191-5 112 0 0,-234 4-122 0 0,62-4-3 0 0,135-6 0 0 0,-81 6 38 0 0,-32 0-12 0 0,155-13 64 0 0,-136 9-60 0 0,60 1-30 0 0,-130 8 0 0 0,86 7 0 0 0,-141-5 0 0 0,129 9 0 0 0,-88-5 0 0 0,-9-2 0 0 0,43 11 0 0 0,-4-4 0 0 0,-71-9 3 0 0,0 0 0 0 0,0-1-1 0 0,0 1 1 0 0,0-1 0 0 0,7 0 0 0 0,25-1-124 0 0,-35 1-419 0 0</inkml:trace>
+</inkml:ink>
+</file>
+
+<file path=ppt/ink/ink23.xml><?xml version="1.0" encoding="utf-8"?>
+<inkml:ink xmlns:inkml="http://www.w3.org/2003/InkML">
+  <inkml:definitions>
+    <inkml:context xml:id="ctx0">
+      <inkml:inkSource xml:id="inkSrc0">
+        <inkml:traceFormat>
+          <inkml:channel name="X" type="integer" min="-2.14748E9" max="2.14748E9" units="cm"/>
+          <inkml:channel name="Y" type="integer" min="-2.14748E9" max="2.14748E9" units="cm"/>
+          <inkml:channel name="F" type="integer" max="32767" units="dev"/>
+          <inkml:channel name="OA" type="integer" max="360" units="deg"/>
+          <inkml:channel name="OE" type="integer" max="90" units="deg"/>
+        </inkml:traceFormat>
+        <inkml:channelProperties>
+          <inkml:channelProperty channel="X" name="resolution" value="1000" units="1/cm"/>
+          <inkml:channelProperty channel="Y" name="resolution" value="1000" units="1/cm"/>
+          <inkml:channelProperty channel="F" name="resolution" value="0" units="1/dev"/>
+          <inkml:channelProperty channel="OA" name="resolution" value="1000" units="1/deg"/>
+          <inkml:channelProperty channel="OE" name="resolution" value="1000" units="1/deg"/>
+        </inkml:channelProperties>
+      </inkml:inkSource>
+      <inkml:timestamp xml:id="ts0" timeString="2021-08-16T16:53:04.616"/>
+    </inkml:context>
+    <inkml:brush xml:id="br0">
+      <inkml:brushProperty name="width" value="0.05" units="cm"/>
+      <inkml:brushProperty name="height" value="0.05" units="cm"/>
+      <inkml:brushProperty name="color" value="#FF0066"/>
+    </inkml:brush>
+  </inkml:definitions>
+  <inkml:trace contextRef="#ctx0" brushRef="#br0">95 258 4144 0 0,'-1'0'143'0'0,"0"0"1"0"0,0 0-1 0 0,0 0 0 0 0,-1-1 1 0 0,1 1-1 0 0,0-1 0 0 0,0 1 1 0 0,0-1-1 0 0,0 1 0 0 0,0-1 0 0 0,-1 0 1 0 0,1 1-1 0 0,1-1 0 0 0,-1 0 1 0 0,0 0-1 0 0,0 0 0 0 0,0 0 1 0 0,0 0-1 0 0,0 0 0 0 0,1 0 1 0 0,-1 0-1 0 0,1 0 0 0 0,-1 0 1 0 0,0-2-1 0 0,-2-4 1434 0 0,1 0 1 0 0,-1 0-1 0 0,0-8 0 0 0,2 10-1687 0 0,-1-10 784 0 0,1 1 0 0 0,0-1 0 0 0,1 1 0 0 0,0-1 0 0 0,5-23 0 0 0,-3 25-229 0 0,-2 4 112 0 0,1 0 0 0 0,1 1-1 0 0,0 0 1 0 0,0-1-1 0 0,1 1 1 0 0,6-15 1511 0 0,-33 303 2534 0 0,8-124-4039 0 0,1-21-189 0 0,-4 65-94 0 0,16-157-218 0 0,1-27-365 0 0,0 1-1 0 0,2 22 1 0 0,4-27-659 0 0,-4-11 857 0 0,0-1 0 0 0,1 0 1 0 0,-1 0-1 0 0,0 1 0 0 0,0-1 1 0 0,1 0-1 0 0,-1 0 0 0 0,0 0 1 0 0,1 0-1 0 0,-1 1 0 0 0,0-1 1 0 0,0 0-1 0 0,1 0 0 0 0,-1 0 0 0 0,0 0 1 0 0,1 0-1 0 0,-1 0 0 0 0,0 0 1 0 0,1 0-1 0 0,-1 0 0 0 0,0 0 1 0 0,1 0-1 0 0,1 0-312 0 0,-1-1 1 0 0,1 0-1 0 0,0 1 1 0 0,-1-1-1 0 0,1 0 1 0 0,-1 0-1 0 0,1 0 1 0 0,-1 0-1 0 0,0 0 1 0 0,2-1-1 0 0,9-12-7425 0 0</inkml:trace>
+</inkml:ink>
+</file>
+
+<file path=ppt/ink/ink24.xml><?xml version="1.0" encoding="utf-8"?>
+<inkml:ink xmlns:inkml="http://www.w3.org/2003/InkML">
+  <inkml:definitions>
+    <inkml:context xml:id="ctx0">
+      <inkml:inkSource xml:id="inkSrc0">
+        <inkml:traceFormat>
+          <inkml:channel name="X" type="integer" min="-2.14748E9" max="2.14748E9" units="cm"/>
+          <inkml:channel name="Y" type="integer" min="-2.14748E9" max="2.14748E9" units="cm"/>
+          <inkml:channel name="F" type="integer" max="32767" units="dev"/>
+          <inkml:channel name="OA" type="integer" max="360" units="deg"/>
+          <inkml:channel name="OE" type="integer" max="90" units="deg"/>
+        </inkml:traceFormat>
+        <inkml:channelProperties>
+          <inkml:channelProperty channel="X" name="resolution" value="1000" units="1/cm"/>
+          <inkml:channelProperty channel="Y" name="resolution" value="1000" units="1/cm"/>
+          <inkml:channelProperty channel="F" name="resolution" value="0" units="1/dev"/>
+          <inkml:channelProperty channel="OA" name="resolution" value="1000" units="1/deg"/>
+          <inkml:channelProperty channel="OE" name="resolution" value="1000" units="1/deg"/>
+        </inkml:channelProperties>
+      </inkml:inkSource>
+      <inkml:timestamp xml:id="ts0" timeString="2021-08-16T16:53:04.995"/>
+    </inkml:context>
+    <inkml:brush xml:id="br0">
+      <inkml:brushProperty name="width" value="0.05" units="cm"/>
+      <inkml:brushProperty name="height" value="0.05" units="cm"/>
+      <inkml:brushProperty name="color" value="#FF0066"/>
+    </inkml:brush>
+  </inkml:definitions>
+  <inkml:trace contextRef="#ctx0" brushRef="#br0">1 185 18199 0 0,'0'0'830'0'0,"3"-3"276"0"0,7-2-799 0 0,0-1 0 0 0,0 0-1 0 0,0 0 1 0 0,-1-1 0 0 0,0 0-1 0 0,-1-1 1 0 0,1 0 0 0 0,-1 0-1 0 0,-1-1 1 0 0,0 0 0 0 0,0 0-1 0 0,-1-1 1 0 0,0 0 0 0 0,6-14-1 0 0,-4-1 293 0 0,-8 24-581 0 0,1 0-1 0 0,-1 0 1 0 0,0 0 0 0 0,0-1-1 0 0,0 1 1 0 0,0 0 0 0 0,0 0 0 0 0,0-1-1 0 0,0 1 1 0 0,0 0 0 0 0,0 0-1 0 0,0 0 1 0 0,-1-1 0 0 0,1 1-1 0 0,0 0 1 0 0,-1 0 0 0 0,0-1 0 0 0,0 1 7 0 0,1 1 0 0 0,-1-1 0 0 0,0 1 0 0 0,0 0 1 0 0,1 0-1 0 0,-1 0 0 0 0,0-1 0 0 0,0 1 0 0 0,1 0 1 0 0,-1 0-1 0 0,0 0 0 0 0,0 0 0 0 0,1 0 0 0 0,-1 0 1 0 0,0 0-1 0 0,0 0 0 0 0,1 1 0 0 0,-1-1 0 0 0,0 0 1 0 0,1 0-1 0 0,-1 1 0 0 0,0-1 0 0 0,0 0 0 0 0,1 1 1 0 0,-1-1-1 0 0,1 1 0 0 0,-1-1 0 0 0,0 0 0 0 0,0 2 1 0 0,-18 14 438 0 0,10-7-282 0 0,1 0 1 0 0,0 1-1 0 0,0 0 1 0 0,2 0-1 0 0,-1 1 1 0 0,1 0 0 0 0,0 0-1 0 0,-4 15 1 0 0,6-16-88 0 0,1 0-1 0 0,0 0 1 0 0,1 0 0 0 0,0 0-1 0 0,1 1 1 0 0,0-1 0 0 0,0 1 0 0 0,1-1-1 0 0,1 0 1 0 0,1 13 0 0 0,-1-21-81 0 0,-1 1 1 0 0,1-1 0 0 0,-1 0-1 0 0,1 0 1 0 0,0 1 0 0 0,0-1-1 0 0,0 0 1 0 0,0 0 0 0 0,0 0-1 0 0,0 0 1 0 0,0 0 0 0 0,1 0 0 0 0,-1-1-1 0 0,1 1 1 0 0,-1 0 0 0 0,1-1-1 0 0,0 1 1 0 0,0-1 0 0 0,0 1-1 0 0,0-1 1 0 0,0 0 0 0 0,0 0-1 0 0,0 0 1 0 0,0 0 0 0 0,0 0-1 0 0,0 0 1 0 0,1-1 0 0 0,-1 1-1 0 0,0-1 1 0 0,1 0 0 0 0,-1 1-1 0 0,0-1 1 0 0,1 0 0 0 0,-1 0-1 0 0,4-1 1 0 0,6-1-12 0 0,-1 0 0 0 0,0-1 0 0 0,0 0-1 0 0,0-1 1 0 0,20-9 0 0 0,34-19-1070 0 0,-25 5-2579 0 0,-20 11-5648 0 0</inkml:trace>
+</inkml:ink>
+</file>
+
+<file path=ppt/ink/ink25.xml><?xml version="1.0" encoding="utf-8"?>
+<inkml:ink xmlns:inkml="http://www.w3.org/2003/InkML">
+  <inkml:definitions>
+    <inkml:context xml:id="ctx0">
+      <inkml:inkSource xml:id="inkSrc0">
+        <inkml:traceFormat>
+          <inkml:channel name="X" type="integer" min="-2.14748E9" max="2.14748E9" units="cm"/>
+          <inkml:channel name="Y" type="integer" min="-2.14748E9" max="2.14748E9" units="cm"/>
+          <inkml:channel name="F" type="integer" max="32767" units="dev"/>
+          <inkml:channel name="OA" type="integer" max="360" units="deg"/>
+          <inkml:channel name="OE" type="integer" max="90" units="deg"/>
+        </inkml:traceFormat>
+        <inkml:channelProperties>
+          <inkml:channelProperty channel="X" name="resolution" value="1000" units="1/cm"/>
+          <inkml:channelProperty channel="Y" name="resolution" value="1000" units="1/cm"/>
+          <inkml:channelProperty channel="F" name="resolution" value="0" units="1/dev"/>
+          <inkml:channelProperty channel="OA" name="resolution" value="1000" units="1/deg"/>
+          <inkml:channelProperty channel="OE" name="resolution" value="1000" units="1/deg"/>
+        </inkml:channelProperties>
+      </inkml:inkSource>
+      <inkml:timestamp xml:id="ts0" timeString="2021-08-16T16:53:05.384"/>
+    </inkml:context>
+    <inkml:brush xml:id="br0">
+      <inkml:brushProperty name="width" value="0.05" units="cm"/>
+      <inkml:brushProperty name="height" value="0.05" units="cm"/>
+      <inkml:brushProperty name="color" value="#FF0066"/>
+    </inkml:brush>
+  </inkml:definitions>
+  <inkml:trace contextRef="#ctx0" brushRef="#br0">1 315 16903 0 0,'0'0'3946'0'0,"5"-5"-2542"0"0,1 0-1029 0 0,-1 0 1 0 0,1 0 0 0 0,-1-1-1 0 0,-1 1 1 0 0,1-1 0 0 0,-1 0-1 0 0,4-7 1 0 0,22-51 1004 0 0,-16 31-665 0 0,25-64 922 0 0,-38 95-1557 0 0,4-10 168 0 0,-4 10-150 0 0,-1 6-59 0 0,-3 7-32 0 0,1 0 0 0 0,0 0 0 0 0,1 0 1 0 0,1 0-1 0 0,-1 0 0 0 0,2 0 0 0 0,0 0 0 0 0,3 17 0 0 0,-3-19-7 0 0,-1-8 0 0 0,0 0 0 0 0,0 0 0 0 0,0 1 0 0 0,0-1 0 0 0,0 0 0 0 0,1 0 0 0 0,-1 0 0 0 0,0 1 0 0 0,1-1 0 0 0,-1 0 0 0 0,1 0 0 0 0,-1 0 0 0 0,1 0 0 0 0,0 0 0 0 0,-1 0 0 0 0,1 0 0 0 0,0 0 0 0 0,0 0 0 0 0,0 0 0 0 0,-1 0 0 0 0,1 0 0 0 0,0-1 0 0 0,0 1 0 0 0,0 0 0 0 0,1 0 0 0 0,-1-1 0 0 0,2 1 0 0 0,-2 0 16 0 0,0-1-1 0 0,1 0 1 0 0,-1 0-1 0 0,1 0 1 0 0,-1 0 0 0 0,1 0-1 0 0,-1 0 1 0 0,1 0-1 0 0,-1 0 1 0 0,1-1 0 0 0,-1 1-1 0 0,1 0 1 0 0,-1-1-1 0 0,0 1 1 0 0,1-1 0 0 0,-1 0-1 0 0,0 1 1 0 0,1-1-1 0 0,-1 0 1 0 0,0 0 0 0 0,0 0-1 0 0,2-2 1 0 0,3-2 127 0 0,-1 0 1 0 0,10-12-1 0 0,37-57 216 0 0,-35 49-307 0 0,-15 22-64 0 0,1-2-352 0 0,0 0-1 0 0,0 1 0 0 0,0-1 1 0 0,1 1-1 0 0,-1-1 0 0 0,1 1 1 0 0,0 0-1 0 0,1 1 0 0 0,-1-1 1 0 0,1 1-1 0 0,-1 0 0 0 0,1 0 1 0 0,6-3-1 0 0,0 1-1572 0 0,-2 1-57 0 0</inkml:trace>
+</inkml:ink>
+</file>
+
+<file path=ppt/ink/ink26.xml><?xml version="1.0" encoding="utf-8"?>
+<inkml:ink xmlns:inkml="http://www.w3.org/2003/InkML">
+  <inkml:definitions>
+    <inkml:context xml:id="ctx0">
+      <inkml:inkSource xml:id="inkSrc0">
+        <inkml:traceFormat>
+          <inkml:channel name="X" type="integer" min="-2.14748E9" max="2.14748E9" units="cm"/>
+          <inkml:channel name="Y" type="integer" min="-2.14748E9" max="2.14748E9" units="cm"/>
+          <inkml:channel name="F" type="integer" max="32767" units="dev"/>
+          <inkml:channel name="OA" type="integer" max="360" units="deg"/>
+          <inkml:channel name="OE" type="integer" max="90" units="deg"/>
+        </inkml:traceFormat>
+        <inkml:channelProperties>
+          <inkml:channelProperty channel="X" name="resolution" value="1000" units="1/cm"/>
+          <inkml:channelProperty channel="Y" name="resolution" value="1000" units="1/cm"/>
+          <inkml:channelProperty channel="F" name="resolution" value="0" units="1/dev"/>
+          <inkml:channelProperty channel="OA" name="resolution" value="1000" units="1/deg"/>
+          <inkml:channelProperty channel="OE" name="resolution" value="1000" units="1/deg"/>
+        </inkml:channelProperties>
+      </inkml:inkSource>
+      <inkml:timestamp xml:id="ts0" timeString="2021-08-16T16:53:05.756"/>
+    </inkml:context>
+    <inkml:brush xml:id="br0">
+      <inkml:brushProperty name="width" value="0.05" units="cm"/>
+      <inkml:brushProperty name="height" value="0.05" units="cm"/>
+      <inkml:brushProperty name="color" value="#FF0066"/>
+    </inkml:brush>
+  </inkml:definitions>
+  <inkml:trace contextRef="#ctx0" brushRef="#br0">248 1 5984 0 0,'-2'0'14032'0'0,"-10"0"-12829"0"0,6 0-820 0 0,-1 0-1 0 0,1 0 0 0 0,-1 1 1 0 0,1 1-1 0 0,-1-1 1 0 0,1 1-1 0 0,-1 0 0 0 0,1 0 1 0 0,0 1-1 0 0,0-1 0 0 0,0 1 1 0 0,0 1-1 0 0,-6 4 1 0 0,6-4-251 0 0,4-3-79 0 0,0 0 0 0 0,1 0 1 0 0,-1 0-1 0 0,1 0 0 0 0,-1 1 0 0 0,1-1 0 0 0,-1 0 1 0 0,1 1-1 0 0,0-1 0 0 0,0 1 0 0 0,0-1 1 0 0,0 1-1 0 0,0-1 0 0 0,-2 4 0 0 0,3-4-28 0 0,0 0-1 0 0,0-1 0 0 0,-1 1 1 0 0,1 0-1 0 0,0 0 1 0 0,0 0-1 0 0,0 0 1 0 0,0 0-1 0 0,0 0 0 0 0,0 0 1 0 0,0 0-1 0 0,0 0 1 0 0,1 0-1 0 0,-1-1 0 0 0,0 1 1 0 0,1 0-1 0 0,-1 0 1 0 0,0 0-1 0 0,1 0 1 0 0,-1-1-1 0 0,1 1 0 0 0,-1 0 1 0 0,1 0-1 0 0,-1-1 1 0 0,1 1-1 0 0,0 0 0 0 0,-1-1 1 0 0,1 1-1 0 0,0-1 1 0 0,0 1-1 0 0,-1-1 1 0 0,1 1-1 0 0,0-1 0 0 0,1 1 1 0 0,1 0 25 0 0,0 1 1 0 0,1-1 0 0 0,-1 0-1 0 0,1 0 1 0 0,-1-1 0 0 0,1 1-1 0 0,-1-1 1 0 0,1 0 0 0 0,-1 1-1 0 0,1-2 1 0 0,-1 1 0 0 0,1 0-1 0 0,-1-1 1 0 0,4 0 0 0 0,-3 0 11 0 0,-1 0 0 0 0,1 1 0 0 0,0-1 0 0 0,0 1 0 0 0,-1 0-1 0 0,1 0 1 0 0,0 0 0 0 0,0 1 0 0 0,-1-1 0 0 0,1 1 0 0 0,0 0 0 0 0,-1 0 0 0 0,1 0 0 0 0,4 2 0 0 0,-7-1-33 0 0,1-1-1 0 0,0 1 1 0 0,-1-1-1 0 0,1 1 1 0 0,-1 0-1 0 0,0-1 1 0 0,0 1-1 0 0,0 0 1 0 0,0 0-1 0 0,0 0 1 0 0,0 0-1 0 0,0 0 1 0 0,0 0-1 0 0,-1 0 1 0 0,1 1-1 0 0,-1-1 1 0 0,1 0-1 0 0,-1 0 1 0 0,0 0-1 0 0,0 0 1 0 0,0 1-1 0 0,0-1 1 0 0,-1 3-1 0 0,0 3 21 0 0,0-1-1 0 0,-1 0 1 0 0,0 1-1 0 0,0-1 0 0 0,-6 12 1 0 0,4-9-35 0 0,-17 35 222 0 0,-38 60 0 0 0,50-92-355 0 0,1-1 1 0 0,-2 0-1 0 0,0-1 1 0 0,0 0 0 0 0,-1 0-1 0 0,0-1 1 0 0,-1-1-1 0 0,0 1 1 0 0,-16 7-1 0 0,10-9-730 0 0,17-8 630 0 0,1 1 0 0 0,-1-1 1 0 0,0 0-1 0 0,0 0 0 0 0,0 0 0 0 0,0 1 0 0 0,0-1 0 0 0,0 0 1 0 0,0 0-1 0 0,0-1 0 0 0,0 1 0 0 0,0 0 0 0 0,0 0 1 0 0,0 0-1 0 0,0-1 0 0 0,0 1 0 0 0,-1-1 0 0 0</inkml:trace>
+</inkml:ink>
+</file>
+
+<file path=ppt/ink/ink27.xml><?xml version="1.0" encoding="utf-8"?>
+<inkml:ink xmlns:inkml="http://www.w3.org/2003/InkML">
+  <inkml:definitions>
+    <inkml:context xml:id="ctx0">
+      <inkml:inkSource xml:id="inkSrc0">
+        <inkml:traceFormat>
+          <inkml:channel name="X" type="integer" min="-2.14748E9" max="2.14748E9" units="cm"/>
+          <inkml:channel name="Y" type="integer" min="-2.14748E9" max="2.14748E9" units="cm"/>
+          <inkml:channel name="F" type="integer" max="32767" units="dev"/>
+          <inkml:channel name="OA" type="integer" max="360" units="deg"/>
+          <inkml:channel name="OE" type="integer" max="90" units="deg"/>
+        </inkml:traceFormat>
+        <inkml:channelProperties>
+          <inkml:channelProperty channel="X" name="resolution" value="1000" units="1/cm"/>
+          <inkml:channelProperty channel="Y" name="resolution" value="1000" units="1/cm"/>
+          <inkml:channelProperty channel="F" name="resolution" value="0" units="1/dev"/>
+          <inkml:channelProperty channel="OA" name="resolution" value="1000" units="1/deg"/>
+          <inkml:channelProperty channel="OE" name="resolution" value="1000" units="1/deg"/>
+        </inkml:channelProperties>
+      </inkml:inkSource>
+      <inkml:timestamp xml:id="ts0" timeString="2021-08-16T16:53:06.173"/>
+    </inkml:context>
+    <inkml:brush xml:id="br0">
+      <inkml:brushProperty name="width" value="0.05" units="cm"/>
+      <inkml:brushProperty name="height" value="0.05" units="cm"/>
+      <inkml:brushProperty name="color" value="#FF0066"/>
+    </inkml:brush>
+  </inkml:definitions>
+  <inkml:trace contextRef="#ctx0" brushRef="#br0">119 1 5528 0 0,'1'0'88'0'0,"-1"0"0"0"0,1 0 1 0 0,0 0-1 0 0,0 0 0 0 0,-1 0 1 0 0,1-1-1 0 0,0 1 0 0 0,0 1 1 0 0,-1-1-1 0 0,1 0 0 0 0,0 0 1 0 0,0 0-1 0 0,-1 0 0 0 0,1 0 0 0 0,0 1 1 0 0,-1-1-1 0 0,2 1 0 0 0,-2 0 427 0 0,1 0-1 0 0,-1 0 1 0 0,0 0-1 0 0,0 0 0 0 0,0 0 1 0 0,0 0-1 0 0,0 0 0 0 0,0 0 1 0 0,0 0-1 0 0,0 0 1 0 0,0 0-1 0 0,-1 1 0 0 0,1 3 1014 0 0,-2 17 5532 0 0,0 0-3461 0 0,-2 44-1684 0 0,-1-15-1389 0 0,2-26-162 0 0,1 32-1 0 0,3-15-52 0 0,5 65-126 0 0,-5-96-369 0 0,0 1-1 0 0,-1-1 1 0 0,-2 15 0 0 0,2-24-48 0 0,0 0 0 0 0,0 0 0 0 0,0 0 0 0 0,0 0 0 0 0,1 0 0 0 0,-1 0 0 0 0,0 0 0 0 0,1 0 0 0 0,-1-1 0 0 0,1 1 0 0 0,0 0 0 0 0,0 0 0 0 0,-1 0 0 0 0,3 1 0 0 0</inkml:trace>
+  <inkml:trace contextRef="#ctx0" brushRef="#br0" timeOffset="0.97">0 347 24791 0 0,'1'-1'220'0'0,"0"-1"0"0"0,1 1 0 0 0,-1 0 0 0 0,0 0 0 0 0,1 0 0 0 0,-1 0 0 0 0,1 0 0 0 0,-1 0 0 0 0,1 0 0 0 0,-1 0 0 0 0,1 0 0 0 0,0 1 0 0 0,1-1 0 0 0,28-7 245 0 0,-18 6 334 0 0,81-26 985 0 0,-81 23-2342 0 0,1-1 0 0 0,-1-1 0 0 0,0 0 0 0 0,20-14-1 0 0,-17 9-874 0 0</inkml:trace>
+</inkml:ink>
+</file>
+
+<file path=ppt/ink/ink28.xml><?xml version="1.0" encoding="utf-8"?>
+<inkml:ink xmlns:inkml="http://www.w3.org/2003/InkML">
+  <inkml:definitions>
+    <inkml:context xml:id="ctx0">
+      <inkml:inkSource xml:id="inkSrc0">
+        <inkml:traceFormat>
+          <inkml:channel name="X" type="integer" min="-2.14748E9" max="2.14748E9" units="cm"/>
+          <inkml:channel name="Y" type="integer" min="-2.14748E9" max="2.14748E9" units="cm"/>
+          <inkml:channel name="F" type="integer" max="32767" units="dev"/>
+          <inkml:channel name="OA" type="integer" max="360" units="deg"/>
+          <inkml:channel name="OE" type="integer" max="90" units="deg"/>
+        </inkml:traceFormat>
+        <inkml:channelProperties>
+          <inkml:channelProperty channel="X" name="resolution" value="1000" units="1/cm"/>
+          <inkml:channelProperty channel="Y" name="resolution" value="1000" units="1/cm"/>
+          <inkml:channelProperty channel="F" name="resolution" value="0" units="1/dev"/>
+          <inkml:channelProperty channel="OA" name="resolution" value="1000" units="1/deg"/>
+          <inkml:channelProperty channel="OE" name="resolution" value="1000" units="1/deg"/>
+        </inkml:channelProperties>
+      </inkml:inkSource>
+      <inkml:timestamp xml:id="ts0" timeString="2021-08-16T16:53:06.517"/>
+    </inkml:context>
+    <inkml:brush xml:id="br0">
+      <inkml:brushProperty name="width" value="0.05" units="cm"/>
+      <inkml:brushProperty name="height" value="0.05" units="cm"/>
+      <inkml:brushProperty name="color" value="#FF0066"/>
+    </inkml:brush>
+  </inkml:definitions>
+  <inkml:trace contextRef="#ctx0" brushRef="#br0">37 1 18887 0 0,'-1'1'1456'0'0,"-2"4"-1163"0"0,-1 0-1 0 0,2 0 0 0 0,-1 1 0 0 0,0-1 1 0 0,1 0-1 0 0,0 1 0 0 0,1 0 0 0 0,-1 0 0 0 0,1-1 1 0 0,-1 8-1 0 0,-1 12 1496 0 0,-1-3-849 0 0,1 28 0 0 0,2-11-600 0 0,4 77 625 0 0,-3-114-945 0 0,2 21 218 0 0,7 33 0 0 0,-8-50-204 0 0,1 0 0 0 0,0 0 0 0 0,0 0 0 0 0,0 0 0 0 0,1-1 0 0 0,0 1 0 0 0,0-1 0 0 0,0 1 0 0 0,1-1 0 0 0,6 7 0 0 0,-9-10-19 0 0,1-1 0 0 0,-1 1 0 0 0,1-1-1 0 0,0 0 1 0 0,-1 1 0 0 0,1-1 0 0 0,0 0 0 0 0,0 0 0 0 0,0 0-1 0 0,0-1 1 0 0,0 1 0 0 0,0 0 0 0 0,0-1 0 0 0,0 1 0 0 0,0-1 0 0 0,0 0-1 0 0,0 0 1 0 0,3 0 0 0 0,-2 0 5 0 0,0-1 1 0 0,1 1-1 0 0,-1-1 0 0 0,0 0 1 0 0,0 0-1 0 0,0 0 0 0 0,0-1 1 0 0,0 1-1 0 0,-1-1 0 0 0,6-3 1 0 0,1-3 39 0 0,-1 0 1 0 0,1 0-1 0 0,-2-1 0 0 0,1 0 1 0 0,9-15-1 0 0,0-3 67 0 0,-8 12 49 0 0,1 0 0 0 0,0 1 0 0 0,23-24-1 0 0,-14 19 278 0 0,-12 18-345 0 0,-6 1-102 0 0,-1 0 0 0 0,1 0 0 0 0,-1 0 0 0 0,1 0 0 0 0,-1 0 0 0 0,0 0 0 0 0,1 0 0 0 0,-1 0 0 0 0,1 1 0 0 0,-1-1 0 0 0,1 0 0 0 0,-1 0 0 0 0,0 1 0 0 0,1-1 0 0 0,-1 0 0 0 0,0 1-1 0 0,1-1 1 0 0,-1 0 0 0 0,0 1 0 0 0,1-1 0 0 0,-1 0 0 0 0,0 1 0 0 0,0-1 0 0 0,1 1 0 0 0,3 16 176 0 0,-5 20 20 0 0,1-34-215 0 0,-1 6-305 0 0,-1 1 0 0 0,-4 13 0 0 0,3-14-173 0 0,0 1 1 0 0,-1 15-1 0 0,3-4-1119 0 0,-4-1-342 0 0</inkml:trace>
+</inkml:ink>
+</file>
+
+<file path=ppt/ink/ink29.xml><?xml version="1.0" encoding="utf-8"?>
+<inkml:ink xmlns:inkml="http://www.w3.org/2003/InkML">
+  <inkml:definitions>
+    <inkml:context xml:id="ctx0">
+      <inkml:inkSource xml:id="inkSrc0">
+        <inkml:traceFormat>
+          <inkml:channel name="X" type="integer" min="-2.14748E9" max="2.14748E9" units="cm"/>
+          <inkml:channel name="Y" type="integer" min="-2.14748E9" max="2.14748E9" units="cm"/>
+          <inkml:channel name="F" type="integer" max="32767" units="dev"/>
+          <inkml:channel name="OA" type="integer" max="360" units="deg"/>
+          <inkml:channel name="OE" type="integer" max="90" units="deg"/>
+        </inkml:traceFormat>
+        <inkml:channelProperties>
+          <inkml:channelProperty channel="X" name="resolution" value="1000" units="1/cm"/>
+          <inkml:channelProperty channel="Y" name="resolution" value="1000" units="1/cm"/>
+          <inkml:channelProperty channel="F" name="resolution" value="0" units="1/dev"/>
+          <inkml:channelProperty channel="OA" name="resolution" value="1000" units="1/deg"/>
+          <inkml:channelProperty channel="OE" name="resolution" value="1000" units="1/deg"/>
+        </inkml:channelProperties>
+      </inkml:inkSource>
+      <inkml:timestamp xml:id="ts0" timeString="2021-08-16T16:53:07.225"/>
+    </inkml:context>
+    <inkml:brush xml:id="br0">
+      <inkml:brushProperty name="width" value="0.05" units="cm"/>
+      <inkml:brushProperty name="height" value="0.05" units="cm"/>
+      <inkml:brushProperty name="color" value="#FF0066"/>
+    </inkml:brush>
+  </inkml:definitions>
+  <inkml:trace contextRef="#ctx0" brushRef="#br0">12 317 4144 0 0,'-11'21'752'0'0,"13"-2"8192"0"0,-1-17-8531 0 0,-1 0 0 0 0,0 1 1 0 0,1-1-1 0 0,-1 0 1 0 0,1 1-1 0 0,-1-1 0 0 0,1 0 1 0 0,0 0-1 0 0,0 0 1 0 0,0 1-1 0 0,0-1 0 0 0,1 0 1 0 0,-1-1-1 0 0,0 1 1 0 0,4 3-1 0 0,-5-5-92 0 0,0 1-277 0 0,0-1-1 0 0,0 0 1 0 0,0 1-1 0 0,1-1 0 0 0,-1 0 1 0 0,0 1-1 0 0,0-1 0 0 0,0 0 1 0 0,0 0-1 0 0,1 1 1 0 0,-1-1-1 0 0,0 0 0 0 0,0 0 1 0 0,0 1-1 0 0,1-1 1 0 0,-1 0-1 0 0,0 0 0 0 0,0 1 1 0 0,1-1-1 0 0,-1 0 1 0 0,0 0-1 0 0,1 0 0 0 0,-1 0 1 0 0,0 1-1 0 0,1-1 0 0 0,-1 0 1 0 0,0 0-1 0 0,1 0 1 0 0,-1 0-1 0 0,0 0 0 0 0,1 0 1 0 0,-1 0-1 0 0,0 0 1 0 0,1 0-1 0 0,-1 0 0 0 0,0 0 1 0 0,1 0-1 0 0,-1 0 0 0 0,0 0 1 0 0,1-1-1 0 0,-1 1 1 0 0,0 0-1 0 0,1 0 0 0 0,-1-1 1 0 0,18-5 1052 0 0,-17 5-1242 0 0,5-2 284 0 0,-1 0-1 0 0,0-1 1 0 0,0 1-1 0 0,0-1 1 0 0,-1 0-1 0 0,0 0 1 0 0,1-1 0 0 0,-1 1-1 0 0,5-10 1 0 0,30-51 805 0 0,-34 55-773 0 0,14-24 218 0 0,2 1-1 0 0,1 1 0 0 0,1 1 1 0 0,2 2-1 0 0,0 0 1 0 0,40-33-1 0 0,-61 58-309 0 0,-2 2-36 0 0,0 0 1 0 0,0 0 0 0 0,0 1 0 0 0,1-1-1 0 0,-1 0 1 0 0,4-1 0 0 0,-6 3-39 0 0,1 0 0 0 0,-1 0 0 0 0,0 0 0 0 0,1 0 0 0 0,-1-1 0 0 0,0 1 0 0 0,1 0 0 0 0,-1 0 0 0 0,0 0 0 0 0,1 0 0 0 0,-1 0 0 0 0,0 0 0 0 0,1 0 0 0 0,-1 1 0 0 0,0-1 0 0 0,1 0 0 0 0,-1 0 0 0 0,0 0 0 0 0,1 0 0 0 0,-1 0 0 0 0,0 0 0 0 0,1 1 0 0 0,-1-1 0 0 0,1 1-3 0 0,-1 0 1 0 0,1-1-1 0 0,-1 1 1 0 0,1 0 0 0 0,-1 0-1 0 0,1-1 1 0 0,-1 1-1 0 0,0 0 1 0 0,0 0-1 0 0,1 0 1 0 0,-1 0-1 0 0,0-1 1 0 0,0 1 0 0 0,0 1-1 0 0,1 25 63 0 0,-1-1 0 0 0,-7 53 0 0 0,0 17 40 0 0,7-92-105 0 0,-1-1 0 0 0,1 0 1 0 0,1 0-1 0 0,-1 1 0 0 0,0-1 0 0 0,1 0 0 0 0,0 0 1 0 0,-1 0-1 0 0,1 0 0 0 0,1 0 0 0 0,-1 0 0 0 0,0 0 1 0 0,1 0-1 0 0,-1 0 0 0 0,1-1 0 0 0,0 1 0 0 0,3 3 0 0 0,-5-7-8 0 0,1 1-1 0 0,0-1 1 0 0,0 1-1 0 0,0-1 0 0 0,0 1 1 0 0,-1-1-1 0 0,1 0 0 0 0,0 1 1 0 0,-1-1-1 0 0,1 0 0 0 0,0 0 1 0 0,0-1-1 0 0,1 0-2 0 0,52-62 142 0 0,-1 3 44 0 0,-20 20 142 0 0,-24 28-102 0 0,1 1 0 0 0,16-17-1 0 0,-25 29-211 0 0,-1 0-1 0 0,0-1 0 0 0,0 1 0 0 0,1 0 0 0 0,-1 0 0 0 0,0-1 0 0 0,0 1 1 0 0,1 0-1 0 0,-1 0 0 0 0,0-1 0 0 0,1 1 0 0 0,-1 0 0 0 0,1 0 1 0 0,-1 0-1 0 0,0 0 0 0 0,1 0 0 0 0,-1 0 0 0 0,0 0 0 0 0,1-1 0 0 0,-1 1 1 0 0,1 0-1 0 0,-1 0 0 0 0,0 0 0 0 0,1 0 0 0 0,-1 1 0 0 0,0-1 1 0 0,1 0-1 0 0,-1 0 0 0 0,1 0 0 0 0,-1 0 0 0 0,0 0 0 0 0,1 0 0 0 0,-1 1 1 0 0,0-1-1 0 0,1 0 0 0 0,-1 0 0 0 0,0 0 0 0 0,1 1 0 0 0,-1-1 1 0 0,0 0-1 0 0,0 0 0 0 0,1 1 0 0 0,-1-1 0 0 0,0 0 0 0 0,0 1 0 0 0,1-1 1 0 0,-1 0-1 0 0,0 1 0 0 0,0-1 0 0 0,0 0 0 0 0,0 1 0 0 0,1 0 1 0 0,-1 0 3 0 0,4 6 6 0 0,-1-1 0 0 0,-1 1-1 0 0,1 0 1 0 0,-1 0 0 0 0,0 0-1 0 0,0 1 1 0 0,-1-1 0 0 0,0 0 0 0 0,0 9-1 0 0,3 18 19 0 0,3 28 9 0 0,-7-49-25 0 0,1 0 0 0 0,0 0 0 0 0,1 0 0 0 0,1 0-1 0 0,0 0 1 0 0,6 16 0 0 0,-8-27-150 0 0,-1-1 0 0 0,1 0 0 0 0,0 1-1 0 0,-1-1 1 0 0,1 0 0 0 0,0 1 0 0 0,0-1 0 0 0,0 0-1 0 0,0 0 1 0 0,0 0 0 0 0,0 0 0 0 0,0 0 0 0 0,0 0 0 0 0,0 0-1 0 0,0 0 1 0 0,1-1 0 0 0,-1 1 0 0 0,0 0 0 0 0,1-1 0 0 0,-1 1-1 0 0,0-1 1 0 0,1 1 0 0 0,-1-1 0 0 0,1 1 0 0 0,-1-1 0 0 0,1 0-1 0 0,2 0 1 0 0,-2 0-353 0 0,1-1 1 0 0,-1 0-1 0 0,1 0 0 0 0,-1 0 1 0 0,0 0-1 0 0,1 0 0 0 0,-1 0 1 0 0,0 0-1 0 0,0-1 0 0 0,0 1 1 0 0,0-1-1 0 0,0 1 0 0 0,0-1 1 0 0,0 0-1 0 0,2-4 0 0 0,6-6-7905 0 0</inkml:trace>
+</inkml:ink>
+</file>
+
+<file path=ppt/ink/ink3.xml><?xml version="1.0" encoding="utf-8"?>
+<inkml:ink xmlns:inkml="http://www.w3.org/2003/InkML">
+  <inkml:definitions>
+    <inkml:context xml:id="ctx0">
+      <inkml:inkSource xml:id="inkSrc0">
+        <inkml:traceFormat>
+          <inkml:channel name="X" type="integer" min="-2.14748E9" max="2.14748E9" units="cm"/>
+          <inkml:channel name="Y" type="integer" min="-2.14748E9" max="2.14748E9" units="cm"/>
+          <inkml:channel name="F" type="integer" max="32767" units="dev"/>
+          <inkml:channel name="OA" type="integer" max="360" units="deg"/>
+          <inkml:channel name="OE" type="integer" max="90" units="deg"/>
+        </inkml:traceFormat>
+        <inkml:channelProperties>
+          <inkml:channelProperty channel="X" name="resolution" value="1000" units="1/cm"/>
+          <inkml:channelProperty channel="Y" name="resolution" value="1000" units="1/cm"/>
+          <inkml:channelProperty channel="F" name="resolution" value="0" units="1/dev"/>
+          <inkml:channelProperty channel="OA" name="resolution" value="1000" units="1/deg"/>
+          <inkml:channelProperty channel="OE" name="resolution" value="1000" units="1/deg"/>
+        </inkml:channelProperties>
+      </inkml:inkSource>
+      <inkml:timestamp xml:id="ts0" timeString="2021-08-16T16:31:30.573"/>
+    </inkml:context>
+    <inkml:brush xml:id="br0">
+      <inkml:brushProperty name="width" value="0.05" units="cm"/>
+      <inkml:brushProperty name="height" value="0.05" units="cm"/>
+      <inkml:brushProperty name="color" value="#FF0066"/>
+    </inkml:brush>
+  </inkml:definitions>
+  <inkml:trace contextRef="#ctx0" brushRef="#br0">81 23 2304 0 0,'-4'2'1303'0'0,"-1"2"643"0"0,-3 0-161 0 0,6-4-1520 0 0,0 0-1 0 0,0 0 0 0 0,0 0 0 0 0,-1 0 0 0 0,1 0 0 0 0,0 0 0 0 0,0 0 1 0 0,0-1-1 0 0,-4 0 0 0 0,2-1 307 0 0,0 0-1 0 0,1 0 1 0 0,-1 0 0 0 0,0 0 0 0 0,0-1 0 0 0,-5-5 0 0 0,2 1 1441 0 0,8 4 125 0 0,12 4 1032 0 0,0 1-3336 0 0,-3-1 288 0 0,-1 0 0 0 0,0 1 0 0 0,0 0 0 0 0,0 1 0 0 0,15 6 0 0 0,-13-5-55 0 0,35 14-154 0 0,47 15 1670 0 0,-70-28-1580 0 0,0-1-1 0 0,0 0 1 0 0,23-1 0 0 0,73-5 652 0 0,-92 0-255 0 0,149-1 734 0 0,-136 5-1051 0 0,-1 1 1 0 0,1 2-1 0 0,44 13 0 0 0,-55-12-169 0 0,-20-4 56 0 0,-1-1 0 0 0,0 2 1 0 0,16 5-1 0 0,-12-3 138 0 0,0-1 1 0 0,0-1 0 0 0,0 0-1 0 0,23 3 1 0 0,14 3-366 0 0,-20-4 556 0 0,0-1 1 0 0,0-1 0 0 0,49-2-1 0 0,-63-1-354 0 0,37-1 264 0 0,119 3 221 0 0,-84-3-450 0 0,-22-1 68 0 0,231 9 967 0 0,-239-7-927 0 0,114-3 245 0 0,-92 0-105 0 0,33-4 154 0 0,153-20 211 0 0,-70 25-459 0 0,-99 3-77 0 0,-54 1-44 0 0,-24 0-7 0 0,29-2 0 0 0,-28-1 26 0 0,-11 0-14 0 0,1 1 0 0 0,-1-1 0 0 0,1 0 1 0 0,8-3-1 0 0,68-14 754 0 0,-71 16-729 0 0,1 0-1 0 0,-1 0 1 0 0,1 1 0 0 0,21 2 0 0 0,-5 0-774 0 0,-22 2 1261 0 0,-8-3-522 0 0,0 1 0 0 0,1 0-1 0 0,-1-1 1 0 0,0 1 0 0 0,1 0 0 0 0,-1-1-1 0 0,1 0 1 0 0,-1 1 0 0 0,0-1 0 0 0,1 0 0 0 0,-1 0-1 0 0,1 0 1 0 0,-1 0 0 0 0,1 0 0 0 0,-1 0-1 0 0,3-1 1 0 0,19 0-1072 0 0,-21 0 919 0 0,21-9-8091 0 0,-15 10 6321 0 0</inkml:trace>
+</inkml:ink>
+</file>
+
+<file path=ppt/ink/ink30.xml><?xml version="1.0" encoding="utf-8"?>
+<inkml:ink xmlns:inkml="http://www.w3.org/2003/InkML">
+  <inkml:definitions>
+    <inkml:context xml:id="ctx0">
+      <inkml:inkSource xml:id="inkSrc0">
+        <inkml:traceFormat>
+          <inkml:channel name="X" type="integer" min="-2.14748E9" max="2.14748E9" units="cm"/>
+          <inkml:channel name="Y" type="integer" min="-2.14748E9" max="2.14748E9" units="cm"/>
+          <inkml:channel name="F" type="integer" max="32767" units="dev"/>
+          <inkml:channel name="OA" type="integer" max="360" units="deg"/>
+          <inkml:channel name="OE" type="integer" max="90" units="deg"/>
+        </inkml:traceFormat>
+        <inkml:channelProperties>
+          <inkml:channelProperty channel="X" name="resolution" value="1000" units="1/cm"/>
+          <inkml:channelProperty channel="Y" name="resolution" value="1000" units="1/cm"/>
+          <inkml:channelProperty channel="F" name="resolution" value="0" units="1/dev"/>
+          <inkml:channelProperty channel="OA" name="resolution" value="1000" units="1/deg"/>
+          <inkml:channelProperty channel="OE" name="resolution" value="1000" units="1/deg"/>
+        </inkml:channelProperties>
+      </inkml:inkSource>
+      <inkml:timestamp xml:id="ts0" timeString="2021-08-16T16:53:07.601"/>
+    </inkml:context>
+    <inkml:brush xml:id="br0">
+      <inkml:brushProperty name="width" value="0.05" units="cm"/>
+      <inkml:brushProperty name="height" value="0.05" units="cm"/>
+      <inkml:brushProperty name="color" value="#FF0066"/>
+    </inkml:brush>
+  </inkml:definitions>
+  <inkml:trace contextRef="#ctx0" brushRef="#br0">0 219 9216 0 0,'0'0'706'0'0,"9"3"-436"0"0,-5-1-67 0 0,1-1 0 0 0,-1 0 0 0 0,1-1 0 0 0,-1 1 0 0 0,1-1 0 0 0,0 0 1 0 0,-1 0-1 0 0,9-1 0 0 0,-6-1 572 0 0,0 0 0 0 0,0 0-1 0 0,0 0 1 0 0,-1-1 0 0 0,1 0 0 0 0,0 0 0 0 0,-1-1 0 0 0,8-5 0 0 0,-2 0 979 0 0,-1-1-1 0 0,0 0 1 0 0,13-14 0 0 0,6-14 147 0 0,-26 32-1813 0 0,0-1 1 0 0,0 0-1 0 0,-1 0 0 0 0,1 0 1 0 0,1-9-1 0 0,-4 14-68 0 0,0 0-1 0 0,0 0 1 0 0,-1 0-1 0 0,1 0 1 0 0,-1 0 0 0 0,0 0-1 0 0,0 0 1 0 0,0 0-1 0 0,0 0 1 0 0,0 0-1 0 0,0 0 1 0 0,0 0-1 0 0,0-1 1 0 0,-1 1 0 0 0,1 0-1 0 0,-1 0 1 0 0,0 1-1 0 0,0-1 1 0 0,1 0-1 0 0,-1 0 1 0 0,0 0 0 0 0,-1 0-1 0 0,-1-2 1 0 0,2 3-5 0 0,0 1 1 0 0,0-1 0 0 0,0 1-1 0 0,0 0 1 0 0,0-1-1 0 0,0 1 1 0 0,0 0 0 0 0,0-1-1 0 0,0 1 1 0 0,0 0 0 0 0,0 0-1 0 0,0 0 1 0 0,0 0-1 0 0,0 0 1 0 0,0 0 0 0 0,0 0-1 0 0,0 0 1 0 0,0 1-1 0 0,0-1 1 0 0,0 0 0 0 0,0 1-1 0 0,0-1 1 0 0,0 1 0 0 0,0-1-1 0 0,0 1 1 0 0,-2 0-1 0 0,-22 18 285 0 0,18-11-300 0 0,0 0 0 0 0,1 0 0 0 0,0 0 0 0 0,0 1 0 0 0,-6 13 0 0 0,-19 50 0 0 0,26-59 60 0 0,1 1 0 0 0,0-1 0 0 0,1 1 0 0 0,-3 25 0 0 0,6-34-43 0 0,0 0-1 0 0,-1 0 1 0 0,2 0 0 0 0,-1 0-1 0 0,1 0 1 0 0,-1-1 0 0 0,1 1-1 0 0,1 0 1 0 0,-1 0 0 0 0,1-1-1 0 0,0 1 1 0 0,0-1 0 0 0,0 1-1 0 0,0-1 1 0 0,1 0 0 0 0,0 0-1 0 0,4 5 1 0 0,-5-7-29 0 0,-1 0 0 0 0,1-1 0 0 0,0 0-1 0 0,0 1 1 0 0,0-1 0 0 0,0 0 0 0 0,0 0 0 0 0,0 0-1 0 0,0 0 1 0 0,0 0 0 0 0,0-1 0 0 0,0 1 0 0 0,1-1-1 0 0,-1 1 1 0 0,0-1 0 0 0,4 0 0 0 0,-2 0-70 0 0,0 0 0 0 0,0-1 0 0 0,0 0 0 0 0,0 1 0 0 0,0-2 0 0 0,0 1 0 0 0,0 0 0 0 0,6-4 0 0 0,-1-1-453 0 0,0 1 0 0 0,-1-1-1 0 0,1-1 1 0 0,-1 0 0 0 0,-1 0 0 0 0,11-12-1 0 0,2-8-1932 0 0</inkml:trace>
+</inkml:ink>
+</file>
+
+<file path=ppt/ink/ink31.xml><?xml version="1.0" encoding="utf-8"?>
+<inkml:ink xmlns:inkml="http://www.w3.org/2003/InkML">
+  <inkml:definitions>
+    <inkml:context xml:id="ctx0">
+      <inkml:inkSource xml:id="inkSrc0">
+        <inkml:traceFormat>
+          <inkml:channel name="X" type="integer" min="-2.14748E9" max="2.14748E9" units="cm"/>
+          <inkml:channel name="Y" type="integer" min="-2.14748E9" max="2.14748E9" units="cm"/>
+          <inkml:channel name="F" type="integer" max="32767" units="dev"/>
+          <inkml:channel name="OA" type="integer" max="360" units="deg"/>
+          <inkml:channel name="OE" type="integer" max="90" units="deg"/>
+        </inkml:traceFormat>
+        <inkml:channelProperties>
+          <inkml:channelProperty channel="X" name="resolution" value="1000" units="1/cm"/>
+          <inkml:channelProperty channel="Y" name="resolution" value="1000" units="1/cm"/>
+          <inkml:channelProperty channel="F" name="resolution" value="0" units="1/dev"/>
+          <inkml:channelProperty channel="OA" name="resolution" value="1000" units="1/deg"/>
+          <inkml:channelProperty channel="OE" name="resolution" value="1000" units="1/deg"/>
+        </inkml:channelProperties>
+      </inkml:inkSource>
+      <inkml:timestamp xml:id="ts0" timeString="2021-08-16T16:53:07.984"/>
+    </inkml:context>
+    <inkml:brush xml:id="br0">
+      <inkml:brushProperty name="width" value="0.05" units="cm"/>
+      <inkml:brushProperty name="height" value="0.05" units="cm"/>
+      <inkml:brushProperty name="color" value="#FF0066"/>
+    </inkml:brush>
+  </inkml:definitions>
+  <inkml:trace contextRef="#ctx0" brushRef="#br0">136 0 23039 0 0,'-3'11'2315'0'0,"2"-3"-2235"0"0,0 0 1 0 0,1 0-1 0 0,0 0 0 0 0,0 0 0 0 0,2 13 1 0 0,1 13 581 0 0,1 52 962 0 0,22 123 0 0 0,-8-82-1707 0 0,-7-60 158 0 0,-1-13-2657 0 0,-7-18-5209 0 0,-2-23-558 0 0</inkml:trace>
+  <inkml:trace contextRef="#ctx0" brushRef="#br0" timeOffset="1">1 554 21191 0 0,'0'0'1920'0'0,"1"-1"-1581"0"0,5-7-215 0 0,2-2 611 0 0,0 1 0 0 0,0 0 0 0 0,1 1 0 0 0,0-1 0 0 0,21-12 0 0 0,-5 8-441 0 0,1 1-1 0 0,0 1 0 0 0,50-13 0 0 0,33-12-6276 0 0,-90 27 4360 0 0</inkml:trace>
+</inkml:ink>
+</file>
+
+<file path=ppt/ink/ink32.xml><?xml version="1.0" encoding="utf-8"?>
+<inkml:ink xmlns:inkml="http://www.w3.org/2003/InkML">
+  <inkml:definitions>
+    <inkml:context xml:id="ctx0">
+      <inkml:inkSource xml:id="inkSrc0">
+        <inkml:traceFormat>
+          <inkml:channel name="X" type="integer" min="-2.14748E9" max="2.14748E9" units="cm"/>
+          <inkml:channel name="Y" type="integer" min="-2.14748E9" max="2.14748E9" units="cm"/>
+          <inkml:channel name="F" type="integer" max="32767" units="dev"/>
+          <inkml:channel name="OA" type="integer" max="360" units="deg"/>
+          <inkml:channel name="OE" type="integer" max="90" units="deg"/>
+        </inkml:traceFormat>
+        <inkml:channelProperties>
+          <inkml:channelProperty channel="X" name="resolution" value="1000" units="1/cm"/>
+          <inkml:channelProperty channel="Y" name="resolution" value="1000" units="1/cm"/>
+          <inkml:channelProperty channel="F" name="resolution" value="0" units="1/dev"/>
+          <inkml:channelProperty channel="OA" name="resolution" value="1000" units="1/deg"/>
+          <inkml:channelProperty channel="OE" name="resolution" value="1000" units="1/deg"/>
+        </inkml:channelProperties>
+      </inkml:inkSource>
+      <inkml:timestamp xml:id="ts0" timeString="2021-08-16T16:53:08.372"/>
+    </inkml:context>
+    <inkml:brush xml:id="br0">
+      <inkml:brushProperty name="width" value="0.05" units="cm"/>
+      <inkml:brushProperty name="height" value="0.05" units="cm"/>
+      <inkml:brushProperty name="color" value="#FF0066"/>
+    </inkml:brush>
+  </inkml:definitions>
+  <inkml:trace contextRef="#ctx0" brushRef="#br0">68 1 23039 0 0,'-2'0'108'0'0,"1"0"0"0"0,0 1-1 0 0,0-1 1 0 0,-1 1-1 0 0,1-1 1 0 0,0 1 0 0 0,0 0-1 0 0,0-1 1 0 0,-1 1-1 0 0,1 0 1 0 0,0 0 0 0 0,0 0-1 0 0,0 0 1 0 0,0 0-1 0 0,1 0 1 0 0,-1 0 0 0 0,0 0-1 0 0,0 0 1 0 0,0 0-1 0 0,1 0 1 0 0,-1 0 0 0 0,1 1-1 0 0,-1-1 1 0 0,0 2 0 0 0,-2 7-212 0 0,-1 0 1 0 0,-1 12 0 0 0,2-11 425 0 0,-6 31 14 0 0,1 0 0 0 0,2 0 1 0 0,3 1-1 0 0,2 83 0 0 0,4-90-263 0 0,10 49 1 0 0,-11-76-68 0 0,0-1-1 0 0,1 0 1 0 0,0 0 0 0 0,1 0 0 0 0,5 8-1 0 0,-7-12-3 0 0,0-1-1 0 0,0 1 1 0 0,0-1-1 0 0,1 0 1 0 0,0 0-1 0 0,-1 0 1 0 0,1 0-1 0 0,0 0 0 0 0,0-1 1 0 0,1 1-1 0 0,-1-1 1 0 0,7 3-1 0 0,-8-4 21 0 0,1-1-1 0 0,-1 1 1 0 0,1-1-1 0 0,-1 0 1 0 0,0 0 0 0 0,1 0-1 0 0,-1-1 1 0 0,1 1-1 0 0,-1 0 1 0 0,0-1 0 0 0,1 0-1 0 0,-1 1 1 0 0,0-1-1 0 0,1 0 1 0 0,-1 0-1 0 0,0 0 1 0 0,0-1 0 0 0,0 1-1 0 0,0 0 1 0 0,0-1-1 0 0,0 0 1 0 0,0 1 0 0 0,2-4-1 0 0,4-4 148 0 0,1 0-1 0 0,-2-1 1 0 0,9-12-1 0 0,-8 9 309 0 0,17-18 1 0 0,-22 27-332 0 0,0 0 0 0 0,1 1 1 0 0,0 0-1 0 0,0-1 0 0 0,0 1 1 0 0,0 0-1 0 0,1 1 1 0 0,7-5-1 0 0,-11 7-122 0 0,1 0 0 0 0,-1-1 0 0 0,0 1 0 0 0,1 0 1 0 0,-1-1-1 0 0,0 1 0 0 0,1 0 0 0 0,-1 0 0 0 0,0 0 0 0 0,0 0 0 0 0,1 0 0 0 0,-1 0 0 0 0,0 1 0 0 0,1-1 0 0 0,-1 0 1 0 0,0 1-1 0 0,0-1 0 0 0,1 1 0 0 0,-1-1 0 0 0,0 1 0 0 0,0 0 0 0 0,0-1 0 0 0,0 1 0 0 0,0 0 0 0 0,0 0 1 0 0,0 0-1 0 0,0 0 0 0 0,0 0 0 0 0,0 0 0 0 0,0 0 0 0 0,-1 0 0 0 0,1 0 0 0 0,0 0 0 0 0,-1 0 0 0 0,1 0 1 0 0,-1 1-1 0 0,1-1 0 0 0,0 2 0 0 0,1 6 1 0 0,1 0 0 0 0,-1-1 0 0 0,-1 1 0 0 0,1 12-1 0 0,-1-17-3 0 0,1 20-13 0 0,5 42-312 0 0,-7-65 224 0 0,0-1-1 0 0,0 1 1 0 0,1 0-1 0 0,-1 0 1 0 0,0 0-1 0 0,1-1 0 0 0,-1 1 1 0 0,0 0-1 0 0,1 0 1 0 0,-1 0-1 0 0,1-1 1 0 0,-1 1-1 0 0,1 0 0 0 0,-1-1 1 0 0,1 1-1 0 0,0-1 1 0 0,-1 1-1 0 0,1 0 1 0 0,0-1-1 0 0,-1 1 1 0 0,1-1-1 0 0,0 0 0 0 0,0 1 1 0 0,1 0-1 0 0,0-1-128 0 0,0 0 0 0 0,-1 0-1 0 0,1 1 1 0 0,0-1 0 0 0,0 0-1 0 0,0 0 1 0 0,0-1 0 0 0,0 1-1 0 0,0 0 1 0 0,3-1 0 0 0,1-1-543 0 0,1-1 0 0 0,-1 1 1 0 0,0-1-1 0 0,0 0 1 0 0,6-5-1 0 0,-1 1-1216 0 0,-2-1-43 0 0</inkml:trace>
+</inkml:ink>
+</file>
+
+<file path=ppt/ink/ink33.xml><?xml version="1.0" encoding="utf-8"?>
+<inkml:ink xmlns:inkml="http://www.w3.org/2003/InkML">
+  <inkml:definitions>
+    <inkml:context xml:id="ctx0">
+      <inkml:inkSource xml:id="inkSrc0">
+        <inkml:traceFormat>
+          <inkml:channel name="X" type="integer" min="-2.14748E9" max="2.14748E9" units="cm"/>
+          <inkml:channel name="Y" type="integer" min="-2.14748E9" max="2.14748E9" units="cm"/>
+          <inkml:channel name="F" type="integer" max="32767" units="dev"/>
+          <inkml:channel name="OA" type="integer" max="360" units="deg"/>
+          <inkml:channel name="OE" type="integer" max="90" units="deg"/>
+        </inkml:traceFormat>
+        <inkml:channelProperties>
+          <inkml:channelProperty channel="X" name="resolution" value="1000" units="1/cm"/>
+          <inkml:channelProperty channel="Y" name="resolution" value="1000" units="1/cm"/>
+          <inkml:channelProperty channel="F" name="resolution" value="0" units="1/dev"/>
+          <inkml:channelProperty channel="OA" name="resolution" value="1000" units="1/deg"/>
+          <inkml:channelProperty channel="OE" name="resolution" value="1000" units="1/deg"/>
+        </inkml:channelProperties>
+      </inkml:inkSource>
+      <inkml:timestamp xml:id="ts0" timeString="2021-08-16T16:53:08.761"/>
+    </inkml:context>
+    <inkml:brush xml:id="br0">
+      <inkml:brushProperty name="width" value="0.05" units="cm"/>
+      <inkml:brushProperty name="height" value="0.05" units="cm"/>
+      <inkml:brushProperty name="color" value="#FF0066"/>
+    </inkml:brush>
+  </inkml:definitions>
+  <inkml:trace contextRef="#ctx0" brushRef="#br0">116 2 13736 0 0,'-2'0'132'0'0,"0"-1"-1"0"0,0 1 1 0 0,0 0 0 0 0,0-1 0 0 0,0 1 0 0 0,0 0 0 0 0,-1 0 0 0 0,1 0 0 0 0,0 1 0 0 0,0-1 0 0 0,0 0 0 0 0,0 1 0 0 0,0 0 0 0 0,0-1 0 0 0,0 1 0 0 0,0 0 0 0 0,0 0 0 0 0,1 0-1 0 0,-1 0 1 0 0,0 0 0 0 0,1 0 0 0 0,-1 1 0 0 0,0-1 0 0 0,1 0 0 0 0,-3 3 0 0 0,-2 4 991 0 0,0 0 1 0 0,1 1-1 0 0,0-1 1 0 0,-5 12-1 0 0,-1 1 405 0 0,8-16-1129 0 0,0 0-1 0 0,0 0 0 0 0,1 1 1 0 0,0-1-1 0 0,0 1 1 0 0,1-1-1 0 0,-1 1 1 0 0,1 0-1 0 0,0 0 0 0 0,0 5 1 0 0,1-10-9 0 0,2 0-19 0 0,0 0-353 0 0,0 0-1 0 0,0 0 1 0 0,0-1 0 0 0,0 1-1 0 0,0-1 1 0 0,0 1 0 0 0,0-1-1 0 0,0 0 1 0 0,0 0-1 0 0,0 0 1 0 0,0 0 0 0 0,0 0-1 0 0,0 0 1 0 0,0-1 0 0 0,0 1-1 0 0,0-1 1 0 0,0 1-1 0 0,0-1 1 0 0,0 0 0 0 0,0 1-1 0 0,0-1 1 0 0,-1 0 0 0 0,1-1-1 0 0,3-1 1 0 0,4-4-535 0 0,0-1-1 0 0,0 0 1 0 0,10-13 0 0 0,0 1-1728 0 0,-4 4 438 0 0</inkml:trace>
+</inkml:ink>
+</file>
+
+<file path=ppt/ink/ink34.xml><?xml version="1.0" encoding="utf-8"?>
+<inkml:ink xmlns:inkml="http://www.w3.org/2003/InkML">
+  <inkml:definitions>
+    <inkml:context xml:id="ctx0">
+      <inkml:inkSource xml:id="inkSrc0">
+        <inkml:traceFormat>
+          <inkml:channel name="X" type="integer" min="-2.14748E9" max="2.14748E9" units="cm"/>
+          <inkml:channel name="Y" type="integer" min="-2.14748E9" max="2.14748E9" units="cm"/>
+          <inkml:channel name="F" type="integer" max="32767" units="dev"/>
+          <inkml:channel name="OA" type="integer" max="360" units="deg"/>
+          <inkml:channel name="OE" type="integer" max="90" units="deg"/>
+        </inkml:traceFormat>
+        <inkml:channelProperties>
+          <inkml:channelProperty channel="X" name="resolution" value="1000" units="1/cm"/>
+          <inkml:channelProperty channel="Y" name="resolution" value="1000" units="1/cm"/>
+          <inkml:channelProperty channel="F" name="resolution" value="0" units="1/dev"/>
+          <inkml:channelProperty channel="OA" name="resolution" value="1000" units="1/deg"/>
+          <inkml:channelProperty channel="OE" name="resolution" value="1000" units="1/deg"/>
+        </inkml:channelProperties>
+      </inkml:inkSource>
+      <inkml:timestamp xml:id="ts0" timeString="2021-08-16T16:53:09.134"/>
+    </inkml:context>
+    <inkml:brush xml:id="br0">
+      <inkml:brushProperty name="width" value="0.05" units="cm"/>
+      <inkml:brushProperty name="height" value="0.05" units="cm"/>
+      <inkml:brushProperty name="color" value="#FF0066"/>
+    </inkml:brush>
+  </inkml:definitions>
+  <inkml:trace contextRef="#ctx0" brushRef="#br0">93 457 5064 0 0,'0'0'389'0'0,"-7"7"287"0"0,-15 14 10282 0 0,-4 4-5880 0 0,22-19-4670 0 0,-1 0 0 0 0,1 1 0 0 0,0 0 0 0 0,0-1 0 0 0,0 2 0 0 0,1-1 1 0 0,-4 15-1 0 0,6-19-270 0 0,1 0 0 0 0,-1 1 1 0 0,1-1-1 0 0,-1 0 1 0 0,1 0-1 0 0,0 0 0 0 0,1 0 1 0 0,-1 1-1 0 0,2 5 1 0 0,-1-7-98 0 0,-1 0 0 0 0,1-1 1 0 0,0 1-1 0 0,0 0 1 0 0,0 0-1 0 0,0-1 1 0 0,0 1-1 0 0,0-1 0 0 0,1 1 1 0 0,-1-1-1 0 0,0 1 1 0 0,1-1-1 0 0,-1 0 0 0 0,1 0 1 0 0,0 1-1 0 0,-1-1 1 0 0,3 1-1 0 0,-2-2-38 0 0,0 1 0 0 0,0-1 0 0 0,-1 1 0 0 0,1-1 0 0 0,0 0 0 0 0,0 1 0 0 0,0-1 0 0 0,-1 0 0 0 0,1 0 0 0 0,0 0-1 0 0,0-1 1 0 0,0 1 0 0 0,-1 0 0 0 0,1-1 0 0 0,0 1 0 0 0,0-1 0 0 0,-1 0 0 0 0,1 1 0 0 0,0-1 0 0 0,-1 0 0 0 0,1 0 0 0 0,-1 0 0 0 0,1 0 0 0 0,1-1 0 0 0,2-3 7 0 0,0 1 1 0 0,0-1 0 0 0,-1 0 0 0 0,1 0 0 0 0,3-6 0 0 0,0-1-49 0 0,-1 0 1 0 0,0-1 0 0 0,-1 0-1 0 0,-1 0 1 0 0,0 0-1 0 0,0-1 1 0 0,2-15 0 0 0,11-102-245 0 0,-2 8 524 0 0,-2 59 1638 0 0,-21 148-970 0 0,1-11-351 0 0,4-41-133 0 0,1 88-255 0 0,2-103-538 0 0,1 0-1 0 0,0 0 1 0 0,1 0 0 0 0,11 32-1 0 0,-12-44 119 0 0,0 0 0 0 0,1-1 0 0 0,-1 1-1 0 0,1 0 1 0 0,0-1 0 0 0,0 0-1 0 0,1 0 1 0 0,-1 0 0 0 0,1 0 0 0 0,5 3-1 0 0,26 18-5514 0 0,-21-18-2142 0 0</inkml:trace>
+  <inkml:trace contextRef="#ctx0" brushRef="#br0" timeOffset="1">497 24 13360 0 0,'0'0'12594'0'0,"7"-3"-11088"0"0,0 0-1041 0 0,0-1 0 0 0,0 1 0 0 0,1 1 0 0 0,-1-1-1 0 0,14-1 1 0 0,-19 3-435 0 0,0 1-1 0 0,0 0 1 0 0,1 0 0 0 0,-1 0-1 0 0,0 0 1 0 0,0 0 0 0 0,0 0-1 0 0,1 1 1 0 0,-1-1-1 0 0,0 1 1 0 0,0 0 0 0 0,0-1-1 0 0,0 1 1 0 0,0 0-1 0 0,0 0 1 0 0,0 0 0 0 0,0 1-1 0 0,0-1 1 0 0,-1 0-1 0 0,1 1 1 0 0,0-1 0 0 0,-1 1-1 0 0,1-1 1 0 0,-1 1-1 0 0,2 2 1 0 0,1 2-1 0 0,-1 0 1 0 0,0 0-1 0 0,-1 1 0 0 0,1-1 1 0 0,-1 1-1 0 0,0-1 0 0 0,-1 1 1 0 0,1 0-1 0 0,-1-1 0 0 0,0 15 1 0 0,-2 2 188 0 0,-7 45 1 0 0,4-45-121 0 0,-1 35 0 0 0,2-33-42 0 0,3-24-131 0 0</inkml:trace>
+</inkml:ink>
+</file>
+
+<file path=ppt/ink/ink35.xml><?xml version="1.0" encoding="utf-8"?>
+<inkml:ink xmlns:inkml="http://www.w3.org/2003/InkML">
+  <inkml:definitions>
+    <inkml:context xml:id="ctx0">
+      <inkml:inkSource xml:id="inkSrc0">
+        <inkml:traceFormat>
+          <inkml:channel name="X" type="integer" min="-2.14748E9" max="2.14748E9" units="cm"/>
+          <inkml:channel name="Y" type="integer" min="-2.14748E9" max="2.14748E9" units="cm"/>
+          <inkml:channel name="F" type="integer" max="32767" units="dev"/>
+          <inkml:channel name="OA" type="integer" max="360" units="deg"/>
+          <inkml:channel name="OE" type="integer" max="90" units="deg"/>
+        </inkml:traceFormat>
+        <inkml:channelProperties>
+          <inkml:channelProperty channel="X" name="resolution" value="1000" units="1/cm"/>
+          <inkml:channelProperty channel="Y" name="resolution" value="1000" units="1/cm"/>
+          <inkml:channelProperty channel="F" name="resolution" value="0" units="1/dev"/>
+          <inkml:channelProperty channel="OA" name="resolution" value="1000" units="1/deg"/>
+          <inkml:channelProperty channel="OE" name="resolution" value="1000" units="1/deg"/>
+        </inkml:channelProperties>
+      </inkml:inkSource>
+      <inkml:timestamp xml:id="ts0" timeString="2021-08-16T16:53:09.556"/>
+    </inkml:context>
+    <inkml:brush xml:id="br0">
+      <inkml:brushProperty name="width" value="0.05" units="cm"/>
+      <inkml:brushProperty name="height" value="0.05" units="cm"/>
+      <inkml:brushProperty name="color" value="#FF0066"/>
+    </inkml:brush>
+  </inkml:definitions>
+  <inkml:trace contextRef="#ctx0" brushRef="#br0">0 43 6912 0 0,'0'0'18797'0'0,"9"-11"-15159"0"0,3-2-2508 0 0,-10 10-862 0 0,0 0 0 0 0,1 1 0 0 0,-1-1 1 0 0,1 1-1 0 0,3-3 0 0 0,-5 4 85 0 0,-1 1-350 0 0,0 1 0 0 0,1-1 0 0 0,-1 1 0 0 0,0-1 0 0 0,0 0 0 0 0,1 1 0 0 0,-1-1 0 0 0,0 1 0 0 0,0-1 0 0 0,1 0 0 0 0,-1 1 0 0 0,0-1 0 0 0,0 1 0 0 0,0-1 0 0 0,0 1 0 0 0,0-1 0 0 0,0 1 0 0 0,0-1 0 0 0,0 1 0 0 0,0-1 0 0 0,0 1 0 0 0,0-1 0 0 0,0 0 0 0 0,0 1 0 0 0,-1 0 0 0 0,-1 16-9 0 0,-1-3-6 0 0,2-12-383 0 0,0-7-235 0 0,0 1 332 0 0,-2-2-1156 0 0,0-1-405 0 0</inkml:trace>
+</inkml:ink>
+</file>
+
+<file path=ppt/ink/ink36.xml><?xml version="1.0" encoding="utf-8"?>
+<inkml:ink xmlns:inkml="http://www.w3.org/2003/InkML">
+  <inkml:definitions>
+    <inkml:context xml:id="ctx0">
+      <inkml:inkSource xml:id="inkSrc0">
+        <inkml:traceFormat>
+          <inkml:channel name="X" type="integer" min="-2.14748E9" max="2.14748E9" units="cm"/>
+          <inkml:channel name="Y" type="integer" min="-2.14748E9" max="2.14748E9" units="cm"/>
+          <inkml:channel name="F" type="integer" max="32767" units="dev"/>
+          <inkml:channel name="OA" type="integer" max="360" units="deg"/>
+          <inkml:channel name="OE" type="integer" max="90" units="deg"/>
+        </inkml:traceFormat>
+        <inkml:channelProperties>
+          <inkml:channelProperty channel="X" name="resolution" value="1000" units="1/cm"/>
+          <inkml:channelProperty channel="Y" name="resolution" value="1000" units="1/cm"/>
+          <inkml:channelProperty channel="F" name="resolution" value="0" units="1/dev"/>
+          <inkml:channelProperty channel="OA" name="resolution" value="1000" units="1/deg"/>
+          <inkml:channelProperty channel="OE" name="resolution" value="1000" units="1/deg"/>
+        </inkml:channelProperties>
+      </inkml:inkSource>
+      <inkml:timestamp xml:id="ts0" timeString="2021-08-16T16:53:20.927"/>
+    </inkml:context>
+    <inkml:brush xml:id="br0">
+      <inkml:brushProperty name="width" value="0.05" units="cm"/>
+      <inkml:brushProperty name="height" value="0.05" units="cm"/>
+      <inkml:brushProperty name="color" value="#FF0066"/>
+    </inkml:brush>
+  </inkml:definitions>
+  <inkml:trace contextRef="#ctx0" brushRef="#br0">56 193 2760 0 0,'0'0'125'0'0,"7"-8"22"0"0,-7 0 1658 0 0,0-1-1 0 0,1 1 1 0 0,0 0 0 0 0,4-16 0 0 0,-5 23-1646 0 0,0-1 1 0 0,1 0 0 0 0,-1 1-1 0 0,0-1 1 0 0,0 1 0 0 0,-1-1-1 0 0,1 0 1 0 0,0 1-1 0 0,0-1 1 0 0,-1 1 0 0 0,0-4-1 0 0,0 4 16 0 0,0-1 0 0 0,1 0 0 0 0,-1 0 0 0 0,1 0 0 0 0,0 0 0 0 0,0 0 0 0 0,0 1 0 0 0,-1-1 0 0 0,2-4 0 0 0,1-1 452 0 0,0-1 1 0 0,0 1-1 0 0,1 0 1 0 0,0 0-1 0 0,0 1 1 0 0,1-1-1 0 0,0 0 1 0 0,0 1-1 0 0,1 0 1 0 0,9-10 1454 0 0,-6 34-982 0 0,-7-6-962 0 0,-1 0 1 0 0,1 0-1 0 0,-2 0 0 0 0,0 0 1 0 0,0 0-1 0 0,-4 13 0 0 0,1-3-14 0 0,-32 193 549 0 0,5-76-506 0 0,-5 30 234 0 0,34-154-439 0 0,0 1 1 0 0,1-1-1 0 0,1 23 1 0 0,0-36-51 0 0,0 0 1 0 0,1 0-1 0 0,-1 0 1 0 0,1 0-1 0 0,-1 0 1 0 0,1 0 0 0 0,0 0-1 0 0,1 2 1 0 0,5 3-2391 0 0,4-7-4296 0 0</inkml:trace>
+</inkml:ink>
+</file>
+
+<file path=ppt/ink/ink37.xml><?xml version="1.0" encoding="utf-8"?>
+<inkml:ink xmlns:inkml="http://www.w3.org/2003/InkML">
+  <inkml:definitions>
+    <inkml:context xml:id="ctx0">
+      <inkml:inkSource xml:id="inkSrc0">
+        <inkml:traceFormat>
+          <inkml:channel name="X" type="integer" min="-2.14748E9" max="2.14748E9" units="cm"/>
+          <inkml:channel name="Y" type="integer" min="-2.14748E9" max="2.14748E9" units="cm"/>
+          <inkml:channel name="F" type="integer" max="32767" units="dev"/>
+          <inkml:channel name="OA" type="integer" max="360" units="deg"/>
+          <inkml:channel name="OE" type="integer" max="90" units="deg"/>
+        </inkml:traceFormat>
+        <inkml:channelProperties>
+          <inkml:channelProperty channel="X" name="resolution" value="1000" units="1/cm"/>
+          <inkml:channelProperty channel="Y" name="resolution" value="1000" units="1/cm"/>
+          <inkml:channelProperty channel="F" name="resolution" value="0" units="1/dev"/>
+          <inkml:channelProperty channel="OA" name="resolution" value="1000" units="1/deg"/>
+          <inkml:channelProperty channel="OE" name="resolution" value="1000" units="1/deg"/>
+        </inkml:channelProperties>
+      </inkml:inkSource>
+      <inkml:timestamp xml:id="ts0" timeString="2021-08-16T16:53:21.314"/>
+    </inkml:context>
+    <inkml:brush xml:id="br0">
+      <inkml:brushProperty name="width" value="0.05" units="cm"/>
+      <inkml:brushProperty name="height" value="0.05" units="cm"/>
+      <inkml:brushProperty name="color" value="#FF0066"/>
+    </inkml:brush>
+  </inkml:definitions>
+  <inkml:trace contextRef="#ctx0" brushRef="#br0">1 226 3680 0 0,'1'0'9953'0'0,"6"-2"-8136"0"0,1-2-1103 0 0,0 1 0 0 0,-1-1 0 0 0,1 0 0 0 0,-1 0 0 0 0,0-1 0 0 0,0 0 0 0 0,6-6 0 0 0,42-43 1667 0 0,-54 52-2318 0 0,9-10 603 0 0,14-21 0 0 0,-13 16-381 0 0,-8 13-217 0 0,0 1-1 0 0,-1-1 0 0 0,0 0 1 0 0,0 0-1 0 0,0 0 0 0 0,0 0 1 0 0,0 0-1 0 0,-1-1 0 0 0,0 1 1 0 0,0 0-1 0 0,1-7 0 0 0,-2 11-58 0 0,0-1 1 0 0,0 1-1 0 0,0 0 0 0 0,0-1 1 0 0,0 1-1 0 0,0 0 0 0 0,0-1 0 0 0,0 1 1 0 0,0-1-1 0 0,0 1 0 0 0,-1 0 1 0 0,1-1-1 0 0,0 1 0 0 0,0 0 0 0 0,0-1 1 0 0,0 1-1 0 0,-1 0 0 0 0,1-1 1 0 0,0 1-1 0 0,0 0 0 0 0,-1-1 0 0 0,1 1 1 0 0,0 0-1 0 0,0 0 0 0 0,-1-1 1 0 0,1 1-1 0 0,0 0 0 0 0,-1 0 0 0 0,1-1 1 0 0,0 1-1 0 0,-1 0 0 0 0,1 0 0 0 0,0 0 1 0 0,-1 0-1 0 0,1 0 0 0 0,-1 0 1 0 0,1 0-1 0 0,0 0 0 0 0,-1 0 0 0 0,1-1 1 0 0,0 2-1 0 0,-1-1 0 0 0,1 0 1 0 0,-1 0-1 0 0,1 0 0 0 0,0 0 0 0 0,-1 0 1 0 0,1 0-1 0 0,0 0 0 0 0,-1 0 1 0 0,1 1-1 0 0,-1-1 0 0 0,1 0 0 0 0,-21 12 339 0 0,20-11-325 0 0,-7 6 102 0 0,1-1 1 0 0,0 1-1 0 0,1 1 0 0 0,0-1 0 0 0,0 1 1 0 0,0 1-1 0 0,-6 13 0 0 0,11-20-103 0 0,-6 10 109 0 0,0 0 1 0 0,1 1-1 0 0,0 0 0 0 0,1 0 1 0 0,1 0-1 0 0,0 1 0 0 0,1-1 1 0 0,0 1-1 0 0,1 0 0 0 0,1 0 1 0 0,0 15-1 0 0,1-25-111 0 0,0 0 0 0 0,1-1 0 0 0,0 1 0 0 0,0 0 0 0 0,0-1 0 0 0,0 1-1 0 0,0-1 1 0 0,1 1 0 0 0,-1-1 0 0 0,5 6 0 0 0,-5-7-18 0 0,0 0 0 0 0,1-1-1 0 0,-1 1 1 0 0,1-1 0 0 0,-1 0 0 0 0,1 1-1 0 0,-1-1 1 0 0,1 0 0 0 0,0 0 0 0 0,0 0 0 0 0,0 0-1 0 0,-1 0 1 0 0,1 0 0 0 0,0 0 0 0 0,0-1-1 0 0,0 1 1 0 0,0-1 0 0 0,0 0 0 0 0,0 1-1 0 0,3-1 1 0 0,1-1-212 0 0,1 0 0 0 0,-1 0-1 0 0,1 0 1 0 0,-1-1 0 0 0,0 0 0 0 0,1 0 0 0 0,-1-1-1 0 0,0 1 1 0 0,-1-1 0 0 0,1-1 0 0 0,5-3-1 0 0,4-2-1888 0 0,7-3-7094 0 0</inkml:trace>
+</inkml:ink>
+</file>
+
+<file path=ppt/ink/ink38.xml><?xml version="1.0" encoding="utf-8"?>
+<inkml:ink xmlns:inkml="http://www.w3.org/2003/InkML">
+  <inkml:definitions>
+    <inkml:context xml:id="ctx0">
+      <inkml:inkSource xml:id="inkSrc0">
+        <inkml:traceFormat>
+          <inkml:channel name="X" type="integer" min="-2.14748E9" max="2.14748E9" units="cm"/>
+          <inkml:channel name="Y" type="integer" min="-2.14748E9" max="2.14748E9" units="cm"/>
+          <inkml:channel name="F" type="integer" max="32767" units="dev"/>
+          <inkml:channel name="OA" type="integer" max="360" units="deg"/>
+          <inkml:channel name="OE" type="integer" max="90" units="deg"/>
+        </inkml:traceFormat>
+        <inkml:channelProperties>
+          <inkml:channelProperty channel="X" name="resolution" value="1000" units="1/cm"/>
+          <inkml:channelProperty channel="Y" name="resolution" value="1000" units="1/cm"/>
+          <inkml:channelProperty channel="F" name="resolution" value="0" units="1/dev"/>
+          <inkml:channelProperty channel="OA" name="resolution" value="1000" units="1/deg"/>
+          <inkml:channelProperty channel="OE" name="resolution" value="1000" units="1/deg"/>
+        </inkml:channelProperties>
+      </inkml:inkSource>
+      <inkml:timestamp xml:id="ts0" timeString="2021-08-16T16:53:21.674"/>
+    </inkml:context>
+    <inkml:brush xml:id="br0">
+      <inkml:brushProperty name="width" value="0.05" units="cm"/>
+      <inkml:brushProperty name="height" value="0.05" units="cm"/>
+      <inkml:brushProperty name="color" value="#FF0066"/>
+    </inkml:brush>
+  </inkml:definitions>
+  <inkml:trace contextRef="#ctx0" brushRef="#br0">3 346 5528 0 0,'-1'-2'13407'0'0,"0"-9"-11184"0"0,2-4-1545 0 0,1 0 0 0 0,1 1 0 0 0,0-1 0 0 0,1 1 0 0 0,1 0 1 0 0,6-14-1 0 0,4-15 416 0 0,44-114 1337 0 0,-51 142-2223 0 0,-8 14-127 0 0,3 10-1 0 0,-2-4-80 0 0,0 1 0 0 0,0-1 0 0 0,0 1 0 0 0,-1 0 0 0 0,0-1 0 0 0,0 1 0 0 0,-2 7 0 0 0,0 12 0 0 0,2-17 0 0 0,0 10-1 0 0,0-1 0 0 0,6 36 0 0 0,-5-48 2 0 0,1 0 0 0 0,-1-1 0 0 0,1 1 0 0 0,-1 0 0 0 0,1-1-1 0 0,1 1 1 0 0,-1-1 0 0 0,1 0 0 0 0,-1 0 0 0 0,1 0 0 0 0,0 0-1 0 0,1 0 1 0 0,-1-1 0 0 0,1 1 0 0 0,5 3 0 0 0,-8-6 14 0 0,0 0 0 0 0,1-1-1 0 0,-1 1 1 0 0,1-1 0 0 0,-1 1 0 0 0,1-1 0 0 0,-1 0 0 0 0,1 1 0 0 0,-1-1 0 0 0,1 0 0 0 0,0 0 0 0 0,-1 0 0 0 0,1 0-1 0 0,-1 0 1 0 0,1 0 0 0 0,-1-1 0 0 0,1 1 0 0 0,-1-1 0 0 0,1 1 0 0 0,-1-1 0 0 0,1 1 0 0 0,-1-1 0 0 0,1 0 0 0 0,-1 1-1 0 0,0-1 1 0 0,0 0 0 0 0,1 0 0 0 0,-1 0 0 0 0,0 0 0 0 0,2-2 0 0 0,2-2 46 0 0,-1 0 0 0 0,1 0 0 0 0,-1 0 1 0 0,0-1-1 0 0,6-10 0 0 0,33-55 155 0 0,-18 33-301 0 0,-16 23-740 0 0,19-22 0 0 0,-24 32-21 0 0,0 1 1 0 0,1-1-1 0 0,-1 1 0 0 0,1 0 0 0 0,0 0 1 0 0,0 0-1 0 0,10-4 0 0 0,0 2-7468 0 0</inkml:trace>
+</inkml:ink>
+</file>
+
+<file path=ppt/ink/ink39.xml><?xml version="1.0" encoding="utf-8"?>
+<inkml:ink xmlns:inkml="http://www.w3.org/2003/InkML">
+  <inkml:definitions>
+    <inkml:context xml:id="ctx0">
+      <inkml:inkSource xml:id="inkSrc0">
+        <inkml:traceFormat>
+          <inkml:channel name="X" type="integer" min="-2.14748E9" max="2.14748E9" units="cm"/>
+          <inkml:channel name="Y" type="integer" min="-2.14748E9" max="2.14748E9" units="cm"/>
+          <inkml:channel name="F" type="integer" max="32767" units="dev"/>
+          <inkml:channel name="OA" type="integer" max="360" units="deg"/>
+          <inkml:channel name="OE" type="integer" max="90" units="deg"/>
+        </inkml:traceFormat>
+        <inkml:channelProperties>
+          <inkml:channelProperty channel="X" name="resolution" value="1000" units="1/cm"/>
+          <inkml:channelProperty channel="Y" name="resolution" value="1000" units="1/cm"/>
+          <inkml:channelProperty channel="F" name="resolution" value="0" units="1/dev"/>
+          <inkml:channelProperty channel="OA" name="resolution" value="1000" units="1/deg"/>
+          <inkml:channelProperty channel="OE" name="resolution" value="1000" units="1/deg"/>
+        </inkml:channelProperties>
+      </inkml:inkSource>
+      <inkml:timestamp xml:id="ts0" timeString="2021-08-16T16:53:22.066"/>
+    </inkml:context>
+    <inkml:brush xml:id="br0">
+      <inkml:brushProperty name="width" value="0.05" units="cm"/>
+      <inkml:brushProperty name="height" value="0.05" units="cm"/>
+      <inkml:brushProperty name="color" value="#FF0066"/>
+    </inkml:brush>
+  </inkml:definitions>
+  <inkml:trace contextRef="#ctx0" brushRef="#br0">105 0 3680 0 0,'0'0'16341'0'0,"-12"9"-13084"0"0,4-2-2569 0 0,1-2-182 0 0,0 1 0 0 0,0-1 0 0 0,1 1-1 0 0,-7 8 1 0 0,4-3 123 0 0,6-8-573 0 0,-1 0-1 0 0,2 1 1 0 0,-1-1 0 0 0,0 1-1 0 0,1 0 1 0 0,-1-1 0 0 0,1 1-1 0 0,0 0 1 0 0,0 0 0 0 0,1 1-1 0 0,-1-1 1 0 0,1 0 0 0 0,0 0-1 0 0,-1 7 1 0 0,1-2 352 0 0,1-8-376 0 0,0-1 1 0 0,0 1 0 0 0,-1 0 0 0 0,1-1 0 0 0,0 1-1 0 0,0 0 1 0 0,0-1 0 0 0,0 1 0 0 0,0 0-1 0 0,0-1 1 0 0,0 1 0 0 0,0 0 0 0 0,0 0-1 0 0,0-1 1 0 0,0 1 0 0 0,1 0 0 0 0,-1-1-1 0 0,0 1 1 0 0,0 0 0 0 0,1-1 0 0 0,-1 1 0 0 0,0-1-1 0 0,1 1 1 0 0,-1 0 0 0 0,0-1 0 0 0,1 1-1 0 0,-1-1 1 0 0,1 1 0 0 0,-1-1 0 0 0,1 1-1 0 0,1 0 1 0 0,-1-1 94 0 0,12-1 178 0 0,-7-1-251 0 0,-1-1 1 0 0,0 0-1 0 0,0-1 1 0 0,0 1-1 0 0,0-1 0 0 0,0 0 1 0 0,-1 0-1 0 0,1-1 0 0 0,-1 1 1 0 0,-1-1-1 0 0,7-9 0 0 0,19-20 271 0 0,-27 33-291 0 0,0-1-1 0 0,0 0 1 0 0,0 0-1 0 0,1 1 1 0 0,-1-1-1 0 0,1 1 1 0 0,-1-1-1 0 0,1 1 1 0 0,4-1-1 0 0,-6 2-20 0 0,0-1-1 0 0,0 1 0 0 0,0 0 1 0 0,0 0-1 0 0,0 0 0 0 0,0 0 0 0 0,1 0 1 0 0,-1 0-1 0 0,0 1 0 0 0,0-1 0 0 0,0 0 1 0 0,0 0-1 0 0,0 1 0 0 0,0-1 0 0 0,0 1 1 0 0,0-1-1 0 0,0 1 0 0 0,0-1 1 0 0,0 1-1 0 0,0 0 0 0 0,0-1 0 0 0,0 1 1 0 0,-1 0-1 0 0,1 0 0 0 0,0 0 0 0 0,0 0 1 0 0,0 1-1 0 0,2 3-2 0 0,-1-1 0 0 0,1 1-1 0 0,-1-1 1 0 0,0 1 0 0 0,-1 0 0 0 0,1 0 0 0 0,0 8-1 0 0,3 39 39 0 0,-5-45-27 0 0,0 11 9 0 0,-1 0 0 0 0,-4 21 1 0 0,2-15-17 0 0,-1 0-7 0 0,-1-1-1 0 0,0 1 1 0 0,-2-1 0 0 0,-1 0-1 0 0,-1-1 1 0 0,-1 1 0 0 0,-1-2-1 0 0,-20 31 1 0 0,8-22-558 0 0,21-28 431 0 0,0 0 0 0 0,0 0 0 0 0,0 0 0 0 0,0 0 0 0 0,-1-1 0 0 0,1 1 0 0 0,-1-1 0 0 0,1 1 0 0 0,-1-1 0 0 0,-4 2 0 0 0,6-3-89 0 0,0 0 0 0 0,-1 0 0 0 0,1 0 0 0 0,0 0-1 0 0,0-1 1 0 0,0 1 0 0 0,0 0 0 0 0,-1-1 0 0 0,1 1 0 0 0,0 0-1 0 0,0-1 1 0 0,0 1 0 0 0,0-1 0 0 0,0 0 0 0 0,0 1-1 0 0,0-1 1 0 0,0 0 0 0 0,0 0 0 0 0,0 1 0 0 0,1-1 0 0 0,-1 0-1 0 0,0 0 1 0 0,0 0 0 0 0,1 0 0 0 0,-1 0 0 0 0,1 0-1 0 0,-2-2 1 0 0,-4-13-8710 0 0</inkml:trace>
+</inkml:ink>
+</file>
+
+<file path=ppt/ink/ink4.xml><?xml version="1.0" encoding="utf-8"?>
+<inkml:ink xmlns:inkml="http://www.w3.org/2003/InkML">
+  <inkml:definitions>
+    <inkml:context xml:id="ctx0">
+      <inkml:inkSource xml:id="inkSrc0">
+        <inkml:traceFormat>
+          <inkml:channel name="X" type="integer" min="-2.14748E9" max="2.14748E9" units="cm"/>
+          <inkml:channel name="Y" type="integer" min="-2.14748E9" max="2.14748E9" units="cm"/>
+          <inkml:channel name="F" type="integer" max="32767" units="dev"/>
+          <inkml:channel name="OA" type="integer" max="360" units="deg"/>
+          <inkml:channel name="OE" type="integer" max="90" units="deg"/>
+        </inkml:traceFormat>
+        <inkml:channelProperties>
+          <inkml:channelProperty channel="X" name="resolution" value="1000" units="1/cm"/>
+          <inkml:channelProperty channel="Y" name="resolution" value="1000" units="1/cm"/>
+          <inkml:channelProperty channel="F" name="resolution" value="0" units="1/dev"/>
+          <inkml:channelProperty channel="OA" name="resolution" value="1000" units="1/deg"/>
+          <inkml:channelProperty channel="OE" name="resolution" value="1000" units="1/deg"/>
+        </inkml:channelProperties>
+      </inkml:inkSource>
+      <inkml:timestamp xml:id="ts0" timeString="2021-08-16T16:31:53.688"/>
+    </inkml:context>
+    <inkml:brush xml:id="br0">
+      <inkml:brushProperty name="width" value="0.05" units="cm"/>
+      <inkml:brushProperty name="height" value="0.05" units="cm"/>
+      <inkml:brushProperty name="color" value="#FF0066"/>
+    </inkml:brush>
+  </inkml:definitions>
+  <inkml:trace contextRef="#ctx0" brushRef="#br0">11 146 2760 0 0,'0'0'407'0'0,"-8"-15"5643"0"0,8 13-5821 0 0,-1 1 1 0 0,1-1-1 0 0,-1 1 0 0 0,1-1 0 0 0,0 1 0 0 0,0-1 1 0 0,0 1-1 0 0,0-1 0 0 0,0 1 0 0 0,0-1 1 0 0,0 1-1 0 0,0-1 0 0 0,1 1 0 0 0,0-3 1 0 0,-1 3-86 0 0,0 0 0 0 0,1 0 0 0 0,-1 0 0 0 0,0 0 0 0 0,1 0 0 0 0,-1 0 0 0 0,1 1 0 0 0,0-1 0 0 0,-1 0 0 0 0,1 0 0 0 0,0 1 0 0 0,-1-1 0 0 0,1 0 0 0 0,0 1 0 0 0,0-1 0 0 0,-1 0 0 0 0,1 1 0 0 0,0-1 0 0 0,0 1 0 0 0,0 0 0 0 0,0-1 0 0 0,0 1 0 0 0,0 0 0 0 0,0-1 0 0 0,0 1 0 0 0,0 0 0 0 0,0 0 0 0 0,1 0 0 0 0,4 0 23 0 0,1 0 0 0 0,-1 0 0 0 0,11 2-1 0 0,4 0 1014 0 0,7-1-347 0 0,25-1-98 0 0,42-4 193 0 0,8 0-136 0 0,238-33 855 0 0,-78 15-756 0 0,-164 16-749 0 0,132 4 652 0 0,-118 4-360 0 0,63 2 185 0 0,141-6 702 0 0,-27-13 294 0 0,-106 13-702 0 0,-179 2-822 0 0,0 0-1 0 0,1-1 1 0 0,-1 0 0 0 0,9-2-1 0 0,-13 3 482 0 0,1 0-309 0 0</inkml:trace>
+</inkml:ink>
+</file>
+
+<file path=ppt/ink/ink40.xml><?xml version="1.0" encoding="utf-8"?>
+<inkml:ink xmlns:inkml="http://www.w3.org/2003/InkML">
+  <inkml:definitions>
+    <inkml:context xml:id="ctx0">
+      <inkml:inkSource xml:id="inkSrc0">
+        <inkml:traceFormat>
+          <inkml:channel name="X" type="integer" min="-2.14748E9" max="2.14748E9" units="cm"/>
+          <inkml:channel name="Y" type="integer" min="-2.14748E9" max="2.14748E9" units="cm"/>
+          <inkml:channel name="F" type="integer" max="32767" units="dev"/>
+          <inkml:channel name="OA" type="integer" max="360" units="deg"/>
+          <inkml:channel name="OE" type="integer" max="90" units="deg"/>
+        </inkml:traceFormat>
+        <inkml:channelProperties>
+          <inkml:channelProperty channel="X" name="resolution" value="1000" units="1/cm"/>
+          <inkml:channelProperty channel="Y" name="resolution" value="1000" units="1/cm"/>
+          <inkml:channelProperty channel="F" name="resolution" value="0" units="1/dev"/>
+          <inkml:channelProperty channel="OA" name="resolution" value="1000" units="1/deg"/>
+          <inkml:channelProperty channel="OE" name="resolution" value="1000" units="1/deg"/>
+        </inkml:channelProperties>
+      </inkml:inkSource>
+      <inkml:timestamp xml:id="ts0" timeString="2021-08-16T16:53:22.452"/>
+    </inkml:context>
+    <inkml:brush xml:id="br0">
+      <inkml:brushProperty name="width" value="0.05" units="cm"/>
+      <inkml:brushProperty name="height" value="0.05" units="cm"/>
+      <inkml:brushProperty name="color" value="#FF0066"/>
+    </inkml:brush>
+  </inkml:definitions>
+  <inkml:trace contextRef="#ctx0" brushRef="#br0">43 27 4144 0 0,'30'-24'2366'0'0,"-30"23"-2144"0"0,0 1 0 0 0,1 0 0 0 0,-1 0-1 0 0,0 0 1 0 0,1 0 0 0 0,-1-1 0 0 0,0 1-1 0 0,0 0 1 0 0,1 0 0 0 0,-1 0 0 0 0,0 0-1 0 0,1 0 1 0 0,-1 0 0 0 0,0 0 0 0 0,1 0-1 0 0,-1 0 1 0 0,0 0 0 0 0,1 0 0 0 0,-1 0-1 0 0,0 0 1 0 0,1 0 0 0 0,-1 0 0 0 0,3 3 2661 0 0,-3-3-2662 0 0,1 0 1 0 0,-1 1 0 0 0,0-1 0 0 0,0 0-1 0 0,0 0 1 0 0,0 1 0 0 0,0-1 0 0 0,0 0-1 0 0,0 1 1 0 0,1-1 0 0 0,-1 1 0 0 0,3 21 8749 0 0,-3-19-9322 0 0,0 16 1247 0 0,-1 0 0 0 0,-3 23-1 0 0,0-4-407 0 0,-6 46 208 0 0,-2 66-130 0 0,7-76-464 0 0,2-36-73 0 0,3-11-220 0 0,0 6-634 0 0,-1-26 204 0 0</inkml:trace>
+  <inkml:trace contextRef="#ctx0" brushRef="#br0" timeOffset="1">1 410 7832 0 0,'38'-7'14096'0'0,"22"2"-8019"0"0,17-3-4351 0 0,-65 6-1703 0 0,0-1 0 0 0,0 0 0 0 0,13-6 0 0 0,-17 6-1207 0 0,-1-1 0 0 0,15-9 0 0 0,-8 2-8352 0 0</inkml:trace>
+</inkml:ink>
+</file>
+
+<file path=ppt/ink/ink41.xml><?xml version="1.0" encoding="utf-8"?>
+<inkml:ink xmlns:inkml="http://www.w3.org/2003/InkML">
+  <inkml:definitions>
+    <inkml:context xml:id="ctx0">
+      <inkml:inkSource xml:id="inkSrc0">
+        <inkml:traceFormat>
+          <inkml:channel name="X" type="integer" min="-2.14748E9" max="2.14748E9" units="cm"/>
+          <inkml:channel name="Y" type="integer" min="-2.14748E9" max="2.14748E9" units="cm"/>
+          <inkml:channel name="F" type="integer" max="32767" units="dev"/>
+          <inkml:channel name="OA" type="integer" max="360" units="deg"/>
+          <inkml:channel name="OE" type="integer" max="90" units="deg"/>
+        </inkml:traceFormat>
+        <inkml:channelProperties>
+          <inkml:channelProperty channel="X" name="resolution" value="1000" units="1/cm"/>
+          <inkml:channelProperty channel="Y" name="resolution" value="1000" units="1/cm"/>
+          <inkml:channelProperty channel="F" name="resolution" value="0" units="1/dev"/>
+          <inkml:channelProperty channel="OA" name="resolution" value="1000" units="1/deg"/>
+          <inkml:channelProperty channel="OE" name="resolution" value="1000" units="1/deg"/>
+        </inkml:channelProperties>
+      </inkml:inkSource>
+      <inkml:timestamp xml:id="ts0" timeString="2021-08-16T16:53:22.811"/>
+    </inkml:context>
+    <inkml:brush xml:id="br0">
+      <inkml:brushProperty name="width" value="0.05" units="cm"/>
+      <inkml:brushProperty name="height" value="0.05" units="cm"/>
+      <inkml:brushProperty name="color" value="#FF0066"/>
+    </inkml:brush>
+  </inkml:definitions>
+  <inkml:trace contextRef="#ctx0" brushRef="#br0">33 0 23039 0 0,'-5'6'618'0'0,"3"-3"-494"0"0,-1-1 0 0 0,1 1 0 0 0,0 0 0 0 0,-1 0 0 0 0,1 1 0 0 0,1-1-1 0 0,-1 0 1 0 0,0 1 0 0 0,1-1 0 0 0,-1 1 0 0 0,1-1 0 0 0,0 1 0 0 0,1-1 0 0 0,-1 1-1 0 0,0 4 1 0 0,0 25 774 0 0,0-16-151 0 0,3 31 0 0 0,3 24 513 0 0,4 23-888 0 0,-9-92-347 0 0,4 18-73 0 0,6 23 0 0 0,-8-38 159 0 0,0 0 0 0 0,1-1 1 0 0,-1 1-1 0 0,1 0 0 0 0,0-1 1 0 0,0 1-1 0 0,1-1 0 0 0,5 7 1 0 0,-7-11-74 0 0,-1 0 0 0 0,0 1 0 0 0,0-1 0 0 0,1 0 0 0 0,-1 0 0 0 0,1 0 0 0 0,-1 0 0 0 0,1 0 0 0 0,0 0 0 0 0,-1-1 0 0 0,1 1 0 0 0,0 0 0 0 0,-1-1 0 0 0,1 1 0 0 0,0-1 0 0 0,0 0 0 0 0,3 1 0 0 0,-2-2 2 0 0,0 1-1 0 0,0 0 0 0 0,-1-1 1 0 0,1 0-1 0 0,0 0 0 0 0,0 0 1 0 0,0 0-1 0 0,-1 0 0 0 0,1-1 1 0 0,3-2-1 0 0,15-10-39 0 0,23-22 0 0 0,-29 23 0 0 0,1 0 0 0 0,0 1 0 0 0,20-11 0 0 0,-35 22 0 0 0,1 0 0 0 0,-1 1 0 0 0,1-1 0 0 0,-1 0 0 0 0,1 1 0 0 0,-1-1 0 0 0,1 1 0 0 0,0-1 0 0 0,-1 1 0 0 0,1 0 0 0 0,0 0 0 0 0,-1 0 0 0 0,1 0 0 0 0,0 0 0 0 0,0 0 0 0 0,-1 0 0 0 0,1 1 0 0 0,0-1 0 0 0,-1 0 0 0 0,1 1 0 0 0,2 1 0 0 0,-2-1 0 0 0,-1 0 0 0 0,1 0 0 0 0,-1 1 0 0 0,0-1 0 0 0,1 1 0 0 0,-1-1 0 0 0,0 1 0 0 0,0-1 0 0 0,0 1 0 0 0,0 0 0 0 0,0-1 0 0 0,-1 1 0 0 0,1 0 0 0 0,0 0 0 0 0,-1-1 0 0 0,1 1 0 0 0,-1 0 0 0 0,0 0 0 0 0,0 2 0 0 0,1 8-170 0 0,-1 1 0 0 0,-1-1 1 0 0,0 0-1 0 0,-3 16 0 0 0,-2 11-365 0 0,3-23 23 0 0</inkml:trace>
+</inkml:ink>
+</file>
+
+<file path=ppt/ink/ink42.xml><?xml version="1.0" encoding="utf-8"?>
+<inkml:ink xmlns:inkml="http://www.w3.org/2003/InkML">
+  <inkml:definitions>
+    <inkml:context xml:id="ctx0">
+      <inkml:inkSource xml:id="inkSrc0">
+        <inkml:traceFormat>
+          <inkml:channel name="X" type="integer" min="-2.14748E9" max="2.14748E9" units="cm"/>
+          <inkml:channel name="Y" type="integer" min="-2.14748E9" max="2.14748E9" units="cm"/>
+          <inkml:channel name="F" type="integer" max="32767" units="dev"/>
+          <inkml:channel name="OA" type="integer" max="360" units="deg"/>
+          <inkml:channel name="OE" type="integer" max="90" units="deg"/>
+        </inkml:traceFormat>
+        <inkml:channelProperties>
+          <inkml:channelProperty channel="X" name="resolution" value="1000" units="1/cm"/>
+          <inkml:channelProperty channel="Y" name="resolution" value="1000" units="1/cm"/>
+          <inkml:channelProperty channel="F" name="resolution" value="0" units="1/dev"/>
+          <inkml:channelProperty channel="OA" name="resolution" value="1000" units="1/deg"/>
+          <inkml:channelProperty channel="OE" name="resolution" value="1000" units="1/deg"/>
+        </inkml:channelProperties>
+      </inkml:inkSource>
+      <inkml:timestamp xml:id="ts0" timeString="2021-08-16T16:53:26.785"/>
+    </inkml:context>
+    <inkml:brush xml:id="br0">
+      <inkml:brushProperty name="width" value="0.05" units="cm"/>
+      <inkml:brushProperty name="height" value="0.05" units="cm"/>
+      <inkml:brushProperty name="color" value="#FF0066"/>
+    </inkml:brush>
+  </inkml:definitions>
+  <inkml:trace contextRef="#ctx0" brushRef="#br0">87 103 17503 0 0,'-76'1'2663'0'0,"65"0"3502"0"0,109 5-4661 0 0,-22 0-709 0 0,28 7-74 0 0,-35-3-388 0 0,25 2-312 0 0,98 8 920 0 0,-159-19-748 0 0,0-2 0 0 0,64-9 1 0 0,-92 9-123 0 0,0 0 0 0 0,0 0-1 0 0,-1-1 1 0 0,1 1 0 0 0,7-5 0 0 0,-11 6-70 0 0,-1 0 1 0 0,1-1-1 0 0,-1 1 1 0 0,1 0-1 0 0,0-1 0 0 0,-1 1 1 0 0,1-1-1 0 0,-1 1 0 0 0,1-1 1 0 0,-1 1-1 0 0,1-1 0 0 0,-1 1 1 0 0,1-1-1 0 0,-1 0 1 0 0,0 1-1 0 0,1-1 0 0 0,-1 1 1 0 0,0-1-1 0 0,1 0 0 0 0,-1 1 1 0 0,0-1-1 0 0,0 0 0 0 0,0 0 1 0 0,0 1-1 0 0,0-1 0 0 0,0 0 1 0 0,0 0-1 0 0,0 1 1 0 0,0-1-1 0 0,0 0 0 0 0,0 1 1 0 0,0-1-1 0 0,0 0 0 0 0,0 1 1 0 0,-1-1-1 0 0,1 0 0 0 0,0 0 1 0 0,-1 1-1 0 0,1-1 1 0 0,0 1-1 0 0,-1-1 0 0 0,1 0 1 0 0,-1 1-1 0 0,1-1 0 0 0,-2 0 1 0 0,-1-3 10 0 0,-1 1 1 0 0,1-1 0 0 0,-1 1 0 0 0,0 0 0 0 0,-1 0-1 0 0,1 0 1 0 0,-9-4 0 0 0,-35-11 76 0 0,13 5-99 0 0,12 4 16 0 0,0 0 0 0 0,-1 1 0 0 0,-41-7 0 0 0,51 15 140 0 0,12 0-134 0 0,0 1-1 0 0,0-1 1 0 0,0 0 0 0 0,0 0-1 0 0,0 0 1 0 0,0-1 0 0 0,0 1 0 0 0,0 0-1 0 0,0-1 1 0 0,-3 0 0 0 0,4 0 137 0 0,3 2-77 0 0,11 0-54 0 0,0-1-1 0 0,1 0 0 0 0,-1 0 1 0 0,0-1-1 0 0,0-1 1 0 0,18-4-1 0 0,-19 3 3 0 0,0 1-1 0 0,0 0 0 0 0,1 0 1 0 0,-1 1-1 0 0,0 1 0 0 0,1 0 0 0 0,-1 1 1 0 0,17 3-1 0 0,-27-4-19 0 0,0 1 0 0 0,-1 0 0 0 0,1-1 0 0 0,0 1 0 0 0,0 0 0 0 0,-1 0 0 0 0,1 0 0 0 0,0 0 0 0 0,-1 0 0 0 0,1 0 0 0 0,-1 0 0 0 0,1 1 0 0 0,-1-1 0 0 0,0 1 0 0 0,1-1 0 0 0,-1 1 0 0 0,0-1 0 0 0,1 3 0 0 0,-1-2 0 0 0,0 1 0 0 0,0 0 0 0 0,0 0 0 0 0,-1-1 0 0 0,1 1 0 0 0,-1 0 0 0 0,1 0 0 0 0,-1 0 0 0 0,0-1 0 0 0,0 1 0 0 0,-1 4 0 0 0,-1 2 0 0 0,0 1 0 0 0,-1-1 0 0 0,0 0 0 0 0,0 0 0 0 0,-1 0 0 0 0,-6 11 0 0 0,-107 174-2247 0 0,102-171 871 0 0,2-3-57 0 0</inkml:trace>
+</inkml:ink>
+</file>
+
+<file path=ppt/ink/ink43.xml><?xml version="1.0" encoding="utf-8"?>
+<inkml:ink xmlns:inkml="http://www.w3.org/2003/InkML">
+  <inkml:definitions>
+    <inkml:context xml:id="ctx0">
+      <inkml:inkSource xml:id="inkSrc0">
+        <inkml:traceFormat>
+          <inkml:channel name="X" type="integer" min="-2.14748E9" max="2.14748E9" units="cm"/>
+          <inkml:channel name="Y" type="integer" min="-2.14748E9" max="2.14748E9" units="cm"/>
+          <inkml:channel name="F" type="integer" max="32767" units="dev"/>
+          <inkml:channel name="OA" type="integer" max="360" units="deg"/>
+          <inkml:channel name="OE" type="integer" max="90" units="deg"/>
+        </inkml:traceFormat>
+        <inkml:channelProperties>
+          <inkml:channelProperty channel="X" name="resolution" value="1000" units="1/cm"/>
+          <inkml:channelProperty channel="Y" name="resolution" value="1000" units="1/cm"/>
+          <inkml:channelProperty channel="F" name="resolution" value="0" units="1/dev"/>
+          <inkml:channelProperty channel="OA" name="resolution" value="1000" units="1/deg"/>
+          <inkml:channelProperty channel="OE" name="resolution" value="1000" units="1/deg"/>
+        </inkml:channelProperties>
+      </inkml:inkSource>
+      <inkml:timestamp xml:id="ts0" timeString="2021-08-16T16:53:27.547"/>
+    </inkml:context>
+    <inkml:brush xml:id="br0">
+      <inkml:brushProperty name="width" value="0.05" units="cm"/>
+      <inkml:brushProperty name="height" value="0.05" units="cm"/>
+      <inkml:brushProperty name="color" value="#FF0066"/>
+    </inkml:brush>
+  </inkml:definitions>
+  <inkml:trace contextRef="#ctx0" brushRef="#br0">1 206 13824 0 0,'0'-18'1714'0'0,"1"15"-1214"0"0,-1 0 0 0 0,1 1 0 0 0,-1-1 0 0 0,1 1 0 0 0,0-1 0 0 0,0 1 0 0 0,1-1 0 0 0,-1 1 0 0 0,0 0 0 0 0,1-1 0 0 0,-1 1-1 0 0,1 0 1 0 0,0 0 0 0 0,2-2 0 0 0,-1 2-96 0 0,0 0-1 0 0,-1 0 0 0 0,1 0 0 0 0,1 0 1 0 0,-1 1-1 0 0,0-1 0 0 0,0 1 1 0 0,1 0-1 0 0,5-1 0 0 0,5 0 104 0 0,0 1 0 0 0,0 0 0 0 0,1 1 0 0 0,19 3 0 0 0,-8-1-4 0 0,300 0 660 0 0,-251-4-1135 0 0,50-4 61 0 0,-122 6-87 0 0,-1-1-1 0 0,0 1 0 0 0,0 0 1 0 0,0-1-1 0 0,0 0 0 0 0,0 1 1 0 0,3-2-1 0 0,-5 1-1 0 0,0 1 0 0 0,1 0 1 0 0,-1 0-1 0 0,0 0 0 0 0,0 0 0 0 0,1-1 0 0 0,-1 1 0 0 0,0 0 1 0 0,0 0-1 0 0,1-1 0 0 0,-1 1 0 0 0,0 0 0 0 0,0 0 0 0 0,0-1 1 0 0,0 1-1 0 0,1 0 0 0 0,-1-1 0 0 0,0 1 0 0 0,0 0 1 0 0,0 0-1 0 0,0-1 0 0 0,0 1 0 0 0,0 0 0 0 0,0-1 0 0 0,0 1 1 0 0,0 0-1 0 0,0-1 0 0 0,0 1 0 0 0,0 0 0 0 0,0-1 0 0 0,0 1 1 0 0,0 0-1 0 0,0-1 0 0 0,0 1 0 0 0,0 0 0 0 0,0-1 0 0 0,0 1 1 0 0,-1 0-1 0 0,1 0 0 0 0,0-1 0 0 0,0 1 0 0 0,0 0 1 0 0,-1-1-1 0 0,1 1 0 0 0,0 0 0 0 0,0 0 0 0 0,-1 0 0 0 0,1-1 1 0 0,0 1-1 0 0,0 0 0 0 0,-1 0 0 0 0,1 0 0 0 0,-1-1 0 0 0,1 1 2 0 0,-3-2 1 0 0,-1-1 0 0 0,0 1 0 0 0,1-1 1 0 0,-1 1-1 0 0,0 0 0 0 0,0 0 0 0 0,-8-2 1 0 0,-34-6 17 0 0,15 3-15 0 0,1 0 58 0 0,-1 1 0 0 0,0 2 0 0 0,-56-2 0 0 0,81 6-56 0 0,1 0 4 0 0,0 0 0 0 0,-1 0 0 0 0,1 0 1 0 0,-1-1-1 0 0,1 0 0 0 0,-8-2 0 0 0,12 3 71 0 0,2-1-67 0 0,0 1 0 0 0,0-1-1 0 0,0 0 1 0 0,0 1 0 0 0,0 0 0 0 0,0-1-1 0 0,0 1 1 0 0,0-1 0 0 0,0 1 0 0 0,2 0-1 0 0,34-8 0 0 0,10-2 10 0 0,0 2 1 0 0,77-4-1 0 0,-115 12-20 0 0,1 1 1 0 0,-1-1-1 0 0,0 2 0 0 0,0-1 1 0 0,10 4-1 0 0,-16-4-3 0 0,0 0 0 0 0,0 0-1 0 0,0 0 1 0 0,0 1 0 0 0,0-1 0 0 0,-1 1-1 0 0,1 0 1 0 0,0 0 0 0 0,-1 0 0 0 0,1 0 0 0 0,-1 0-1 0 0,0 0 1 0 0,1 1 0 0 0,-1-1 0 0 0,-1 1-1 0 0,1 0 1 0 0,3 4 0 0 0,-3 1-1 0 0,1 0-1 0 0,-2 0 1 0 0,1 0-1 0 0,-1 0 1 0 0,0 0-1 0 0,-1 0 1 0 0,1 0-1 0 0,-2 0 1 0 0,1 0-1 0 0,-1 0 1 0 0,0 0-1 0 0,-1-1 1 0 0,0 1-1 0 0,-4 10 1 0 0,-5 12-9 0 0,-2-1 1 0 0,-20 34-1 0 0,32-61 7 0 0,-34 54-866 0 0,9-20-2719 0 0,12-21-6513 0 0</inkml:trace>
+</inkml:ink>
+</file>
+
+<file path=ppt/ink/ink44.xml><?xml version="1.0" encoding="utf-8"?>
+<inkml:ink xmlns:inkml="http://www.w3.org/2003/InkML">
+  <inkml:definitions>
+    <inkml:context xml:id="ctx0">
+      <inkml:inkSource xml:id="inkSrc0">
+        <inkml:traceFormat>
+          <inkml:channel name="X" type="integer" min="-2.14748E9" max="2.14748E9" units="cm"/>
+          <inkml:channel name="Y" type="integer" min="-2.14748E9" max="2.14748E9" units="cm"/>
+          <inkml:channel name="F" type="integer" max="32767" units="dev"/>
+          <inkml:channel name="OA" type="integer" max="360" units="deg"/>
+          <inkml:channel name="OE" type="integer" max="90" units="deg"/>
+        </inkml:traceFormat>
+        <inkml:channelProperties>
+          <inkml:channelProperty channel="X" name="resolution" value="1000" units="1/cm"/>
+          <inkml:channelProperty channel="Y" name="resolution" value="1000" units="1/cm"/>
+          <inkml:channelProperty channel="F" name="resolution" value="0" units="1/dev"/>
+          <inkml:channelProperty channel="OA" name="resolution" value="1000" units="1/deg"/>
+          <inkml:channelProperty channel="OE" name="resolution" value="1000" units="1/deg"/>
+        </inkml:channelProperties>
+      </inkml:inkSource>
+      <inkml:timestamp xml:id="ts0" timeString="2021-08-16T16:53:29.271"/>
+    </inkml:context>
+    <inkml:brush xml:id="br0">
+      <inkml:brushProperty name="width" value="0.05" units="cm"/>
+      <inkml:brushProperty name="height" value="0.05" units="cm"/>
+      <inkml:brushProperty name="color" value="#FF0066"/>
+    </inkml:brush>
+  </inkml:definitions>
+  <inkml:trace contextRef="#ctx0" brushRef="#br0">0 462 13560 0 0,'0'0'7617'0'0,"9"-6"-6421"0"0,-4 3-917 0 0,-1-1 0 0 0,1 0 0 0 0,-1 0 0 0 0,0 0 0 0 0,0 0 0 0 0,0-1 0 0 0,0 1 0 0 0,-1-1 0 0 0,0 0 0 0 0,4-9 0 0 0,1-5 505 0 0,10-35 0 0 0,-6 19-163 0 0,-5 16-599 0 0,-2 5 85 0 0,0 0-1 0 0,-1 0 1 0 0,3-18-1 0 0,-4 16 81 0 0,7-22-1 0 0,-6 24-6 0 0,5-28 0 0 0,-4 9-69 0 0,-3 19-2 0 0,2-27-1 0 0,-10 51 287 0 0,4-2-422 0 0,-4 25-110 0 0,2 0 1 0 0,-1 38-1 0 0,4-35 127 0 0,0-20 10 0 0,0 0-1 0 0,2 0 1 0 0,0 0 0 0 0,6 30 0 0 0,-2-23 1 0 0,-2-12-2 0 0,0 1 1 0 0,5 12-1 0 0,-7-21 2 0 0,0-1 0 0 0,0 1 0 0 0,1-1-1 0 0,-1 1 1 0 0,1-1 0 0 0,-1 1 0 0 0,1-1 0 0 0,0 0 0 0 0,0 0-1 0 0,0 0 1 0 0,0 0 0 0 0,1 0 0 0 0,3 2 0 0 0,-4-3 21 0 0,-1-1 1 0 0,1 1-1 0 0,-1-1 0 0 0,1 1 1 0 0,-1-1-1 0 0,1 0 1 0 0,0 0-1 0 0,-1 0 0 0 0,1 0 1 0 0,-1 0-1 0 0,1 0 1 0 0,-1 0-1 0 0,1 0 0 0 0,0-1 1 0 0,-1 1-1 0 0,1-1 1 0 0,-1 1-1 0 0,0-1 0 0 0,1 1 1 0 0,-1-1-1 0 0,1 0 1 0 0,-1 0-1 0 0,0 0 1 0 0,1 0-1 0 0,-1 0 0 0 0,0 0 1 0 0,0 0-1 0 0,0 0 1 0 0,0 0-1 0 0,0 0 0 0 0,1-2 1 0 0,3-3 118 0 0,-1-1-1 0 0,1 1 1 0 0,-1-1 0 0 0,5-13 0 0 0,11-34 327 0 0,20-91 0 0 0,-40 142-471 0 0,2-6-270 0 0,1 0 0 0 0,5-13 0 0 0,-7 20 96 0 0,0 0 0 0 0,0 0 0 0 0,0 0 1 0 0,0 1-1 0 0,0-1 0 0 0,0 0 0 0 0,0 1 0 0 0,1-1 0 0 0,-1 1 0 0 0,1 0 0 0 0,-1-1 0 0 0,1 1 0 0 0,-1 0 0 0 0,1 0 0 0 0,0 0 0 0 0,-1 0 0 0 0,1 0 0 0 0,3-1 0 0 0,30-7-4523 0 0,-19 5 2808 0 0</inkml:trace>
+</inkml:ink>
+</file>
+
+<file path=ppt/ink/ink45.xml><?xml version="1.0" encoding="utf-8"?>
+<inkml:ink xmlns:inkml="http://www.w3.org/2003/InkML">
+  <inkml:definitions>
+    <inkml:context xml:id="ctx0">
+      <inkml:inkSource xml:id="inkSrc0">
+        <inkml:traceFormat>
+          <inkml:channel name="X" type="integer" min="-2.14748E9" max="2.14748E9" units="cm"/>
+          <inkml:channel name="Y" type="integer" min="-2.14748E9" max="2.14748E9" units="cm"/>
+          <inkml:channel name="F" type="integer" max="32767" units="dev"/>
+          <inkml:channel name="OA" type="integer" max="360" units="deg"/>
+          <inkml:channel name="OE" type="integer" max="90" units="deg"/>
+        </inkml:traceFormat>
+        <inkml:channelProperties>
+          <inkml:channelProperty channel="X" name="resolution" value="1000" units="1/cm"/>
+          <inkml:channelProperty channel="Y" name="resolution" value="1000" units="1/cm"/>
+          <inkml:channelProperty channel="F" name="resolution" value="0" units="1/dev"/>
+          <inkml:channelProperty channel="OA" name="resolution" value="1000" units="1/deg"/>
+          <inkml:channelProperty channel="OE" name="resolution" value="1000" units="1/deg"/>
+        </inkml:channelProperties>
+      </inkml:inkSource>
+      <inkml:timestamp xml:id="ts0" timeString="2021-08-16T16:53:29.628"/>
+    </inkml:context>
+    <inkml:brush xml:id="br0">
+      <inkml:brushProperty name="width" value="0.05" units="cm"/>
+      <inkml:brushProperty name="height" value="0.05" units="cm"/>
+      <inkml:brushProperty name="color" value="#FF0066"/>
+    </inkml:brush>
+  </inkml:definitions>
+  <inkml:trace contextRef="#ctx0" brushRef="#br0">208 8 4608 0 0,'0'0'353'0'0,"-6"0"-218"0"0,0 1 732 0 0,0 1 0 0 0,0 0 0 0 0,0 0 0 0 0,1 1 0 0 0,-1-1 0 0 0,0 1 0 0 0,-5 4 0 0 0,-1 2 2765 0 0,-22 18-1 0 0,23-16-3138 0 0,0 0 0 0 0,1 0-1 0 0,0 1 1 0 0,1 1 0 0 0,0 0-1 0 0,-8 17 1 0 0,12-21-177 0 0,1 0 0 0 0,1 0 0 0 0,-1 1 1 0 0,1-1-1 0 0,1 1 0 0 0,0 0 0 0 0,0-1 0 0 0,1 1 1 0 0,0 0-1 0 0,1 19 0 0 0,0-27-266 0 0,1 0 1 0 0,-1 0-1 0 0,0 0 1 0 0,1 0-1 0 0,-1 0 1 0 0,1 0-1 0 0,-1 0 1 0 0,1 0-1 0 0,0-1 1 0 0,0 1-1 0 0,0 0 1 0 0,0 0-1 0 0,0-1 1 0 0,0 1-1 0 0,1 0 0 0 0,-1-1 1 0 0,1 1-1 0 0,-1-1 1 0 0,1 0-1 0 0,-1 1 1 0 0,1-1-1 0 0,0 0 1 0 0,3 2-1 0 0,-3-3 2 0 0,1 1-1 0 0,0 0 1 0 0,-1-1 0 0 0,1 1-1 0 0,0-1 1 0 0,0 0-1 0 0,0 0 1 0 0,-1 0 0 0 0,1 0-1 0 0,0-1 1 0 0,0 1-1 0 0,-1-1 1 0 0,1 0-1 0 0,0 1 1 0 0,-1-1 0 0 0,1-1-1 0 0,2 0 1 0 0,8-5 113 0 0,-1 0 0 0 0,0 0 0 0 0,-1-1 0 0 0,0-1 0 0 0,0 0 0 0 0,-1-1 0 0 0,0 0 0 0 0,0 0 1 0 0,13-19-1 0 0,-12 11-578 0 0,0-1-1 0 0,-1 0 1 0 0,-1 0 0 0 0,0-1 0 0 0,9-35 0 0 0,-1 0-3895 0 0,-14 38 2481 0 0</inkml:trace>
+</inkml:ink>
+</file>
+
+<file path=ppt/ink/ink46.xml><?xml version="1.0" encoding="utf-8"?>
+<inkml:ink xmlns:inkml="http://www.w3.org/2003/InkML">
+  <inkml:definitions>
+    <inkml:context xml:id="ctx0">
+      <inkml:inkSource xml:id="inkSrc0">
+        <inkml:traceFormat>
+          <inkml:channel name="X" type="integer" min="-2.14748E9" max="2.14748E9" units="cm"/>
+          <inkml:channel name="Y" type="integer" min="-2.14748E9" max="2.14748E9" units="cm"/>
+          <inkml:channel name="F" type="integer" max="32767" units="dev"/>
+          <inkml:channel name="OA" type="integer" max="360" units="deg"/>
+          <inkml:channel name="OE" type="integer" max="90" units="deg"/>
+        </inkml:traceFormat>
+        <inkml:channelProperties>
+          <inkml:channelProperty channel="X" name="resolution" value="1000" units="1/cm"/>
+          <inkml:channelProperty channel="Y" name="resolution" value="1000" units="1/cm"/>
+          <inkml:channelProperty channel="F" name="resolution" value="0" units="1/dev"/>
+          <inkml:channelProperty channel="OA" name="resolution" value="1000" units="1/deg"/>
+          <inkml:channelProperty channel="OE" name="resolution" value="1000" units="1/deg"/>
+        </inkml:channelProperties>
+      </inkml:inkSource>
+      <inkml:timestamp xml:id="ts0" timeString="2021-08-16T16:53:38.176"/>
+    </inkml:context>
+    <inkml:brush xml:id="br0">
+      <inkml:brushProperty name="width" value="0.05" units="cm"/>
+      <inkml:brushProperty name="height" value="0.05" units="cm"/>
+      <inkml:brushProperty name="color" value="#FF0066"/>
+    </inkml:brush>
+  </inkml:definitions>
+  <inkml:trace contextRef="#ctx0" brushRef="#br0">1 736 6624 0 0,'26'22'467'0'0,"-23"-19"-11"0"0,0 0-1 0 0,0 0 1 0 0,0 0 0 0 0,0 0 0 0 0,1 0-1 0 0,-1-1 1 0 0,1 0 0 0 0,0 0 0 0 0,0 0-1 0 0,0 0 1 0 0,0 0 0 0 0,7 1 0 0 0,-6-2 219 0 0,-1 0 1 0 0,1 1 0 0 0,-1-1 0 0 0,1 1 0 0 0,-1 0 0 0 0,0 0 0 0 0,1 1-1 0 0,-1-1 1 0 0,7 7 3585 0 0,-7-17-3082 0 0,-3 1-814 0 0,0-1 0 0 0,0 1 1 0 0,0 0-1 0 0,-1-1 0 0 0,-1 1 0 0 0,0-9 1 0 0,0-2 57 0 0,-37-390 2554 0 0,35 384-2951 0 0,1 0 0 0 0,1 0-1 0 0,2 0 1 0 0,0 0 0 0 0,1 0 0 0 0,2 0 0 0 0,0 0-1 0 0,12-34 1 0 0,-14 52-11 0 0,0 0 1 0 0,1 0-1 0 0,0 0 1 0 0,0 0-1 0 0,1 0 1 0 0,7-9-1 0 0,-10 13 25 0 0,1 1 1 0 0,0-1-1 0 0,0 0 0 0 0,0 0 0 0 0,0 1 1 0 0,1-1-1 0 0,-1 1 0 0 0,0 0 0 0 0,0 0 1 0 0,1-1-1 0 0,-1 2 0 0 0,1-1 0 0 0,-1 0 1 0 0,1 0-1 0 0,0 1 0 0 0,-1-1 1 0 0,1 1-1 0 0,-1 0 0 0 0,6 0 0 0 0,5 2-199 0 0,0 0-1 0 0,0 0 0 0 0,-1 1 1 0 0,1 1-1 0 0,-1 0 1 0 0,1 1-1 0 0,-1 1 0 0 0,-1-1 1 0 0,1 2-1 0 0,18 13 0 0 0,-25-16 90 0 0,1 1 0 0 0,-2 1 0 0 0,1-1 0 0 0,0 1 0 0 0,-1-1 0 0 0,0 1 0 0 0,0 0 0 0 0,-1 1 0 0 0,0-1 0 0 0,0 1-1 0 0,0-1 1 0 0,3 13 0 0 0,-2 1-1278 0 0,0 0-1 0 0,-1 0 1 0 0,1 26-1 0 0,-4-22-767 0 0</inkml:trace>
+</inkml:ink>
+</file>
+
+<file path=ppt/ink/ink47.xml><?xml version="1.0" encoding="utf-8"?>
+<inkml:ink xmlns:inkml="http://www.w3.org/2003/InkML">
+  <inkml:definitions>
+    <inkml:context xml:id="ctx0">
+      <inkml:inkSource xml:id="inkSrc0">
+        <inkml:traceFormat>
+          <inkml:channel name="X" type="integer" min="-2.14748E9" max="2.14748E9" units="cm"/>
+          <inkml:channel name="Y" type="integer" min="-2.14748E9" max="2.14748E9" units="cm"/>
+          <inkml:channel name="F" type="integer" max="32767" units="dev"/>
+          <inkml:channel name="OA" type="integer" max="360" units="deg"/>
+          <inkml:channel name="OE" type="integer" max="90" units="deg"/>
+        </inkml:traceFormat>
+        <inkml:channelProperties>
+          <inkml:channelProperty channel="X" name="resolution" value="1000" units="1/cm"/>
+          <inkml:channelProperty channel="Y" name="resolution" value="1000" units="1/cm"/>
+          <inkml:channelProperty channel="F" name="resolution" value="0" units="1/dev"/>
+          <inkml:channelProperty channel="OA" name="resolution" value="1000" units="1/deg"/>
+          <inkml:channelProperty channel="OE" name="resolution" value="1000" units="1/deg"/>
+        </inkml:channelProperties>
+      </inkml:inkSource>
+      <inkml:timestamp xml:id="ts0" timeString="2021-08-16T16:53:38.582"/>
+    </inkml:context>
+    <inkml:brush xml:id="br0">
+      <inkml:brushProperty name="width" value="0.05" units="cm"/>
+      <inkml:brushProperty name="height" value="0.05" units="cm"/>
+      <inkml:brushProperty name="color" value="#FF0066"/>
+    </inkml:brush>
+  </inkml:definitions>
+  <inkml:trace contextRef="#ctx0" brushRef="#br0">19 1 21191 0 0,'-11'4'970'0'0,"9"-3"-20"0"0,-1 4-574 0 0,2-5-318 0 0,1 1 0 0 0,0 0 0 0 0,0-1 0 0 0,-1 1-1 0 0,1-1 1 0 0,0 1 0 0 0,0 0 0 0 0,0-1 0 0 0,0 1 0 0 0,0 0-1 0 0,0-1 1 0 0,0 1 0 0 0,0 0 0 0 0,0-1 0 0 0,0 1-1 0 0,0-1 1 0 0,0 1 0 0 0,0 0 0 0 0,1-1 0 0 0,-1 1 0 0 0,0 0-1 0 0,0-1 1 0 0,1 1 0 0 0,-1-1 0 0 0,0 1 0 0 0,1-1-1 0 0,-1 1 1 0 0,1-1 0 0 0,-1 1 0 0 0,1 0 0 0 0,13 9 1579 0 0,-10-8-1399 0 0,1 0 1 0 0,-1-1-1 0 0,1 1 1 0 0,0-1-1 0 0,0-1 1 0 0,-1 1-1 0 0,1-1 1 0 0,8 1-1 0 0,40-7 758 0 0,-10 0-551 0 0,92-11-342 0 0,-90 13-951 0 0,12 0-3908 0 0,-26 2-4455 0 0</inkml:trace>
+  <inkml:trace contextRef="#ctx0" brushRef="#br0" timeOffset="1">719 1 9672 0 0,'0'0'440'0'0,"-4"7"150"0"0,0-2 1823 0 0,0 1-1 0 0,1-1 0 0 0,0 1 1 0 0,-5 12-1 0 0,4-6-1405 0 0,1-1 0 0 0,1 1-1 0 0,-2 13 1 0 0,0 5-535 0 0,-1-3-135 0 0,-2 29-1 0 0,6-48-587 0 0,1 1-1 0 0,0 0 0 0 0,1-1 0 0 0,0 1 0 0 0,0 0 1 0 0,1-1-1 0 0,3 11 0 0 0,-2-13-799 0 0</inkml:trace>
+</inkml:ink>
+</file>
+
+<file path=ppt/ink/ink48.xml><?xml version="1.0" encoding="utf-8"?>
+<inkml:ink xmlns:inkml="http://www.w3.org/2003/InkML">
+  <inkml:definitions>
+    <inkml:context xml:id="ctx0">
+      <inkml:inkSource xml:id="inkSrc0">
+        <inkml:traceFormat>
+          <inkml:channel name="X" type="integer" min="-2.14748E9" max="2.14748E9" units="cm"/>
+          <inkml:channel name="Y" type="integer" min="-2.14748E9" max="2.14748E9" units="cm"/>
+          <inkml:channel name="F" type="integer" max="32767" units="dev"/>
+          <inkml:channel name="OA" type="integer" max="360" units="deg"/>
+          <inkml:channel name="OE" type="integer" max="90" units="deg"/>
+        </inkml:traceFormat>
+        <inkml:channelProperties>
+          <inkml:channelProperty channel="X" name="resolution" value="1000" units="1/cm"/>
+          <inkml:channelProperty channel="Y" name="resolution" value="1000" units="1/cm"/>
+          <inkml:channelProperty channel="F" name="resolution" value="0" units="1/dev"/>
+          <inkml:channelProperty channel="OA" name="resolution" value="1000" units="1/deg"/>
+          <inkml:channelProperty channel="OE" name="resolution" value="1000" units="1/deg"/>
+        </inkml:channelProperties>
+      </inkml:inkSource>
+      <inkml:timestamp xml:id="ts0" timeString="2021-08-16T16:53:38.957"/>
+    </inkml:context>
+    <inkml:brush xml:id="br0">
+      <inkml:brushProperty name="width" value="0.05" units="cm"/>
+      <inkml:brushProperty name="height" value="0.05" units="cm"/>
+      <inkml:brushProperty name="color" value="#FF0066"/>
+    </inkml:brush>
+  </inkml:definitions>
+  <inkml:trace contextRef="#ctx0" brushRef="#br0">18 38 11976 0 0,'0'0'528'0'0,"-3"-8"112"0"0,0 1-512 0 0,-1 0-128 0 0,-4-9 12167 0 0,8 21-12039 0 0,0 1-128 0 0</inkml:trace>
+</inkml:ink>
+</file>
+
+<file path=ppt/ink/ink49.xml><?xml version="1.0" encoding="utf-8"?>
+<inkml:ink xmlns:inkml="http://www.w3.org/2003/InkML">
+  <inkml:definitions>
+    <inkml:context xml:id="ctx0">
+      <inkml:inkSource xml:id="inkSrc0">
+        <inkml:traceFormat>
+          <inkml:channel name="X" type="integer" min="-2.14748E9" max="2.14748E9" units="cm"/>
+          <inkml:channel name="Y" type="integer" min="-2.14748E9" max="2.14748E9" units="cm"/>
+          <inkml:channel name="F" type="integer" max="32767" units="dev"/>
+          <inkml:channel name="OA" type="integer" max="360" units="deg"/>
+          <inkml:channel name="OE" type="integer" max="90" units="deg"/>
+        </inkml:traceFormat>
+        <inkml:channelProperties>
+          <inkml:channelProperty channel="X" name="resolution" value="1000" units="1/cm"/>
+          <inkml:channelProperty channel="Y" name="resolution" value="1000" units="1/cm"/>
+          <inkml:channelProperty channel="F" name="resolution" value="0" units="1/dev"/>
+          <inkml:channelProperty channel="OA" name="resolution" value="1000" units="1/deg"/>
+          <inkml:channelProperty channel="OE" name="resolution" value="1000" units="1/deg"/>
+        </inkml:channelProperties>
+      </inkml:inkSource>
+      <inkml:timestamp xml:id="ts0" timeString="2021-08-16T16:53:39.358"/>
+    </inkml:context>
+    <inkml:brush xml:id="br0">
+      <inkml:brushProperty name="width" value="0.05" units="cm"/>
+      <inkml:brushProperty name="height" value="0.05" units="cm"/>
+      <inkml:brushProperty name="color" value="#FF0066"/>
+    </inkml:brush>
+  </inkml:definitions>
+  <inkml:trace contextRef="#ctx0" brushRef="#br0">1 574 12440 0 0,'0'1'957'0'0,"0"2"-293"0"0,1-2-203 0 0,0-1 0 0 0,0 1 0 0 0,0-1 0 0 0,0 0 0 0 0,0 1 0 0 0,1-1-1 0 0,-1 0 1 0 0,0 0 0 0 0,0 0 0 0 0,0 0 0 0 0,0 0 0 0 0,0 0 0 0 0,2 0 0 0 0,2-1 193 0 0,0 0 0 0 0,-1 0 1 0 0,1 0-1 0 0,-1-1 0 0 0,8-3 0 0 0,4-3-95 0 0,19-14-1 0 0,-13 8-203 0 0,12-8 55 0 0,-2-1 0 0 0,0-1 0 0 0,43-44 0 0 0,-64 54 223 0 0,-11 11 308 0 0,-8 7-435 0 0,4-1-425 0 0,0 0-1 0 0,1 0 0 0 0,0 0 1 0 0,-1 1-1 0 0,1-1 1 0 0,0 1-1 0 0,1 0 1 0 0,-1-1-1 0 0,1 1 1 0 0,-3 6-1 0 0,-1 4 154 0 0,-8 26-1 0 0,8-22-35 0 0,-6 37 1 0 0,12-50-183 0 0,-1-1 1 0 0,1 1-1 0 0,-1 0 1 0 0,1-1 0 0 0,1 1-1 0 0,-1-1 1 0 0,1 1 0 0 0,0-1-1 0 0,0 1 1 0 0,0-1-1 0 0,0 1 1 0 0,1-1 0 0 0,4 8-1 0 0,-6-11-26 0 0,1 0 0 0 0,-1 0 0 0 0,1 0 0 0 0,-1-1 0 0 0,1 1 0 0 0,0 0 0 0 0,-1-1 0 0 0,1 1 0 0 0,0 0 0 0 0,0-1 0 0 0,0 1 0 0 0,0-1 0 0 0,-1 1 0 0 0,1-1 0 0 0,0 1 0 0 0,0-1 0 0 0,0 0 0 0 0,0 1 0 0 0,0-1 0 0 0,0 0 0 0 0,2 0 0 0 0,-1 0 2 0 0,-1 0 1 0 0,1-1 0 0 0,-1 1 0 0 0,1 0-1 0 0,0-1 1 0 0,-1 1 0 0 0,1-1 0 0 0,-1 0 0 0 0,1 0-1 0 0,-1 0 1 0 0,3-1 0 0 0,3-5-1633 0 0,0 1 0 0 0,0 0 0 0 0,10-15 0 0 0,-13 15-1778 0 0,15-14-5773 0 0</inkml:trace>
+  <inkml:trace contextRef="#ctx0" brushRef="#br0" timeOffset="1">620 0 21911 0 0,'0'0'1987'0'0,"0"8"-1598"0"0,-8 312 4979 0 0,7-297-5425 0 0,2 0 0 0 0,0-1 0 0 0,1 1 0 0 0,1-1-1 0 0,1 0 1 0 0,11 35 0 0 0,-13-53-64 0 0,-1-1-1 0 0,1 1 1 0 0,0-1-1 0 0,0 0 1 0 0,4 6-1 0 0,-5-8-36 0 0,0 1-1 0 0,0-1 1 0 0,1 0-1 0 0,-1 0 1 0 0,0 0-1 0 0,0 0 1 0 0,1 0-1 0 0,-1 0 1 0 0,1 0-1 0 0,-1 0 1 0 0,1-1-1 0 0,-1 1 1 0 0,1 0-1 0 0,-1-1 0 0 0,3 1 1 0 0,8-1-1785 0 0</inkml:trace>
+</inkml:ink>
+</file>
+
+<file path=ppt/ink/ink5.xml><?xml version="1.0" encoding="utf-8"?>
+<inkml:ink xmlns:inkml="http://www.w3.org/2003/InkML">
+  <inkml:definitions>
+    <inkml:context xml:id="ctx0">
+      <inkml:inkSource xml:id="inkSrc0">
+        <inkml:traceFormat>
+          <inkml:channel name="X" type="integer" min="-2.14748E9" max="2.14748E9" units="cm"/>
+          <inkml:channel name="Y" type="integer" min="-2.14748E9" max="2.14748E9" units="cm"/>
+          <inkml:channel name="F" type="integer" max="32767" units="dev"/>
+          <inkml:channel name="OA" type="integer" max="360" units="deg"/>
+          <inkml:channel name="OE" type="integer" max="90" units="deg"/>
+        </inkml:traceFormat>
+        <inkml:channelProperties>
+          <inkml:channelProperty channel="X" name="resolution" value="1000" units="1/cm"/>
+          <inkml:channelProperty channel="Y" name="resolution" value="1000" units="1/cm"/>
+          <inkml:channelProperty channel="F" name="resolution" value="0" units="1/dev"/>
+          <inkml:channelProperty channel="OA" name="resolution" value="1000" units="1/deg"/>
+          <inkml:channelProperty channel="OE" name="resolution" value="1000" units="1/deg"/>
+        </inkml:channelProperties>
+      </inkml:inkSource>
+      <inkml:timestamp xml:id="ts0" timeString="2021-08-16T16:31:55.202"/>
+    </inkml:context>
+    <inkml:brush xml:id="br0">
+      <inkml:brushProperty name="width" value="0.05" units="cm"/>
+      <inkml:brushProperty name="height" value="0.05" units="cm"/>
+      <inkml:brushProperty name="color" value="#FF0066"/>
+    </inkml:brush>
+  </inkml:definitions>
+  <inkml:trace contextRef="#ctx0" brushRef="#br0">56 63 9584 0 0,'-6'2'412'0'0,"-8"2"176"0"0,-4-4 76 0 0,12-5 512 0 0,3 1-696 0 0,2 4-34 0 0,0-1 388 0 0,-6-11 5391 0 0,26 9-5873 0 0,-1 2 0 0 0,0 0 0 0 0,29 2 0 0 0,19-1-146 0 0,56 0 278 0 0,-50 2-208 0 0,177-16 610 0 0,-53 0-82 0 0,43-1 378 0 0,-21 14-551 0 0,-123 2-470 0 0,50 5 34 0 0,-122-4-185 0 0,103 16-7 0 0,-28 0 459 0 0,-82-16-353 0 0,0 0 1 0 0,0-2-1 0 0,0 0 0 0 0,18-2 0 0 0,11-3 287 0 0,26-5 176 0 0,-29 3-311 0 0,1 1-1 0 0,67 1 0 0 0,-14 4-21 0 0,134 4 454 0 0,-140 7-102 0 0,-88-9-571 0 0,0-1-1 0 0,0 0 1 0 0,0 0 0 0 0,0 0 0 0 0,0 0-1 0 0,0-1 1 0 0,0 1 0 0 0,0 0-1 0 0,2-2 1 0 0,2 1 47 0 0,0 0 0 0 0,0 0 0 0 0,0 0 0 0 0,0 0 0 0 0,9 1 0 0 0,-14 0-106 0 0</inkml:trace>
+</inkml:ink>
+</file>
+
+<file path=ppt/ink/ink50.xml><?xml version="1.0" encoding="utf-8"?>
+<inkml:ink xmlns:inkml="http://www.w3.org/2003/InkML">
+  <inkml:definitions>
+    <inkml:context xml:id="ctx0">
+      <inkml:inkSource xml:id="inkSrc0">
+        <inkml:traceFormat>
+          <inkml:channel name="X" type="integer" min="-2.14748E9" max="2.14748E9" units="cm"/>
+          <inkml:channel name="Y" type="integer" min="-2.14748E9" max="2.14748E9" units="cm"/>
+          <inkml:channel name="F" type="integer" max="32767" units="dev"/>
+          <inkml:channel name="OA" type="integer" max="360" units="deg"/>
+          <inkml:channel name="OE" type="integer" max="90" units="deg"/>
+        </inkml:traceFormat>
+        <inkml:channelProperties>
+          <inkml:channelProperty channel="X" name="resolution" value="1000" units="1/cm"/>
+          <inkml:channelProperty channel="Y" name="resolution" value="1000" units="1/cm"/>
+          <inkml:channelProperty channel="F" name="resolution" value="0" units="1/dev"/>
+          <inkml:channelProperty channel="OA" name="resolution" value="1000" units="1/deg"/>
+          <inkml:channelProperty channel="OE" name="resolution" value="1000" units="1/deg"/>
+        </inkml:channelProperties>
+      </inkml:inkSource>
+      <inkml:timestamp xml:id="ts0" timeString="2021-08-16T16:53:39.738"/>
+    </inkml:context>
+    <inkml:brush xml:id="br0">
+      <inkml:brushProperty name="width" value="0.05" units="cm"/>
+      <inkml:brushProperty name="height" value="0.05" units="cm"/>
+      <inkml:brushProperty name="color" value="#FF0066"/>
+    </inkml:brush>
+  </inkml:definitions>
+  <inkml:trace contextRef="#ctx0" brushRef="#br0">132 239 5528 0 0,'-4'0'568'0'0,"2"-1"179"0"0,-1 1-1 0 0,1-1 1 0 0,-1 1 0 0 0,1 0 0 0 0,-1 0 0 0 0,1 0 0 0 0,-1 0-1 0 0,0 0 1 0 0,1 1 0 0 0,-1-1 0 0 0,1 1 0 0 0,-1 0 0 0 0,1 0-1 0 0,-3 1 1 0 0,0 0 150 0 0,1 1-1 0 0,-1-1 0 0 0,1 1 1 0 0,0 0-1 0 0,0 1 1 0 0,-6 6-1 0 0,3-3-594 0 0,1 0 1 0 0,1 1-1 0 0,-1 0 0 0 0,1 0 0 0 0,1 0 1 0 0,-1 1-1 0 0,-3 12 0 0 0,6-16-200 0 0,1 0 0 0 0,0 1 0 0 0,0-1 0 0 0,1 0 0 0 0,-1 0 0 0 0,1 0 0 0 0,0 0 0 0 0,1 1 0 0 0,0 4 0 0 0,0-7-44 0 0,-1 0-1 0 0,1-1 1 0 0,0 1-1 0 0,0 0 1 0 0,0-1-1 0 0,0 1 1 0 0,0-1 0 0 0,0 1-1 0 0,1-1 1 0 0,-1 1-1 0 0,1-1 1 0 0,0 0-1 0 0,0 0 1 0 0,0 0-1 0 0,0 0 1 0 0,0 0 0 0 0,4 3-1 0 0,-3-4-64 0 0,-1 0 0 0 0,1 0-1 0 0,0-1 1 0 0,-1 1 0 0 0,1-1 0 0 0,0 0-1 0 0,-1 1 1 0 0,1-1 0 0 0,0 0 0 0 0,-1-1-1 0 0,1 1 1 0 0,0 0 0 0 0,-1-1 0 0 0,1 0-1 0 0,0 1 1 0 0,3-3 0 0 0,-1 1 5 0 0,1 0 1 0 0,-1 0 0 0 0,0-1-1 0 0,0 0 1 0 0,0 0-1 0 0,8-6 1 0 0,-1-3 134 0 0,0 0 1 0 0,-1-1-1 0 0,-1 0 1 0 0,0-1-1 0 0,-1 0 1 0 0,0 0-1 0 0,-1-1 1 0 0,10-25-1 0 0,-9 13 9 0 0,0 0 0 0 0,-2-1 0 0 0,-1 0 0 0 0,2-37-1 0 0,-2-36 1985 0 0,-7 104-2057 0 0,1 0 1 0 0,-1 0 0 0 0,1 0-1 0 0,-1 1 1 0 0,-2 4 0 0 0,-3 11-58 0 0,0 24 66 0 0,-2 7-36 0 0,3 1-1 0 0,0 73 1 0 0,6-102-281 0 0,9 113-294 0 0,-6-113-2420 0 0,12 44 1 0 0,-8-44-6602 0 0</inkml:trace>
+</inkml:ink>
+</file>
+
+<file path=ppt/ink/ink6.xml><?xml version="1.0" encoding="utf-8"?>
+<inkml:ink xmlns:inkml="http://www.w3.org/2003/InkML">
+  <inkml:definitions>
+    <inkml:context xml:id="ctx0">
+      <inkml:inkSource xml:id="inkSrc0">
+        <inkml:traceFormat>
+          <inkml:channel name="X" type="integer" min="-2.14748E9" max="2.14748E9" units="cm"/>
+          <inkml:channel name="Y" type="integer" min="-2.14748E9" max="2.14748E9" units="cm"/>
+          <inkml:channel name="F" type="integer" max="32767" units="dev"/>
+          <inkml:channel name="OA" type="integer" max="360" units="deg"/>
+          <inkml:channel name="OE" type="integer" max="90" units="deg"/>
+        </inkml:traceFormat>
+        <inkml:channelProperties>
+          <inkml:channelProperty channel="X" name="resolution" value="1000" units="1/cm"/>
+          <inkml:channelProperty channel="Y" name="resolution" value="1000" units="1/cm"/>
+          <inkml:channelProperty channel="F" name="resolution" value="0" units="1/dev"/>
+          <inkml:channelProperty channel="OA" name="resolution" value="1000" units="1/deg"/>
+          <inkml:channelProperty channel="OE" name="resolution" value="1000" units="1/deg"/>
+        </inkml:channelProperties>
+      </inkml:inkSource>
+      <inkml:timestamp xml:id="ts0" timeString="2021-08-16T16:31:56.332"/>
+    </inkml:context>
+    <inkml:brush xml:id="br0">
+      <inkml:brushProperty name="width" value="0.05" units="cm"/>
+      <inkml:brushProperty name="height" value="0.05" units="cm"/>
+      <inkml:brushProperty name="color" value="#FF0066"/>
+    </inkml:brush>
+  </inkml:definitions>
+  <inkml:trace contextRef="#ctx0" brushRef="#br0">36 50 2304 0 0,'0'-5'2258'0'0,"-3"-6"868"0"0,-6 1 1222 0 0,2 1-3410 0 0,6 8-352 0 0,-14-8 3609 0 0,18 11-3527 0 0,0 1 0 0 0,0-1-1 0 0,0 0 1 0 0,0 0-1 0 0,1 0 1 0 0,-1-1 0 0 0,1 1-1 0 0,-1-1 1 0 0,1 0-1 0 0,0 0 1 0 0,3 1-1 0 0,51 4-927 0 0,-8 0 625 0 0,-3 0-73 0 0,-1-1 0 0 0,1-3 0 0 0,50-4 0 0 0,26-6 236 0 0,27-1-104 0 0,55 4-46 0 0,-4 0-31 0 0,-54 14 29 0 0,-1-1-102 0 0,116 3 116 0 0,2-13 1581 0 0,-261 2-1971 0 0,0 0 0 0 0,-1 0 0 0 0,1 0 0 0 0,0-1 0 0 0,-1 1 0 0 0,1-1 0 0 0,0 1 0 0 0,-1-1 0 0 0,1 0 0 0 0,-1 0 0 0 0,1 0 0 0 0,-1 0 0 0 0,0-1 0 0 0,1 1 0 0 0,1-3 0 0 0,-3 4-21 0 0,-1-1-1 0 0,1 1 1 0 0,-1-1-1 0 0,0 0 1 0 0,0 1 0 0 0,0-1-1 0 0,1 0 1 0 0,-1 1-1 0 0,0-1 1 0 0,0 0-1 0 0,0 1 1 0 0,0-1 0 0 0,0 0-1 0 0,0 1 1 0 0,0-1-1 0 0,0 0 1 0 0,0 1-1 0 0,0-1 1 0 0,-1 0 0 0 0,1 1-1 0 0,0-1 1 0 0,0 0-1 0 0,-1 1 1 0 0,1-1 0 0 0,0 1-1 0 0,-1-1 1 0 0,1 0-1 0 0,0 1 1 0 0,-1-1-1 0 0,0 0 1 0 0,-10-12-2843 0 0</inkml:trace>
+</inkml:ink>
+</file>
+
+<file path=ppt/ink/ink7.xml><?xml version="1.0" encoding="utf-8"?>
+<inkml:ink xmlns:inkml="http://www.w3.org/2003/InkML">
+  <inkml:definitions>
+    <inkml:context xml:id="ctx0">
+      <inkml:inkSource xml:id="inkSrc0">
+        <inkml:traceFormat>
+          <inkml:channel name="X" type="integer" min="-2.14748E9" max="2.14748E9" units="cm"/>
+          <inkml:channel name="Y" type="integer" min="-2.14748E9" max="2.14748E9" units="cm"/>
+          <inkml:channel name="F" type="integer" max="32767" units="dev"/>
+          <inkml:channel name="OA" type="integer" max="360" units="deg"/>
+          <inkml:channel name="OE" type="integer" max="90" units="deg"/>
+        </inkml:traceFormat>
+        <inkml:channelProperties>
+          <inkml:channelProperty channel="X" name="resolution" value="1000" units="1/cm"/>
+          <inkml:channelProperty channel="Y" name="resolution" value="1000" units="1/cm"/>
+          <inkml:channelProperty channel="F" name="resolution" value="0" units="1/dev"/>
+          <inkml:channelProperty channel="OA" name="resolution" value="1000" units="1/deg"/>
+          <inkml:channelProperty channel="OE" name="resolution" value="1000" units="1/deg"/>
+        </inkml:channelProperties>
+      </inkml:inkSource>
+      <inkml:timestamp xml:id="ts0" timeString="2021-08-16T16:32:04.242"/>
+    </inkml:context>
+    <inkml:brush xml:id="br0">
+      <inkml:brushProperty name="width" value="0.05" units="cm"/>
+      <inkml:brushProperty name="height" value="0.05" units="cm"/>
+      <inkml:brushProperty name="color" value="#FF0066"/>
+    </inkml:brush>
+  </inkml:definitions>
+  <inkml:trace contextRef="#ctx0" brushRef="#br0">37 62 2760 0 0,'0'0'125'0'0,"-3"5"22"0"0,-9 2 2152 0 0,-3-6 6431 0 0,9-1-3145 0 0,7 0-5526 0 0,0 1-1 0 0,1-1 1 0 0,-1 1-1 0 0,0-1 1 0 0,0 1-1 0 0,1-1 1 0 0,-1 0 0 0 0,1 0-1 0 0,1 0 1 0 0,-2 0 28 0 0,27 2 276 0 0,0-2 0 0 0,0-1 0 0 0,-1-1 0 0 0,29-6 0 0 0,-5 2-39 0 0,148-12 183 0 0,-72 10-402 0 0,-79 7 34 0 0,12 1 98 0 0,75 9 1 0 0,-79-4-61 0 0,-17-3 75 0 0,63-7 1 0 0,-4 1 324 0 0,85-2 167 0 0,-41 0 243 0 0,1 0-38 0 0,-37 14-736 0 0,-63-4 10 0 0,-35-3-119 0 0,-1 0 0 0 0,1-1 0 0 0,0 0 0 0 0,-1-1-1 0 0,1 1 1 0 0,0-1 0 0 0,-1-1 0 0 0,1 1 0 0 0,10-5 0 0 0,-10 3-68 0 0,-5 1-9 0 0,1 1-1 0 0,-1-1 0 0 0,0 0 0 0 0,1 0 0 0 0,-1 0 0 0 0,0-1 0 0 0,3-2 0 0 0,1 0 97 0 0</inkml:trace>
+</inkml:ink>
+</file>
+
+<file path=ppt/ink/ink8.xml><?xml version="1.0" encoding="utf-8"?>
+<inkml:ink xmlns:inkml="http://www.w3.org/2003/InkML">
+  <inkml:definitions>
+    <inkml:context xml:id="ctx0">
+      <inkml:inkSource xml:id="inkSrc0">
+        <inkml:traceFormat>
+          <inkml:channel name="X" type="integer" min="-2.14748E9" max="2.14748E9" units="cm"/>
+          <inkml:channel name="Y" type="integer" min="-2.14748E9" max="2.14748E9" units="cm"/>
+          <inkml:channel name="F" type="integer" max="32767" units="dev"/>
+          <inkml:channel name="OA" type="integer" max="360" units="deg"/>
+          <inkml:channel name="OE" type="integer" max="90" units="deg"/>
+        </inkml:traceFormat>
+        <inkml:channelProperties>
+          <inkml:channelProperty channel="X" name="resolution" value="1000" units="1/cm"/>
+          <inkml:channelProperty channel="Y" name="resolution" value="1000" units="1/cm"/>
+          <inkml:channelProperty channel="F" name="resolution" value="0" units="1/dev"/>
+          <inkml:channelProperty channel="OA" name="resolution" value="1000" units="1/deg"/>
+          <inkml:channelProperty channel="OE" name="resolution" value="1000" units="1/deg"/>
+        </inkml:channelProperties>
+      </inkml:inkSource>
+      <inkml:timestamp xml:id="ts0" timeString="2021-08-16T16:32:06.112"/>
+    </inkml:context>
+    <inkml:brush xml:id="br0">
+      <inkml:brushProperty name="width" value="0.05" units="cm"/>
+      <inkml:brushProperty name="height" value="0.05" units="cm"/>
+      <inkml:brushProperty name="color" value="#FF0066"/>
+    </inkml:brush>
+  </inkml:definitions>
+  <inkml:trace contextRef="#ctx0" brushRef="#br0">1 232 17503 0 0,'0'0'1759'0'0,"12"-6"-1598"0"0,1 1 291 0 0,0 0-1 0 0,1 1 0 0 0,-1 1 1 0 0,1 0-1 0 0,0 0 1 0 0,20 0-1 0 0,-19 2-257 0 0,359-16 2380 0 0,-280 21-2467 0 0,51 0 309 0 0,-107-4 46 0 0,66-11 0 0 0,-97 10-406 0 0,29-6 196 0 0,-34 6-220 0 0,-1 1 0 0 0,1-1 1 0 0,0 1-1 0 0,-1-1 0 0 0,1 0 0 0 0,0 0 1 0 0,-1 0-1 0 0,1 0 0 0 0,-1 0 0 0 0,1 0 1 0 0,-1 0-1 0 0,0 0 0 0 0,1-1 0 0 0,-1 1 1 0 0,2-2-1 0 0,-3 2-9 0 0,0 0 1 0 0,0 1 0 0 0,0-1-1 0 0,0 0 1 0 0,0 1-1 0 0,0-1 1 0 0,0 0 0 0 0,0 1-1 0 0,0-1 1 0 0,0 0-1 0 0,0 1 1 0 0,0-1 0 0 0,0 0-1 0 0,0 1 1 0 0,-1-1-1 0 0,1 0 1 0 0,0 1 0 0 0,0-1-1 0 0,-1 1 1 0 0,1-1-1 0 0,0 1 1 0 0,-1-1 0 0 0,1 1-1 0 0,-1-1 1 0 0,1 1-1 0 0,-1-1 1 0 0,1 1 0 0 0,-1-1-1 0 0,1 1 1 0 0,-2-1-1 0 0,-19-11 338 0 0,19 11-352 0 0,-30-13 71 0 0,0 3 0 0 0,-1 0 0 0 0,-38-6 0 0 0,9 2-60 0 0,45 10-20 0 0,54-6 11 0 0,0 4 71 0 0,9-4 201 0 0,0 3 0 0 0,76-3-1 0 0,-119 11-271 0 0,0 0 0 0 0,0 0 0 0 0,0 0 0 0 0,0 1 0 0 0,0-1 0 0 0,0 1 0 0 0,0 0 0 0 0,0-1-1 0 0,0 2 1 0 0,0-1 0 0 0,2 1 0 0 0,-4-1-6 0 0,0 0 0 0 0,0 0 0 0 0,0 0 0 0 0,0 0 0 0 0,0 0 0 0 0,-1 0-1 0 0,1 0 1 0 0,0 0 0 0 0,-1 0 0 0 0,1 0 0 0 0,-1 0 0 0 0,1 0 0 0 0,-1 1 0 0 0,1-1 0 0 0,-1 0 0 0 0,0 0 0 0 0,1 0 0 0 0,-1 1 0 0 0,0-1-1 0 0,0 0 1 0 0,0 1 0 0 0,0-1 0 0 0,0 0 0 0 0,-1 0 0 0 0,1 1 0 0 0,0-1 0 0 0,0 0 0 0 0,-1 2 0 0 0,-4 12 23 0 0,0-1 1 0 0,-1 0 0 0 0,0 0 0 0 0,-1 0-1 0 0,-11 15 1 0 0,-49 63-96 0 0,22-33-564 0 0,23-28-175 0 0,2 0-53 0 0</inkml:trace>
+</inkml:ink>
+</file>
+
+<file path=ppt/ink/ink9.xml><?xml version="1.0" encoding="utf-8"?>
+<inkml:ink xmlns:inkml="http://www.w3.org/2003/InkML">
+  <inkml:definitions>
+    <inkml:context xml:id="ctx0">
+      <inkml:inkSource xml:id="inkSrc0">
+        <inkml:traceFormat>
+          <inkml:channel name="X" type="integer" min="-2.14748E9" max="2.14748E9" units="cm"/>
+          <inkml:channel name="Y" type="integer" min="-2.14748E9" max="2.14748E9" units="cm"/>
+          <inkml:channel name="F" type="integer" max="32767" units="dev"/>
+          <inkml:channel name="OA" type="integer" max="360" units="deg"/>
+          <inkml:channel name="OE" type="integer" max="90" units="deg"/>
+        </inkml:traceFormat>
+        <inkml:channelProperties>
+          <inkml:channelProperty channel="X" name="resolution" value="1000" units="1/cm"/>
+          <inkml:channelProperty channel="Y" name="resolution" value="1000" units="1/cm"/>
+          <inkml:channelProperty channel="F" name="resolution" value="0" units="1/dev"/>
+          <inkml:channelProperty channel="OA" name="resolution" value="1000" units="1/deg"/>
+          <inkml:channelProperty channel="OE" name="resolution" value="1000" units="1/deg"/>
+        </inkml:channelProperties>
+      </inkml:inkSource>
+      <inkml:timestamp xml:id="ts0" timeString="2021-08-16T16:32:07.809"/>
+    </inkml:context>
+    <inkml:brush xml:id="br0">
+      <inkml:brushProperty name="width" value="0.05" units="cm"/>
+      <inkml:brushProperty name="height" value="0.05" units="cm"/>
+      <inkml:brushProperty name="color" value="#FF0066"/>
+    </inkml:brush>
+  </inkml:definitions>
+  <inkml:trace contextRef="#ctx0" brushRef="#br0">1 174 3680 0 0,'19'-22'9739'0'0,"0"-3"-5927"0"0,-9 11-2515 0 0,23-25 1 0 0,-7 11-384 0 0,-18 19-294 0 0,-1 0-1 0 0,17-14 1 0 0,-24 23-601 0 0,1 0 0 0 0,-1-1 0 0 0,1 1 0 0 0,-1-1 1 0 0,1 1-1 0 0,-1 0 0 0 0,1-1 0 0 0,-1 1 0 0 0,1 0 0 0 0,0 0 0 0 0,-1-1 0 0 0,1 1 0 0 0,-1 0 0 0 0,1 0 0 0 0,0 0 0 0 0,-1 0 0 0 0,1 0 0 0 0,0 0 0 0 0,-1 0 0 0 0,1 0 0 0 0,-1 0 0 0 0,1 0 0 0 0,0 0 0 0 0,-1 0 0 0 0,1 0 0 0 0,0 0 1 0 0,-1 1-1 0 0,2-1 0 0 0,-1 1-10 0 0,0 0 0 0 0,0 0 0 0 0,0 0 1 0 0,-1 1-1 0 0,1-1 0 0 0,0 0 0 0 0,0 0 1 0 0,-1 0-1 0 0,1 0 0 0 0,-1 1 0 0 0,1-1 1 0 0,0 3-1 0 0,1 3-17 0 0,-1 1 0 0 0,0-1-1 0 0,1 16 1 0 0,3 49 94 0 0,-4-66-25 0 0,0-1-1 0 0,0 0 1 0 0,0 1 0 0 0,1-1 0 0 0,-1 0 0 0 0,1 0 0 0 0,1 0 0 0 0,-1 0 0 0 0,6 8 0 0 0,-7-11-1 0 0,0 0 0 0 0,1 0 0 0 0,0 0 0 0 0,-1-1 0 0 0,1 1 0 0 0,0 0 0 0 0,0-1 0 0 0,0 1 0 0 0,0-1 0 0 0,0 0 0 0 0,1 0 1 0 0,-1 0-1 0 0,0 0 0 0 0,0 0 0 0 0,1 0 0 0 0,-1 0 0 0 0,1-1 0 0 0,-1 1 0 0 0,0-1 0 0 0,1 0 0 0 0,-1 0 0 0 0,1 0 0 0 0,3 0 0 0 0,1-1 62 0 0,0-1 0 0 0,0 1 0 0 0,-1-1 0 0 0,1-1 0 0 0,-1 1 0 0 0,0-1 0 0 0,1 0 0 0 0,7-6 0 0 0,2-2-387 0 0,25-24 0 0 0,-13 12-2453 0 0,-8 10-2725 0 0,-14 11 3781 0 0</inkml:trace>
+</inkml:ink>
 </file>
 
 <file path=ppt/notesMasters/notesMaster1.xml><?xml version="1.0" encoding="utf-8"?>
@@ -849,7 +2455,7 @@
           <a:p>
             <a:fld id="{3A2BF66F-FEB0-48C1-A8B9-A73F54BB1A08}" type="datetimeFigureOut">
               <a:rPr lang="en-US" smtClean="0"/>
-              <a:t>8/15/2021</a:t>
+              <a:t>8/16/2021</a:t>
             </a:fld>
             <a:endParaRPr lang="en-US" dirty="0"/>
           </a:p>
@@ -1057,7 +2663,7 @@
           <a:p>
             <a:fld id="{3A2BF66F-FEB0-48C1-A8B9-A73F54BB1A08}" type="datetimeFigureOut">
               <a:rPr lang="en-US" smtClean="0"/>
-              <a:t>8/15/2021</a:t>
+              <a:t>8/16/2021</a:t>
             </a:fld>
             <a:endParaRPr lang="en-US" dirty="0"/>
           </a:p>
@@ -1275,7 +2881,7 @@
           <a:p>
             <a:fld id="{3A2BF66F-FEB0-48C1-A8B9-A73F54BB1A08}" type="datetimeFigureOut">
               <a:rPr lang="en-US" smtClean="0"/>
-              <a:t>8/15/2021</a:t>
+              <a:t>8/16/2021</a:t>
             </a:fld>
             <a:endParaRPr lang="en-US" dirty="0"/>
           </a:p>
@@ -1483,7 +3089,7 @@
           <a:p>
             <a:fld id="{3A2BF66F-FEB0-48C1-A8B9-A73F54BB1A08}" type="datetimeFigureOut">
               <a:rPr lang="en-US" smtClean="0"/>
-              <a:t>8/15/2021</a:t>
+              <a:t>8/16/2021</a:t>
             </a:fld>
             <a:endParaRPr lang="en-US" dirty="0"/>
           </a:p>
@@ -1768,7 +3374,7 @@
           <a:p>
             <a:fld id="{3A2BF66F-FEB0-48C1-A8B9-A73F54BB1A08}" type="datetimeFigureOut">
               <a:rPr lang="en-US" smtClean="0"/>
-              <a:t>8/15/2021</a:t>
+              <a:t>8/16/2021</a:t>
             </a:fld>
             <a:endParaRPr lang="en-US" dirty="0"/>
           </a:p>
@@ -2043,7 +3649,7 @@
           <a:p>
             <a:fld id="{3A2BF66F-FEB0-48C1-A8B9-A73F54BB1A08}" type="datetimeFigureOut">
               <a:rPr lang="en-US" smtClean="0"/>
-              <a:t>8/15/2021</a:t>
+              <a:t>8/16/2021</a:t>
             </a:fld>
             <a:endParaRPr lang="en-US" dirty="0"/>
           </a:p>
@@ -2465,7 +4071,7 @@
           <a:p>
             <a:fld id="{3A2BF66F-FEB0-48C1-A8B9-A73F54BB1A08}" type="datetimeFigureOut">
               <a:rPr lang="en-US" smtClean="0"/>
-              <a:t>8/15/2021</a:t>
+              <a:t>8/16/2021</a:t>
             </a:fld>
             <a:endParaRPr lang="en-US" dirty="0"/>
           </a:p>
@@ -2616,7 +4222,7 @@
           <a:p>
             <a:fld id="{3A2BF66F-FEB0-48C1-A8B9-A73F54BB1A08}" type="datetimeFigureOut">
               <a:rPr lang="en-US" smtClean="0"/>
-              <a:t>8/15/2021</a:t>
+              <a:t>8/16/2021</a:t>
             </a:fld>
             <a:endParaRPr lang="en-US" dirty="0"/>
           </a:p>
@@ -2739,7 +4345,7 @@
           <a:p>
             <a:fld id="{3A2BF66F-FEB0-48C1-A8B9-A73F54BB1A08}" type="datetimeFigureOut">
               <a:rPr lang="en-US" smtClean="0"/>
-              <a:t>8/15/2021</a:t>
+              <a:t>8/16/2021</a:t>
             </a:fld>
             <a:endParaRPr lang="en-US" dirty="0"/>
           </a:p>
@@ -3059,7 +4665,7 @@
           <a:p>
             <a:fld id="{3A2BF66F-FEB0-48C1-A8B9-A73F54BB1A08}" type="datetimeFigureOut">
               <a:rPr lang="en-US" smtClean="0"/>
-              <a:t>8/15/2021</a:t>
+              <a:t>8/16/2021</a:t>
             </a:fld>
             <a:endParaRPr lang="en-US" dirty="0"/>
           </a:p>
@@ -3357,7 +4963,7 @@
           <a:p>
             <a:fld id="{3A2BF66F-FEB0-48C1-A8B9-A73F54BB1A08}" type="datetimeFigureOut">
               <a:rPr lang="en-US" smtClean="0"/>
-              <a:t>8/15/2021</a:t>
+              <a:t>8/16/2021</a:t>
             </a:fld>
             <a:endParaRPr lang="en-US" dirty="0"/>
           </a:p>
@@ -3608,7 +5214,7 @@
           <a:p>
             <a:fld id="{3A2BF66F-FEB0-48C1-A8B9-A73F54BB1A08}" type="datetimeFigureOut">
               <a:rPr lang="en-US" smtClean="0"/>
-              <a:t>8/15/2021</a:t>
+              <a:t>8/16/2021</a:t>
             </a:fld>
             <a:endParaRPr lang="en-US" dirty="0"/>
           </a:p>
@@ -5562,6 +7168,864 @@
           </a:p>
         </p:txBody>
       </p:sp>
+      <mc:AlternateContent xmlns:mc="http://schemas.openxmlformats.org/markup-compatibility/2006">
+        <mc:Choice xmlns:p14="http://schemas.microsoft.com/office/powerpoint/2010/main" Requires="p14">
+          <p:contentPart p14:bwMode="auto" r:id="rId2">
+            <p14:nvContentPartPr>
+              <p14:cNvPr id="4" name="Ink 3">
+                <a:extLst>
+                  <a:ext uri="{FF2B5EF4-FFF2-40B4-BE49-F238E27FC236}">
+                    <a16:creationId xmlns:a16="http://schemas.microsoft.com/office/drawing/2014/main" id="{EE3034CC-C6A5-4442-A6D6-77FF8312D2CE}"/>
+                  </a:ext>
+                </a:extLst>
+              </p14:cNvPr>
+              <p14:cNvContentPartPr/>
+              <p14:nvPr/>
+            </p14:nvContentPartPr>
+            <p14:xfrm>
+              <a:off x="1854289" y="1681099"/>
+              <a:ext cx="915480" cy="77400"/>
+            </p14:xfrm>
+          </p:contentPart>
+        </mc:Choice>
+        <mc:Fallback>
+          <p:pic>
+            <p:nvPicPr>
+              <p:cNvPr id="4" name="Ink 3">
+                <a:extLst>
+                  <a:ext uri="{FF2B5EF4-FFF2-40B4-BE49-F238E27FC236}">
+                    <a16:creationId xmlns:a16="http://schemas.microsoft.com/office/drawing/2014/main" id="{EE3034CC-C6A5-4442-A6D6-77FF8312D2CE}"/>
+                  </a:ext>
+                </a:extLst>
+              </p:cNvPr>
+              <p:cNvPicPr/>
+              <p:nvPr/>
+            </p:nvPicPr>
+            <p:blipFill>
+              <a:blip r:embed="rId3"/>
+              <a:stretch>
+                <a:fillRect/>
+              </a:stretch>
+            </p:blipFill>
+            <p:spPr>
+              <a:xfrm>
+                <a:off x="1845289" y="1672099"/>
+                <a:ext cx="933120" cy="95040"/>
+              </a:xfrm>
+              <a:prstGeom prst="rect">
+                <a:avLst/>
+              </a:prstGeom>
+            </p:spPr>
+          </p:pic>
+        </mc:Fallback>
+      </mc:AlternateContent>
+      <mc:AlternateContent xmlns:mc="http://schemas.openxmlformats.org/markup-compatibility/2006">
+        <mc:Choice xmlns:p14="http://schemas.microsoft.com/office/powerpoint/2010/main" Requires="p14">
+          <p:contentPart p14:bwMode="auto" r:id="rId4">
+            <p14:nvContentPartPr>
+              <p14:cNvPr id="5" name="Ink 4">
+                <a:extLst>
+                  <a:ext uri="{FF2B5EF4-FFF2-40B4-BE49-F238E27FC236}">
+                    <a16:creationId xmlns:a16="http://schemas.microsoft.com/office/drawing/2014/main" id="{3E62367D-9797-47A5-A687-7D1A1B8CCAC0}"/>
+                  </a:ext>
+                </a:extLst>
+              </p14:cNvPr>
+              <p14:cNvContentPartPr/>
+              <p14:nvPr/>
+            </p14:nvContentPartPr>
+            <p14:xfrm>
+              <a:off x="841249" y="2145859"/>
+              <a:ext cx="1163520" cy="60840"/>
+            </p14:xfrm>
+          </p:contentPart>
+        </mc:Choice>
+        <mc:Fallback>
+          <p:pic>
+            <p:nvPicPr>
+              <p:cNvPr id="5" name="Ink 4">
+                <a:extLst>
+                  <a:ext uri="{FF2B5EF4-FFF2-40B4-BE49-F238E27FC236}">
+                    <a16:creationId xmlns:a16="http://schemas.microsoft.com/office/drawing/2014/main" id="{3E62367D-9797-47A5-A687-7D1A1B8CCAC0}"/>
+                  </a:ext>
+                </a:extLst>
+              </p:cNvPr>
+              <p:cNvPicPr/>
+              <p:nvPr/>
+            </p:nvPicPr>
+            <p:blipFill>
+              <a:blip r:embed="rId5"/>
+              <a:stretch>
+                <a:fillRect/>
+              </a:stretch>
+            </p:blipFill>
+            <p:spPr>
+              <a:xfrm>
+                <a:off x="832609" y="2137219"/>
+                <a:ext cx="1181160" cy="78480"/>
+              </a:xfrm>
+              <a:prstGeom prst="rect">
+                <a:avLst/>
+              </a:prstGeom>
+            </p:spPr>
+          </p:pic>
+        </mc:Fallback>
+      </mc:AlternateContent>
+      <mc:AlternateContent xmlns:mc="http://schemas.openxmlformats.org/markup-compatibility/2006">
+        <mc:Choice xmlns:p14="http://schemas.microsoft.com/office/powerpoint/2010/main" Requires="p14">
+          <p:contentPart p14:bwMode="auto" r:id="rId6">
+            <p14:nvContentPartPr>
+              <p14:cNvPr id="6" name="Ink 5">
+                <a:extLst>
+                  <a:ext uri="{FF2B5EF4-FFF2-40B4-BE49-F238E27FC236}">
+                    <a16:creationId xmlns:a16="http://schemas.microsoft.com/office/drawing/2014/main" id="{E88B51A7-176D-42D3-BAE0-95CB703A5C82}"/>
+                  </a:ext>
+                </a:extLst>
+              </p14:cNvPr>
+              <p14:cNvContentPartPr/>
+              <p14:nvPr/>
+            </p14:nvContentPartPr>
+            <p14:xfrm>
+              <a:off x="1570969" y="2474899"/>
+              <a:ext cx="1224720" cy="65520"/>
+            </p14:xfrm>
+          </p:contentPart>
+        </mc:Choice>
+        <mc:Fallback>
+          <p:pic>
+            <p:nvPicPr>
+              <p:cNvPr id="6" name="Ink 5">
+                <a:extLst>
+                  <a:ext uri="{FF2B5EF4-FFF2-40B4-BE49-F238E27FC236}">
+                    <a16:creationId xmlns:a16="http://schemas.microsoft.com/office/drawing/2014/main" id="{E88B51A7-176D-42D3-BAE0-95CB703A5C82}"/>
+                  </a:ext>
+                </a:extLst>
+              </p:cNvPr>
+              <p:cNvPicPr/>
+              <p:nvPr/>
+            </p:nvPicPr>
+            <p:blipFill>
+              <a:blip r:embed="rId7"/>
+              <a:stretch>
+                <a:fillRect/>
+              </a:stretch>
+            </p:blipFill>
+            <p:spPr>
+              <a:xfrm>
+                <a:off x="1561969" y="2465899"/>
+                <a:ext cx="1242360" cy="83160"/>
+              </a:xfrm>
+              <a:prstGeom prst="rect">
+                <a:avLst/>
+              </a:prstGeom>
+            </p:spPr>
+          </p:pic>
+        </mc:Fallback>
+      </mc:AlternateContent>
+      <mc:AlternateContent xmlns:mc="http://schemas.openxmlformats.org/markup-compatibility/2006">
+        <mc:Choice xmlns:p14="http://schemas.microsoft.com/office/powerpoint/2010/main" Requires="p14">
+          <p:contentPart p14:bwMode="auto" r:id="rId8">
+            <p14:nvContentPartPr>
+              <p14:cNvPr id="8" name="Ink 7">
+                <a:extLst>
+                  <a:ext uri="{FF2B5EF4-FFF2-40B4-BE49-F238E27FC236}">
+                    <a16:creationId xmlns:a16="http://schemas.microsoft.com/office/drawing/2014/main" id="{96ADC387-13B7-4125-B420-F02924DA9889}"/>
+                  </a:ext>
+                </a:extLst>
+              </p14:cNvPr>
+              <p14:cNvContentPartPr/>
+              <p14:nvPr/>
+            </p14:nvContentPartPr>
+            <p14:xfrm>
+              <a:off x="862849" y="2842459"/>
+              <a:ext cx="869040" cy="52920"/>
+            </p14:xfrm>
+          </p:contentPart>
+        </mc:Choice>
+        <mc:Fallback>
+          <p:pic>
+            <p:nvPicPr>
+              <p:cNvPr id="8" name="Ink 7">
+                <a:extLst>
+                  <a:ext uri="{FF2B5EF4-FFF2-40B4-BE49-F238E27FC236}">
+                    <a16:creationId xmlns:a16="http://schemas.microsoft.com/office/drawing/2014/main" id="{96ADC387-13B7-4125-B420-F02924DA9889}"/>
+                  </a:ext>
+                </a:extLst>
+              </p:cNvPr>
+              <p:cNvPicPr/>
+              <p:nvPr/>
+            </p:nvPicPr>
+            <p:blipFill>
+              <a:blip r:embed="rId9"/>
+              <a:stretch>
+                <a:fillRect/>
+              </a:stretch>
+            </p:blipFill>
+            <p:spPr>
+              <a:xfrm>
+                <a:off x="854209" y="2833819"/>
+                <a:ext cx="886680" cy="70560"/>
+              </a:xfrm>
+              <a:prstGeom prst="rect">
+                <a:avLst/>
+              </a:prstGeom>
+            </p:spPr>
+          </p:pic>
+        </mc:Fallback>
+      </mc:AlternateContent>
+      <p:grpSp>
+        <p:nvGrpSpPr>
+          <p:cNvPr id="11" name="Group 10">
+            <a:extLst>
+              <a:ext uri="{FF2B5EF4-FFF2-40B4-BE49-F238E27FC236}">
+                <a16:creationId xmlns:a16="http://schemas.microsoft.com/office/drawing/2014/main" id="{93DAFAC2-5B82-40A9-BFEB-CAC8A69A11BF}"/>
+              </a:ext>
+            </a:extLst>
+          </p:cNvPr>
+          <p:cNvGrpSpPr/>
+          <p:nvPr/>
+        </p:nvGrpSpPr>
+        <p:grpSpPr>
+          <a:xfrm>
+            <a:off x="1573849" y="3833179"/>
+            <a:ext cx="1806480" cy="24840"/>
+            <a:chOff x="1573849" y="3833179"/>
+            <a:chExt cx="1806480" cy="24840"/>
+          </a:xfrm>
+        </p:grpSpPr>
+        <mc:AlternateContent xmlns:mc="http://schemas.openxmlformats.org/markup-compatibility/2006">
+          <mc:Choice xmlns:p14="http://schemas.microsoft.com/office/powerpoint/2010/main" Requires="p14">
+            <p:contentPart p14:bwMode="auto" r:id="rId10">
+              <p14:nvContentPartPr>
+                <p14:cNvPr id="9" name="Ink 8">
+                  <a:extLst>
+                    <a:ext uri="{FF2B5EF4-FFF2-40B4-BE49-F238E27FC236}">
+                      <a16:creationId xmlns:a16="http://schemas.microsoft.com/office/drawing/2014/main" id="{88C7BCA0-7FD0-4C59-8F11-FE4824497575}"/>
+                    </a:ext>
+                  </a:extLst>
+                </p14:cNvPr>
+                <p14:cNvContentPartPr/>
+                <p14:nvPr/>
+              </p14:nvContentPartPr>
+              <p14:xfrm>
+                <a:off x="1573849" y="3833179"/>
+                <a:ext cx="951840" cy="24840"/>
+              </p14:xfrm>
+            </p:contentPart>
+          </mc:Choice>
+          <mc:Fallback>
+            <p:pic>
+              <p:nvPicPr>
+                <p:cNvPr id="9" name="Ink 8">
+                  <a:extLst>
+                    <a:ext uri="{FF2B5EF4-FFF2-40B4-BE49-F238E27FC236}">
+                      <a16:creationId xmlns:a16="http://schemas.microsoft.com/office/drawing/2014/main" id="{88C7BCA0-7FD0-4C59-8F11-FE4824497575}"/>
+                    </a:ext>
+                  </a:extLst>
+                </p:cNvPr>
+                <p:cNvPicPr/>
+                <p:nvPr/>
+              </p:nvPicPr>
+              <p:blipFill>
+                <a:blip r:embed="rId11"/>
+                <a:stretch>
+                  <a:fillRect/>
+                </a:stretch>
+              </p:blipFill>
+              <p:spPr>
+                <a:xfrm>
+                  <a:off x="1564849" y="3824539"/>
+                  <a:ext cx="969480" cy="42480"/>
+                </a:xfrm>
+                <a:prstGeom prst="rect">
+                  <a:avLst/>
+                </a:prstGeom>
+              </p:spPr>
+            </p:pic>
+          </mc:Fallback>
+        </mc:AlternateContent>
+        <mc:AlternateContent xmlns:mc="http://schemas.openxmlformats.org/markup-compatibility/2006">
+          <mc:Choice xmlns:p14="http://schemas.microsoft.com/office/powerpoint/2010/main" Requires="p14">
+            <p:contentPart p14:bwMode="auto" r:id="rId12">
+              <p14:nvContentPartPr>
+                <p14:cNvPr id="10" name="Ink 9">
+                  <a:extLst>
+                    <a:ext uri="{FF2B5EF4-FFF2-40B4-BE49-F238E27FC236}">
+                      <a16:creationId xmlns:a16="http://schemas.microsoft.com/office/drawing/2014/main" id="{9CC3E3B5-E9B6-4176-B91F-84764BBDBF3E}"/>
+                    </a:ext>
+                  </a:extLst>
+                </p14:cNvPr>
+                <p14:cNvContentPartPr/>
+                <p14:nvPr/>
+              </p14:nvContentPartPr>
+              <p14:xfrm>
+                <a:off x="2684089" y="3836059"/>
+                <a:ext cx="696240" cy="18360"/>
+              </p14:xfrm>
+            </p:contentPart>
+          </mc:Choice>
+          <mc:Fallback>
+            <p:pic>
+              <p:nvPicPr>
+                <p:cNvPr id="10" name="Ink 9">
+                  <a:extLst>
+                    <a:ext uri="{FF2B5EF4-FFF2-40B4-BE49-F238E27FC236}">
+                      <a16:creationId xmlns:a16="http://schemas.microsoft.com/office/drawing/2014/main" id="{9CC3E3B5-E9B6-4176-B91F-84764BBDBF3E}"/>
+                    </a:ext>
+                  </a:extLst>
+                </p:cNvPr>
+                <p:cNvPicPr/>
+                <p:nvPr/>
+              </p:nvPicPr>
+              <p:blipFill>
+                <a:blip r:embed="rId13"/>
+                <a:stretch>
+                  <a:fillRect/>
+                </a:stretch>
+              </p:blipFill>
+              <p:spPr>
+                <a:xfrm>
+                  <a:off x="2675449" y="3827419"/>
+                  <a:ext cx="713880" cy="36000"/>
+                </a:xfrm>
+                <a:prstGeom prst="rect">
+                  <a:avLst/>
+                </a:prstGeom>
+              </p:spPr>
+            </p:pic>
+          </mc:Fallback>
+        </mc:AlternateContent>
+      </p:grpSp>
+      <p:grpSp>
+        <p:nvGrpSpPr>
+          <p:cNvPr id="24" name="Group 23">
+            <a:extLst>
+              <a:ext uri="{FF2B5EF4-FFF2-40B4-BE49-F238E27FC236}">
+                <a16:creationId xmlns:a16="http://schemas.microsoft.com/office/drawing/2014/main" id="{990C9D40-589D-4FF5-9105-BDD8547E449A}"/>
+              </a:ext>
+            </a:extLst>
+          </p:cNvPr>
+          <p:cNvGrpSpPr/>
+          <p:nvPr/>
+        </p:nvGrpSpPr>
+        <p:grpSpPr>
+          <a:xfrm>
+            <a:off x="2206009" y="3266899"/>
+            <a:ext cx="2594880" cy="396000"/>
+            <a:chOff x="2206009" y="3266899"/>
+            <a:chExt cx="2594880" cy="396000"/>
+          </a:xfrm>
+        </p:grpSpPr>
+        <mc:AlternateContent xmlns:mc="http://schemas.openxmlformats.org/markup-compatibility/2006">
+          <mc:Choice xmlns:p14="http://schemas.microsoft.com/office/powerpoint/2010/main" Requires="p14">
+            <p:contentPart p14:bwMode="auto" r:id="rId14">
+              <p14:nvContentPartPr>
+                <p14:cNvPr id="12" name="Ink 11">
+                  <a:extLst>
+                    <a:ext uri="{FF2B5EF4-FFF2-40B4-BE49-F238E27FC236}">
+                      <a16:creationId xmlns:a16="http://schemas.microsoft.com/office/drawing/2014/main" id="{EC6438DF-8129-40C9-B6F9-DE7D04CCAE93}"/>
+                    </a:ext>
+                  </a:extLst>
+                </p14:cNvPr>
+                <p14:cNvContentPartPr/>
+                <p14:nvPr/>
+              </p14:nvContentPartPr>
+              <p14:xfrm>
+                <a:off x="2206009" y="3552019"/>
+                <a:ext cx="664920" cy="29160"/>
+              </p14:xfrm>
+            </p:contentPart>
+          </mc:Choice>
+          <mc:Fallback>
+            <p:pic>
+              <p:nvPicPr>
+                <p:cNvPr id="12" name="Ink 11">
+                  <a:extLst>
+                    <a:ext uri="{FF2B5EF4-FFF2-40B4-BE49-F238E27FC236}">
+                      <a16:creationId xmlns:a16="http://schemas.microsoft.com/office/drawing/2014/main" id="{EC6438DF-8129-40C9-B6F9-DE7D04CCAE93}"/>
+                    </a:ext>
+                  </a:extLst>
+                </p:cNvPr>
+                <p:cNvPicPr/>
+                <p:nvPr/>
+              </p:nvPicPr>
+              <p:blipFill>
+                <a:blip r:embed="rId15"/>
+                <a:stretch>
+                  <a:fillRect/>
+                </a:stretch>
+              </p:blipFill>
+              <p:spPr>
+                <a:xfrm>
+                  <a:off x="2197369" y="3543379"/>
+                  <a:ext cx="682560" cy="46800"/>
+                </a:xfrm>
+                <a:prstGeom prst="rect">
+                  <a:avLst/>
+                </a:prstGeom>
+              </p:spPr>
+            </p:pic>
+          </mc:Fallback>
+        </mc:AlternateContent>
+        <mc:AlternateContent xmlns:mc="http://schemas.openxmlformats.org/markup-compatibility/2006">
+          <mc:Choice xmlns:p14="http://schemas.microsoft.com/office/powerpoint/2010/main" Requires="p14">
+            <p:contentPart p14:bwMode="auto" r:id="rId16">
+              <p14:nvContentPartPr>
+                <p14:cNvPr id="13" name="Ink 12">
+                  <a:extLst>
+                    <a:ext uri="{FF2B5EF4-FFF2-40B4-BE49-F238E27FC236}">
+                      <a16:creationId xmlns:a16="http://schemas.microsoft.com/office/drawing/2014/main" id="{95547B84-8D70-4E63-A28B-A7753D80D25D}"/>
+                    </a:ext>
+                  </a:extLst>
+                </p14:cNvPr>
+                <p14:cNvContentPartPr/>
+                <p14:nvPr/>
+              </p14:nvContentPartPr>
+              <p14:xfrm>
+                <a:off x="3032209" y="3349699"/>
+                <a:ext cx="369720" cy="128520"/>
+              </p14:xfrm>
+            </p:contentPart>
+          </mc:Choice>
+          <mc:Fallback>
+            <p:pic>
+              <p:nvPicPr>
+                <p:cNvPr id="13" name="Ink 12">
+                  <a:extLst>
+                    <a:ext uri="{FF2B5EF4-FFF2-40B4-BE49-F238E27FC236}">
+                      <a16:creationId xmlns:a16="http://schemas.microsoft.com/office/drawing/2014/main" id="{95547B84-8D70-4E63-A28B-A7753D80D25D}"/>
+                    </a:ext>
+                  </a:extLst>
+                </p:cNvPr>
+                <p:cNvPicPr/>
+                <p:nvPr/>
+              </p:nvPicPr>
+              <p:blipFill>
+                <a:blip r:embed="rId17"/>
+                <a:stretch>
+                  <a:fillRect/>
+                </a:stretch>
+              </p:blipFill>
+              <p:spPr>
+                <a:xfrm>
+                  <a:off x="3023569" y="3341059"/>
+                  <a:ext cx="387360" cy="146160"/>
+                </a:xfrm>
+                <a:prstGeom prst="rect">
+                  <a:avLst/>
+                </a:prstGeom>
+              </p:spPr>
+            </p:pic>
+          </mc:Fallback>
+        </mc:AlternateContent>
+        <mc:AlternateContent xmlns:mc="http://schemas.openxmlformats.org/markup-compatibility/2006">
+          <mc:Choice xmlns:p14="http://schemas.microsoft.com/office/powerpoint/2010/main" Requires="p14">
+            <p:contentPart p14:bwMode="auto" r:id="rId18">
+              <p14:nvContentPartPr>
+                <p14:cNvPr id="15" name="Ink 14">
+                  <a:extLst>
+                    <a:ext uri="{FF2B5EF4-FFF2-40B4-BE49-F238E27FC236}">
+                      <a16:creationId xmlns:a16="http://schemas.microsoft.com/office/drawing/2014/main" id="{B8FF89DE-DC59-4F26-9AEB-21DFDD222EEE}"/>
+                    </a:ext>
+                  </a:extLst>
+                </p14:cNvPr>
+                <p14:cNvContentPartPr/>
+                <p14:nvPr/>
+              </p14:nvContentPartPr>
+              <p14:xfrm>
+                <a:off x="3628729" y="3364819"/>
+                <a:ext cx="158400" cy="80280"/>
+              </p14:xfrm>
+            </p:contentPart>
+          </mc:Choice>
+          <mc:Fallback>
+            <p:pic>
+              <p:nvPicPr>
+                <p:cNvPr id="15" name="Ink 14">
+                  <a:extLst>
+                    <a:ext uri="{FF2B5EF4-FFF2-40B4-BE49-F238E27FC236}">
+                      <a16:creationId xmlns:a16="http://schemas.microsoft.com/office/drawing/2014/main" id="{B8FF89DE-DC59-4F26-9AEB-21DFDD222EEE}"/>
+                    </a:ext>
+                  </a:extLst>
+                </p:cNvPr>
+                <p:cNvPicPr/>
+                <p:nvPr/>
+              </p:nvPicPr>
+              <p:blipFill>
+                <a:blip r:embed="rId19"/>
+                <a:stretch>
+                  <a:fillRect/>
+                </a:stretch>
+              </p:blipFill>
+              <p:spPr>
+                <a:xfrm>
+                  <a:off x="3620089" y="3356179"/>
+                  <a:ext cx="176040" cy="97920"/>
+                </a:xfrm>
+                <a:prstGeom prst="rect">
+                  <a:avLst/>
+                </a:prstGeom>
+              </p:spPr>
+            </p:pic>
+          </mc:Fallback>
+        </mc:AlternateContent>
+        <mc:AlternateContent xmlns:mc="http://schemas.openxmlformats.org/markup-compatibility/2006">
+          <mc:Choice xmlns:p14="http://schemas.microsoft.com/office/powerpoint/2010/main" Requires="p14">
+            <p:contentPart p14:bwMode="auto" r:id="rId20">
+              <p14:nvContentPartPr>
+                <p14:cNvPr id="16" name="Ink 15">
+                  <a:extLst>
+                    <a:ext uri="{FF2B5EF4-FFF2-40B4-BE49-F238E27FC236}">
+                      <a16:creationId xmlns:a16="http://schemas.microsoft.com/office/drawing/2014/main" id="{981E7C2B-0B6C-4B2F-86F6-72F41C4142FF}"/>
+                    </a:ext>
+                  </a:extLst>
+                </p14:cNvPr>
+                <p14:cNvContentPartPr/>
+                <p14:nvPr/>
+              </p14:nvContentPartPr>
+              <p14:xfrm>
+                <a:off x="3841489" y="3312619"/>
+                <a:ext cx="154440" cy="200880"/>
+              </p14:xfrm>
+            </p:contentPart>
+          </mc:Choice>
+          <mc:Fallback>
+            <p:pic>
+              <p:nvPicPr>
+                <p:cNvPr id="16" name="Ink 15">
+                  <a:extLst>
+                    <a:ext uri="{FF2B5EF4-FFF2-40B4-BE49-F238E27FC236}">
+                      <a16:creationId xmlns:a16="http://schemas.microsoft.com/office/drawing/2014/main" id="{981E7C2B-0B6C-4B2F-86F6-72F41C4142FF}"/>
+                    </a:ext>
+                  </a:extLst>
+                </p:cNvPr>
+                <p:cNvPicPr/>
+                <p:nvPr/>
+              </p:nvPicPr>
+              <p:blipFill>
+                <a:blip r:embed="rId21"/>
+                <a:stretch>
+                  <a:fillRect/>
+                </a:stretch>
+              </p:blipFill>
+              <p:spPr>
+                <a:xfrm>
+                  <a:off x="3832849" y="3303979"/>
+                  <a:ext cx="172080" cy="218520"/>
+                </a:xfrm>
+                <a:prstGeom prst="rect">
+                  <a:avLst/>
+                </a:prstGeom>
+              </p:spPr>
+            </p:pic>
+          </mc:Fallback>
+        </mc:AlternateContent>
+        <mc:AlternateContent xmlns:mc="http://schemas.openxmlformats.org/markup-compatibility/2006">
+          <mc:Choice xmlns:p14="http://schemas.microsoft.com/office/powerpoint/2010/main" Requires="p14">
+            <p:contentPart p14:bwMode="auto" r:id="rId22">
+              <p14:nvContentPartPr>
+                <p14:cNvPr id="17" name="Ink 16">
+                  <a:extLst>
+                    <a:ext uri="{FF2B5EF4-FFF2-40B4-BE49-F238E27FC236}">
+                      <a16:creationId xmlns:a16="http://schemas.microsoft.com/office/drawing/2014/main" id="{1F2F6E42-6CE5-4980-A899-3A91BEFFB973}"/>
+                    </a:ext>
+                  </a:extLst>
+                </p14:cNvPr>
+                <p14:cNvContentPartPr/>
+                <p14:nvPr/>
+              </p14:nvContentPartPr>
+              <p14:xfrm>
+                <a:off x="4126249" y="3266899"/>
+                <a:ext cx="124200" cy="233280"/>
+              </p14:xfrm>
+            </p:contentPart>
+          </mc:Choice>
+          <mc:Fallback>
+            <p:pic>
+              <p:nvPicPr>
+                <p:cNvPr id="17" name="Ink 16">
+                  <a:extLst>
+                    <a:ext uri="{FF2B5EF4-FFF2-40B4-BE49-F238E27FC236}">
+                      <a16:creationId xmlns:a16="http://schemas.microsoft.com/office/drawing/2014/main" id="{1F2F6E42-6CE5-4980-A899-3A91BEFFB973}"/>
+                    </a:ext>
+                  </a:extLst>
+                </p:cNvPr>
+                <p:cNvPicPr/>
+                <p:nvPr/>
+              </p:nvPicPr>
+              <p:blipFill>
+                <a:blip r:embed="rId23"/>
+                <a:stretch>
+                  <a:fillRect/>
+                </a:stretch>
+              </p:blipFill>
+              <p:spPr>
+                <a:xfrm>
+                  <a:off x="4117249" y="3258259"/>
+                  <a:ext cx="141840" cy="250920"/>
+                </a:xfrm>
+                <a:prstGeom prst="rect">
+                  <a:avLst/>
+                </a:prstGeom>
+              </p:spPr>
+            </p:pic>
+          </mc:Fallback>
+        </mc:AlternateContent>
+        <mc:AlternateContent xmlns:mc="http://schemas.openxmlformats.org/markup-compatibility/2006">
+          <mc:Choice xmlns:p14="http://schemas.microsoft.com/office/powerpoint/2010/main" Requires="p14">
+            <p:contentPart p14:bwMode="auto" r:id="rId24">
+              <p14:nvContentPartPr>
+                <p14:cNvPr id="18" name="Ink 17">
+                  <a:extLst>
+                    <a:ext uri="{FF2B5EF4-FFF2-40B4-BE49-F238E27FC236}">
+                      <a16:creationId xmlns:a16="http://schemas.microsoft.com/office/drawing/2014/main" id="{F6018E54-A970-46DA-B5F8-D55D3F01FFD4}"/>
+                    </a:ext>
+                  </a:extLst>
+                </p14:cNvPr>
+                <p14:cNvContentPartPr/>
+                <p14:nvPr/>
+              </p14:nvContentPartPr>
+              <p14:xfrm>
+                <a:off x="4283569" y="3377779"/>
+                <a:ext cx="74520" cy="92160"/>
+              </p14:xfrm>
+            </p:contentPart>
+          </mc:Choice>
+          <mc:Fallback>
+            <p:pic>
+              <p:nvPicPr>
+                <p:cNvPr id="18" name="Ink 17">
+                  <a:extLst>
+                    <a:ext uri="{FF2B5EF4-FFF2-40B4-BE49-F238E27FC236}">
+                      <a16:creationId xmlns:a16="http://schemas.microsoft.com/office/drawing/2014/main" id="{F6018E54-A970-46DA-B5F8-D55D3F01FFD4}"/>
+                    </a:ext>
+                  </a:extLst>
+                </p:cNvPr>
+                <p:cNvPicPr/>
+                <p:nvPr/>
+              </p:nvPicPr>
+              <p:blipFill>
+                <a:blip r:embed="rId25"/>
+                <a:stretch>
+                  <a:fillRect/>
+                </a:stretch>
+              </p:blipFill>
+              <p:spPr>
+                <a:xfrm>
+                  <a:off x="4274569" y="3369139"/>
+                  <a:ext cx="92160" cy="109800"/>
+                </a:xfrm>
+                <a:prstGeom prst="rect">
+                  <a:avLst/>
+                </a:prstGeom>
+              </p:spPr>
+            </p:pic>
+          </mc:Fallback>
+        </mc:AlternateContent>
+        <mc:AlternateContent xmlns:mc="http://schemas.openxmlformats.org/markup-compatibility/2006">
+          <mc:Choice xmlns:p14="http://schemas.microsoft.com/office/powerpoint/2010/main" Requires="p14">
+            <p:contentPart p14:bwMode="auto" r:id="rId26">
+              <p14:nvContentPartPr>
+                <p14:cNvPr id="19" name="Ink 18">
+                  <a:extLst>
+                    <a:ext uri="{FF2B5EF4-FFF2-40B4-BE49-F238E27FC236}">
+                      <a16:creationId xmlns:a16="http://schemas.microsoft.com/office/drawing/2014/main" id="{0D262CB4-9FF5-4D42-9E35-AB063F1A500D}"/>
+                    </a:ext>
+                  </a:extLst>
+                </p14:cNvPr>
+                <p14:cNvContentPartPr/>
+                <p14:nvPr/>
+              </p14:nvContentPartPr>
+              <p14:xfrm>
+                <a:off x="4373569" y="3396859"/>
+                <a:ext cx="94680" cy="95040"/>
+              </p14:xfrm>
+            </p:contentPart>
+          </mc:Choice>
+          <mc:Fallback>
+            <p:pic>
+              <p:nvPicPr>
+                <p:cNvPr id="19" name="Ink 18">
+                  <a:extLst>
+                    <a:ext uri="{FF2B5EF4-FFF2-40B4-BE49-F238E27FC236}">
+                      <a16:creationId xmlns:a16="http://schemas.microsoft.com/office/drawing/2014/main" id="{0D262CB4-9FF5-4D42-9E35-AB063F1A500D}"/>
+                    </a:ext>
+                  </a:extLst>
+                </p:cNvPr>
+                <p:cNvPicPr/>
+                <p:nvPr/>
+              </p:nvPicPr>
+              <p:blipFill>
+                <a:blip r:embed="rId27"/>
+                <a:stretch>
+                  <a:fillRect/>
+                </a:stretch>
+              </p:blipFill>
+              <p:spPr>
+                <a:xfrm>
+                  <a:off x="4364929" y="3388219"/>
+                  <a:ext cx="112320" cy="112680"/>
+                </a:xfrm>
+                <a:prstGeom prst="rect">
+                  <a:avLst/>
+                </a:prstGeom>
+              </p:spPr>
+            </p:pic>
+          </mc:Fallback>
+        </mc:AlternateContent>
+        <mc:AlternateContent xmlns:mc="http://schemas.openxmlformats.org/markup-compatibility/2006">
+          <mc:Choice xmlns:p14="http://schemas.microsoft.com/office/powerpoint/2010/main" Requires="p14">
+            <p:contentPart p14:bwMode="auto" r:id="rId28">
+              <p14:nvContentPartPr>
+                <p14:cNvPr id="20" name="Ink 19">
+                  <a:extLst>
+                    <a:ext uri="{FF2B5EF4-FFF2-40B4-BE49-F238E27FC236}">
+                      <a16:creationId xmlns:a16="http://schemas.microsoft.com/office/drawing/2014/main" id="{8F15CD90-EED9-40DB-98DB-B651B3E2854B}"/>
+                    </a:ext>
+                  </a:extLst>
+                </p14:cNvPr>
+                <p14:cNvContentPartPr/>
+                <p14:nvPr/>
+              </p14:nvContentPartPr>
+              <p14:xfrm>
+                <a:off x="4504969" y="3383179"/>
+                <a:ext cx="114480" cy="77760"/>
+              </p14:xfrm>
+            </p:contentPart>
+          </mc:Choice>
+          <mc:Fallback>
+            <p:pic>
+              <p:nvPicPr>
+                <p:cNvPr id="20" name="Ink 19">
+                  <a:extLst>
+                    <a:ext uri="{FF2B5EF4-FFF2-40B4-BE49-F238E27FC236}">
+                      <a16:creationId xmlns:a16="http://schemas.microsoft.com/office/drawing/2014/main" id="{8F15CD90-EED9-40DB-98DB-B651B3E2854B}"/>
+                    </a:ext>
+                  </a:extLst>
+                </p:cNvPr>
+                <p:cNvPicPr/>
+                <p:nvPr/>
+              </p:nvPicPr>
+              <p:blipFill>
+                <a:blip r:embed="rId29"/>
+                <a:stretch>
+                  <a:fillRect/>
+                </a:stretch>
+              </p:blipFill>
+              <p:spPr>
+                <a:xfrm>
+                  <a:off x="4495969" y="3374539"/>
+                  <a:ext cx="132120" cy="95400"/>
+                </a:xfrm>
+                <a:prstGeom prst="rect">
+                  <a:avLst/>
+                </a:prstGeom>
+              </p:spPr>
+            </p:pic>
+          </mc:Fallback>
+        </mc:AlternateContent>
+        <mc:AlternateContent xmlns:mc="http://schemas.openxmlformats.org/markup-compatibility/2006">
+          <mc:Choice xmlns:p14="http://schemas.microsoft.com/office/powerpoint/2010/main" Requires="p14">
+            <p:contentPart p14:bwMode="auto" r:id="rId30">
+              <p14:nvContentPartPr>
+                <p14:cNvPr id="21" name="Ink 20">
+                  <a:extLst>
+                    <a:ext uri="{FF2B5EF4-FFF2-40B4-BE49-F238E27FC236}">
+                      <a16:creationId xmlns:a16="http://schemas.microsoft.com/office/drawing/2014/main" id="{ECC54E6E-5722-433A-B863-CF36EDB64BA9}"/>
+                    </a:ext>
+                  </a:extLst>
+                </p14:cNvPr>
+                <p14:cNvContentPartPr/>
+                <p14:nvPr/>
+              </p14:nvContentPartPr>
+              <p14:xfrm>
+                <a:off x="4643569" y="3360139"/>
+                <a:ext cx="56880" cy="118080"/>
+              </p14:xfrm>
+            </p:contentPart>
+          </mc:Choice>
+          <mc:Fallback>
+            <p:pic>
+              <p:nvPicPr>
+                <p:cNvPr id="21" name="Ink 20">
+                  <a:extLst>
+                    <a:ext uri="{FF2B5EF4-FFF2-40B4-BE49-F238E27FC236}">
+                      <a16:creationId xmlns:a16="http://schemas.microsoft.com/office/drawing/2014/main" id="{ECC54E6E-5722-433A-B863-CF36EDB64BA9}"/>
+                    </a:ext>
+                  </a:extLst>
+                </p:cNvPr>
+                <p:cNvPicPr/>
+                <p:nvPr/>
+              </p:nvPicPr>
+              <p:blipFill>
+                <a:blip r:embed="rId31"/>
+                <a:stretch>
+                  <a:fillRect/>
+                </a:stretch>
+              </p:blipFill>
+              <p:spPr>
+                <a:xfrm>
+                  <a:off x="4634569" y="3351139"/>
+                  <a:ext cx="74520" cy="135720"/>
+                </a:xfrm>
+                <a:prstGeom prst="rect">
+                  <a:avLst/>
+                </a:prstGeom>
+              </p:spPr>
+            </p:pic>
+          </mc:Fallback>
+        </mc:AlternateContent>
+        <mc:AlternateContent xmlns:mc="http://schemas.openxmlformats.org/markup-compatibility/2006">
+          <mc:Choice xmlns:p14="http://schemas.microsoft.com/office/powerpoint/2010/main" Requires="p14">
+            <p:contentPart p14:bwMode="auto" r:id="rId32">
+              <p14:nvContentPartPr>
+                <p14:cNvPr id="23" name="Ink 22">
+                  <a:extLst>
+                    <a:ext uri="{FF2B5EF4-FFF2-40B4-BE49-F238E27FC236}">
+                      <a16:creationId xmlns:a16="http://schemas.microsoft.com/office/drawing/2014/main" id="{F9F65D9B-B00E-404A-9C7A-478B60696049}"/>
+                    </a:ext>
+                  </a:extLst>
+                </p14:cNvPr>
+                <p14:cNvContentPartPr/>
+                <p14:nvPr/>
+              </p14:nvContentPartPr>
+              <p14:xfrm>
+                <a:off x="3624769" y="3586219"/>
+                <a:ext cx="1176120" cy="76680"/>
+              </p14:xfrm>
+            </p:contentPart>
+          </mc:Choice>
+          <mc:Fallback>
+            <p:pic>
+              <p:nvPicPr>
+                <p:cNvPr id="23" name="Ink 22">
+                  <a:extLst>
+                    <a:ext uri="{FF2B5EF4-FFF2-40B4-BE49-F238E27FC236}">
+                      <a16:creationId xmlns:a16="http://schemas.microsoft.com/office/drawing/2014/main" id="{F9F65D9B-B00E-404A-9C7A-478B60696049}"/>
+                    </a:ext>
+                  </a:extLst>
+                </p:cNvPr>
+                <p:cNvPicPr/>
+                <p:nvPr/>
+              </p:nvPicPr>
+              <p:blipFill>
+                <a:blip r:embed="rId33"/>
+                <a:stretch>
+                  <a:fillRect/>
+                </a:stretch>
+              </p:blipFill>
+              <p:spPr>
+                <a:xfrm>
+                  <a:off x="3615769" y="3577579"/>
+                  <a:ext cx="1193760" cy="94320"/>
+                </a:xfrm>
+                <a:prstGeom prst="rect">
+                  <a:avLst/>
+                </a:prstGeom>
+              </p:spPr>
+            </p:pic>
+          </mc:Fallback>
+        </mc:AlternateContent>
+      </p:grpSp>
     </p:spTree>
     <p:extLst>
       <p:ext uri="{BB962C8B-B14F-4D97-AF65-F5344CB8AC3E}">
@@ -5700,6 +8164,159 @@
           </a:p>
         </p:txBody>
       </p:sp>
+      <mc:AlternateContent xmlns:mc="http://schemas.openxmlformats.org/markup-compatibility/2006">
+        <mc:Choice xmlns:p14="http://schemas.microsoft.com/office/powerpoint/2010/main" Requires="p14">
+          <p:contentPart p14:bwMode="auto" r:id="rId2">
+            <p14:nvContentPartPr>
+              <p14:cNvPr id="4" name="Ink 3">
+                <a:extLst>
+                  <a:ext uri="{FF2B5EF4-FFF2-40B4-BE49-F238E27FC236}">
+                    <a16:creationId xmlns:a16="http://schemas.microsoft.com/office/drawing/2014/main" id="{D2763051-E565-4E7D-8432-4D26DEAD311A}"/>
+                  </a:ext>
+                </a:extLst>
+              </p14:cNvPr>
+              <p14:cNvContentPartPr/>
+              <p14:nvPr/>
+            </p14:nvContentPartPr>
+            <p14:xfrm>
+              <a:off x="1923769" y="2031019"/>
+              <a:ext cx="1018440" cy="33840"/>
+            </p14:xfrm>
+          </p:contentPart>
+        </mc:Choice>
+        <mc:Fallback>
+          <p:pic>
+            <p:nvPicPr>
+              <p:cNvPr id="4" name="Ink 3">
+                <a:extLst>
+                  <a:ext uri="{FF2B5EF4-FFF2-40B4-BE49-F238E27FC236}">
+                    <a16:creationId xmlns:a16="http://schemas.microsoft.com/office/drawing/2014/main" id="{D2763051-E565-4E7D-8432-4D26DEAD311A}"/>
+                  </a:ext>
+                </a:extLst>
+              </p:cNvPr>
+              <p:cNvPicPr/>
+              <p:nvPr/>
+            </p:nvPicPr>
+            <p:blipFill>
+              <a:blip r:embed="rId3"/>
+              <a:stretch>
+                <a:fillRect/>
+              </a:stretch>
+            </p:blipFill>
+            <p:spPr>
+              <a:xfrm>
+                <a:off x="1915129" y="2022379"/>
+                <a:ext cx="1036080" cy="51480"/>
+              </a:xfrm>
+              <a:prstGeom prst="rect">
+                <a:avLst/>
+              </a:prstGeom>
+            </p:spPr>
+          </p:pic>
+        </mc:Fallback>
+      </mc:AlternateContent>
+      <mc:AlternateContent xmlns:mc="http://schemas.openxmlformats.org/markup-compatibility/2006">
+        <mc:Choice xmlns:p14="http://schemas.microsoft.com/office/powerpoint/2010/main" Requires="p14">
+          <p:contentPart p14:bwMode="auto" r:id="rId4">
+            <p14:nvContentPartPr>
+              <p14:cNvPr id="5" name="Ink 4">
+                <a:extLst>
+                  <a:ext uri="{FF2B5EF4-FFF2-40B4-BE49-F238E27FC236}">
+                    <a16:creationId xmlns:a16="http://schemas.microsoft.com/office/drawing/2014/main" id="{03BF819B-7D98-4524-8ED0-AC4EC0135F1F}"/>
+                  </a:ext>
+                </a:extLst>
+              </p14:cNvPr>
+              <p14:cNvContentPartPr/>
+              <p14:nvPr/>
+            </p14:nvContentPartPr>
+            <p14:xfrm>
+              <a:off x="1144729" y="2664259"/>
+              <a:ext cx="779760" cy="29880"/>
+            </p14:xfrm>
+          </p:contentPart>
+        </mc:Choice>
+        <mc:Fallback>
+          <p:pic>
+            <p:nvPicPr>
+              <p:cNvPr id="5" name="Ink 4">
+                <a:extLst>
+                  <a:ext uri="{FF2B5EF4-FFF2-40B4-BE49-F238E27FC236}">
+                    <a16:creationId xmlns:a16="http://schemas.microsoft.com/office/drawing/2014/main" id="{03BF819B-7D98-4524-8ED0-AC4EC0135F1F}"/>
+                  </a:ext>
+                </a:extLst>
+              </p:cNvPr>
+              <p:cNvPicPr/>
+              <p:nvPr/>
+            </p:nvPicPr>
+            <p:blipFill>
+              <a:blip r:embed="rId5"/>
+              <a:stretch>
+                <a:fillRect/>
+              </a:stretch>
+            </p:blipFill>
+            <p:spPr>
+              <a:xfrm>
+                <a:off x="1135729" y="2655259"/>
+                <a:ext cx="797400" cy="47520"/>
+              </a:xfrm>
+              <a:prstGeom prst="rect">
+                <a:avLst/>
+              </a:prstGeom>
+            </p:spPr>
+          </p:pic>
+        </mc:Fallback>
+      </mc:AlternateContent>
+      <mc:AlternateContent xmlns:mc="http://schemas.openxmlformats.org/markup-compatibility/2006">
+        <mc:Choice xmlns:p14="http://schemas.microsoft.com/office/powerpoint/2010/main" Requires="p14">
+          <p:contentPart p14:bwMode="auto" r:id="rId6">
+            <p14:nvContentPartPr>
+              <p14:cNvPr id="7" name="Ink 6">
+                <a:extLst>
+                  <a:ext uri="{FF2B5EF4-FFF2-40B4-BE49-F238E27FC236}">
+                    <a16:creationId xmlns:a16="http://schemas.microsoft.com/office/drawing/2014/main" id="{4CAF0F46-7BBA-4170-8567-89F7BE31FF49}"/>
+                  </a:ext>
+                </a:extLst>
+              </p14:cNvPr>
+              <p14:cNvContentPartPr/>
+              <p14:nvPr/>
+            </p14:nvContentPartPr>
+            <p14:xfrm>
+              <a:off x="5140009" y="2650579"/>
+              <a:ext cx="2359800" cy="90360"/>
+            </p14:xfrm>
+          </p:contentPart>
+        </mc:Choice>
+        <mc:Fallback>
+          <p:pic>
+            <p:nvPicPr>
+              <p:cNvPr id="7" name="Ink 6">
+                <a:extLst>
+                  <a:ext uri="{FF2B5EF4-FFF2-40B4-BE49-F238E27FC236}">
+                    <a16:creationId xmlns:a16="http://schemas.microsoft.com/office/drawing/2014/main" id="{4CAF0F46-7BBA-4170-8567-89F7BE31FF49}"/>
+                  </a:ext>
+                </a:extLst>
+              </p:cNvPr>
+              <p:cNvPicPr/>
+              <p:nvPr/>
+            </p:nvPicPr>
+            <p:blipFill>
+              <a:blip r:embed="rId7"/>
+              <a:stretch>
+                <a:fillRect/>
+              </a:stretch>
+            </p:blipFill>
+            <p:spPr>
+              <a:xfrm>
+                <a:off x="5131369" y="2641939"/>
+                <a:ext cx="2377440" cy="108000"/>
+              </a:xfrm>
+              <a:prstGeom prst="rect">
+                <a:avLst/>
+              </a:prstGeom>
+            </p:spPr>
+          </p:pic>
+        </mc:Fallback>
+      </mc:AlternateContent>
     </p:spTree>
     <p:extLst>
       <p:ext uri="{BB962C8B-B14F-4D97-AF65-F5344CB8AC3E}">
@@ -6225,6 +8842,1692 @@
           </a:p>
         </p:txBody>
       </p:sp>
+      <p:grpSp>
+        <p:nvGrpSpPr>
+          <p:cNvPr id="6" name="Group 5">
+            <a:extLst>
+              <a:ext uri="{FF2B5EF4-FFF2-40B4-BE49-F238E27FC236}">
+                <a16:creationId xmlns:a16="http://schemas.microsoft.com/office/drawing/2014/main" id="{A35EF51B-F750-498B-AA5C-71BFBE596D4D}"/>
+              </a:ext>
+            </a:extLst>
+          </p:cNvPr>
+          <p:cNvGrpSpPr/>
+          <p:nvPr/>
+        </p:nvGrpSpPr>
+        <p:grpSpPr>
+          <a:xfrm>
+            <a:off x="3259729" y="1733299"/>
+            <a:ext cx="2697480" cy="55440"/>
+            <a:chOff x="3259729" y="1733299"/>
+            <a:chExt cx="2697480" cy="55440"/>
+          </a:xfrm>
+        </p:grpSpPr>
+        <mc:AlternateContent xmlns:mc="http://schemas.openxmlformats.org/markup-compatibility/2006">
+          <mc:Choice xmlns:p14="http://schemas.microsoft.com/office/powerpoint/2010/main" Requires="p14">
+            <p:contentPart p14:bwMode="auto" r:id="rId2">
+              <p14:nvContentPartPr>
+                <p14:cNvPr id="4" name="Ink 3">
+                  <a:extLst>
+                    <a:ext uri="{FF2B5EF4-FFF2-40B4-BE49-F238E27FC236}">
+                      <a16:creationId xmlns:a16="http://schemas.microsoft.com/office/drawing/2014/main" id="{E613F0D9-4459-4549-BD85-0BFB7FC23626}"/>
+                    </a:ext>
+                  </a:extLst>
+                </p14:cNvPr>
+                <p14:cNvContentPartPr/>
+                <p14:nvPr/>
+              </p14:nvContentPartPr>
+              <p14:xfrm>
+                <a:off x="3259729" y="1740139"/>
+                <a:ext cx="962640" cy="48600"/>
+              </p14:xfrm>
+            </p:contentPart>
+          </mc:Choice>
+          <mc:Fallback>
+            <p:pic>
+              <p:nvPicPr>
+                <p:cNvPr id="4" name="Ink 3">
+                  <a:extLst>
+                    <a:ext uri="{FF2B5EF4-FFF2-40B4-BE49-F238E27FC236}">
+                      <a16:creationId xmlns:a16="http://schemas.microsoft.com/office/drawing/2014/main" id="{E613F0D9-4459-4549-BD85-0BFB7FC23626}"/>
+                    </a:ext>
+                  </a:extLst>
+                </p:cNvPr>
+                <p:cNvPicPr/>
+                <p:nvPr/>
+              </p:nvPicPr>
+              <p:blipFill>
+                <a:blip r:embed="rId3"/>
+                <a:stretch>
+                  <a:fillRect/>
+                </a:stretch>
+              </p:blipFill>
+              <p:spPr>
+                <a:xfrm>
+                  <a:off x="3251089" y="1731139"/>
+                  <a:ext cx="980280" cy="66240"/>
+                </a:xfrm>
+                <a:prstGeom prst="rect">
+                  <a:avLst/>
+                </a:prstGeom>
+              </p:spPr>
+            </p:pic>
+          </mc:Fallback>
+        </mc:AlternateContent>
+        <mc:AlternateContent xmlns:mc="http://schemas.openxmlformats.org/markup-compatibility/2006">
+          <mc:Choice xmlns:p14="http://schemas.microsoft.com/office/powerpoint/2010/main" Requires="p14">
+            <p:contentPart p14:bwMode="auto" r:id="rId4">
+              <p14:nvContentPartPr>
+                <p14:cNvPr id="5" name="Ink 4">
+                  <a:extLst>
+                    <a:ext uri="{FF2B5EF4-FFF2-40B4-BE49-F238E27FC236}">
+                      <a16:creationId xmlns:a16="http://schemas.microsoft.com/office/drawing/2014/main" id="{C085ECFB-8426-4F28-B080-536E26ABA47F}"/>
+                    </a:ext>
+                  </a:extLst>
+                </p14:cNvPr>
+                <p14:cNvContentPartPr/>
+                <p14:nvPr/>
+              </p14:nvContentPartPr>
+              <p14:xfrm>
+                <a:off x="5069449" y="1733299"/>
+                <a:ext cx="887760" cy="39960"/>
+              </p14:xfrm>
+            </p:contentPart>
+          </mc:Choice>
+          <mc:Fallback>
+            <p:pic>
+              <p:nvPicPr>
+                <p:cNvPr id="5" name="Ink 4">
+                  <a:extLst>
+                    <a:ext uri="{FF2B5EF4-FFF2-40B4-BE49-F238E27FC236}">
+                      <a16:creationId xmlns:a16="http://schemas.microsoft.com/office/drawing/2014/main" id="{C085ECFB-8426-4F28-B080-536E26ABA47F}"/>
+                    </a:ext>
+                  </a:extLst>
+                </p:cNvPr>
+                <p:cNvPicPr/>
+                <p:nvPr/>
+              </p:nvPicPr>
+              <p:blipFill>
+                <a:blip r:embed="rId5"/>
+                <a:stretch>
+                  <a:fillRect/>
+                </a:stretch>
+              </p:blipFill>
+              <p:spPr>
+                <a:xfrm>
+                  <a:off x="5060449" y="1724659"/>
+                  <a:ext cx="905400" cy="57600"/>
+                </a:xfrm>
+                <a:prstGeom prst="rect">
+                  <a:avLst/>
+                </a:prstGeom>
+              </p:spPr>
+            </p:pic>
+          </mc:Fallback>
+        </mc:AlternateContent>
+      </p:grpSp>
+      <mc:AlternateContent xmlns:mc="http://schemas.openxmlformats.org/markup-compatibility/2006">
+        <mc:Choice xmlns:p14="http://schemas.microsoft.com/office/powerpoint/2010/main" Requires="p14">
+          <p:contentPart p14:bwMode="auto" r:id="rId6">
+            <p14:nvContentPartPr>
+              <p14:cNvPr id="7" name="Ink 6">
+                <a:extLst>
+                  <a:ext uri="{FF2B5EF4-FFF2-40B4-BE49-F238E27FC236}">
+                    <a16:creationId xmlns:a16="http://schemas.microsoft.com/office/drawing/2014/main" id="{F19DEC20-A6EF-4773-9E66-0237DE977829}"/>
+                  </a:ext>
+                </a:extLst>
+              </p14:cNvPr>
+              <p14:cNvContentPartPr/>
+              <p14:nvPr/>
+            </p14:nvContentPartPr>
+            <p14:xfrm>
+              <a:off x="1236889" y="2083939"/>
+              <a:ext cx="2186280" cy="48960"/>
+            </p14:xfrm>
+          </p:contentPart>
+        </mc:Choice>
+        <mc:Fallback>
+          <p:pic>
+            <p:nvPicPr>
+              <p:cNvPr id="7" name="Ink 6">
+                <a:extLst>
+                  <a:ext uri="{FF2B5EF4-FFF2-40B4-BE49-F238E27FC236}">
+                    <a16:creationId xmlns:a16="http://schemas.microsoft.com/office/drawing/2014/main" id="{F19DEC20-A6EF-4773-9E66-0237DE977829}"/>
+                  </a:ext>
+                </a:extLst>
+              </p:cNvPr>
+              <p:cNvPicPr/>
+              <p:nvPr/>
+            </p:nvPicPr>
+            <p:blipFill>
+              <a:blip r:embed="rId7"/>
+              <a:stretch>
+                <a:fillRect/>
+              </a:stretch>
+            </p:blipFill>
+            <p:spPr>
+              <a:xfrm>
+                <a:off x="1227889" y="2075299"/>
+                <a:ext cx="2203920" cy="66600"/>
+              </a:xfrm>
+              <a:prstGeom prst="rect">
+                <a:avLst/>
+              </a:prstGeom>
+            </p:spPr>
+          </p:pic>
+        </mc:Fallback>
+      </mc:AlternateContent>
+      <p:grpSp>
+        <p:nvGrpSpPr>
+          <p:cNvPr id="21" name="Group 20">
+            <a:extLst>
+              <a:ext uri="{FF2B5EF4-FFF2-40B4-BE49-F238E27FC236}">
+                <a16:creationId xmlns:a16="http://schemas.microsoft.com/office/drawing/2014/main" id="{338D237F-2298-40A4-B14E-6E8EEA9B1F0B}"/>
+              </a:ext>
+            </a:extLst>
+          </p:cNvPr>
+          <p:cNvGrpSpPr/>
+          <p:nvPr/>
+        </p:nvGrpSpPr>
+        <p:grpSpPr>
+          <a:xfrm>
+            <a:off x="2242009" y="2687299"/>
+            <a:ext cx="2041200" cy="429840"/>
+            <a:chOff x="2242009" y="2687299"/>
+            <a:chExt cx="2041200" cy="429840"/>
+          </a:xfrm>
+        </p:grpSpPr>
+        <mc:AlternateContent xmlns:mc="http://schemas.openxmlformats.org/markup-compatibility/2006">
+          <mc:Choice xmlns:p14="http://schemas.microsoft.com/office/powerpoint/2010/main" Requires="p14">
+            <p:contentPart p14:bwMode="auto" r:id="rId8">
+              <p14:nvContentPartPr>
+                <p14:cNvPr id="8" name="Ink 7">
+                  <a:extLst>
+                    <a:ext uri="{FF2B5EF4-FFF2-40B4-BE49-F238E27FC236}">
+                      <a16:creationId xmlns:a16="http://schemas.microsoft.com/office/drawing/2014/main" id="{CE18C88F-1446-4779-912E-1AAC08EF735A}"/>
+                    </a:ext>
+                  </a:extLst>
+                </p14:cNvPr>
+                <p14:cNvContentPartPr/>
+                <p14:nvPr/>
+              </p14:nvContentPartPr>
+              <p14:xfrm>
+                <a:off x="2242009" y="2738059"/>
+                <a:ext cx="34560" cy="324720"/>
+              </p14:xfrm>
+            </p:contentPart>
+          </mc:Choice>
+          <mc:Fallback>
+            <p:pic>
+              <p:nvPicPr>
+                <p:cNvPr id="8" name="Ink 7">
+                  <a:extLst>
+                    <a:ext uri="{FF2B5EF4-FFF2-40B4-BE49-F238E27FC236}">
+                      <a16:creationId xmlns:a16="http://schemas.microsoft.com/office/drawing/2014/main" id="{CE18C88F-1446-4779-912E-1AAC08EF735A}"/>
+                    </a:ext>
+                  </a:extLst>
+                </p:cNvPr>
+                <p:cNvPicPr/>
+                <p:nvPr/>
+              </p:nvPicPr>
+              <p:blipFill>
+                <a:blip r:embed="rId9"/>
+                <a:stretch>
+                  <a:fillRect/>
+                </a:stretch>
+              </p:blipFill>
+              <p:spPr>
+                <a:xfrm>
+                  <a:off x="2233009" y="2729059"/>
+                  <a:ext cx="52200" cy="342360"/>
+                </a:xfrm>
+                <a:prstGeom prst="rect">
+                  <a:avLst/>
+                </a:prstGeom>
+              </p:spPr>
+            </p:pic>
+          </mc:Fallback>
+        </mc:AlternateContent>
+        <mc:AlternateContent xmlns:mc="http://schemas.openxmlformats.org/markup-compatibility/2006">
+          <mc:Choice xmlns:p14="http://schemas.microsoft.com/office/powerpoint/2010/main" Requires="p14">
+            <p:contentPart p14:bwMode="auto" r:id="rId10">
+              <p14:nvContentPartPr>
+                <p14:cNvPr id="9" name="Ink 8">
+                  <a:extLst>
+                    <a:ext uri="{FF2B5EF4-FFF2-40B4-BE49-F238E27FC236}">
+                      <a16:creationId xmlns:a16="http://schemas.microsoft.com/office/drawing/2014/main" id="{3C26734D-BF13-4212-AC1D-77701F62556A}"/>
+                    </a:ext>
+                  </a:extLst>
+                </p14:cNvPr>
+                <p14:cNvContentPartPr/>
+                <p14:nvPr/>
+              </p14:nvContentPartPr>
+              <p14:xfrm>
+                <a:off x="2334889" y="2942179"/>
+                <a:ext cx="104400" cy="109080"/>
+              </p14:xfrm>
+            </p:contentPart>
+          </mc:Choice>
+          <mc:Fallback>
+            <p:pic>
+              <p:nvPicPr>
+                <p:cNvPr id="9" name="Ink 8">
+                  <a:extLst>
+                    <a:ext uri="{FF2B5EF4-FFF2-40B4-BE49-F238E27FC236}">
+                      <a16:creationId xmlns:a16="http://schemas.microsoft.com/office/drawing/2014/main" id="{3C26734D-BF13-4212-AC1D-77701F62556A}"/>
+                    </a:ext>
+                  </a:extLst>
+                </p:cNvPr>
+                <p:cNvPicPr/>
+                <p:nvPr/>
+              </p:nvPicPr>
+              <p:blipFill>
+                <a:blip r:embed="rId11"/>
+                <a:stretch>
+                  <a:fillRect/>
+                </a:stretch>
+              </p:blipFill>
+              <p:spPr>
+                <a:xfrm>
+                  <a:off x="2326249" y="2933179"/>
+                  <a:ext cx="122040" cy="126720"/>
+                </a:xfrm>
+                <a:prstGeom prst="rect">
+                  <a:avLst/>
+                </a:prstGeom>
+              </p:spPr>
+            </p:pic>
+          </mc:Fallback>
+        </mc:AlternateContent>
+        <mc:AlternateContent xmlns:mc="http://schemas.openxmlformats.org/markup-compatibility/2006">
+          <mc:Choice xmlns:p14="http://schemas.microsoft.com/office/powerpoint/2010/main" Requires="p14">
+            <p:contentPart p14:bwMode="auto" r:id="rId12">
+              <p14:nvContentPartPr>
+                <p14:cNvPr id="10" name="Ink 9">
+                  <a:extLst>
+                    <a:ext uri="{FF2B5EF4-FFF2-40B4-BE49-F238E27FC236}">
+                      <a16:creationId xmlns:a16="http://schemas.microsoft.com/office/drawing/2014/main" id="{1EBA7528-AB71-4C31-A384-185187C251FC}"/>
+                    </a:ext>
+                  </a:extLst>
+                </p14:cNvPr>
+                <p14:cNvContentPartPr/>
+                <p14:nvPr/>
+              </p14:nvContentPartPr>
+              <p14:xfrm>
+                <a:off x="2461609" y="2928499"/>
+                <a:ext cx="132120" cy="113760"/>
+              </p14:xfrm>
+            </p:contentPart>
+          </mc:Choice>
+          <mc:Fallback>
+            <p:pic>
+              <p:nvPicPr>
+                <p:cNvPr id="10" name="Ink 9">
+                  <a:extLst>
+                    <a:ext uri="{FF2B5EF4-FFF2-40B4-BE49-F238E27FC236}">
+                      <a16:creationId xmlns:a16="http://schemas.microsoft.com/office/drawing/2014/main" id="{1EBA7528-AB71-4C31-A384-185187C251FC}"/>
+                    </a:ext>
+                  </a:extLst>
+                </p:cNvPr>
+                <p:cNvPicPr/>
+                <p:nvPr/>
+              </p:nvPicPr>
+              <p:blipFill>
+                <a:blip r:embed="rId13"/>
+                <a:stretch>
+                  <a:fillRect/>
+                </a:stretch>
+              </p:blipFill>
+              <p:spPr>
+                <a:xfrm>
+                  <a:off x="2452969" y="2919499"/>
+                  <a:ext cx="149760" cy="131400"/>
+                </a:xfrm>
+                <a:prstGeom prst="rect">
+                  <a:avLst/>
+                </a:prstGeom>
+              </p:spPr>
+            </p:pic>
+          </mc:Fallback>
+        </mc:AlternateContent>
+        <mc:AlternateContent xmlns:mc="http://schemas.openxmlformats.org/markup-compatibility/2006">
+          <mc:Choice xmlns:p14="http://schemas.microsoft.com/office/powerpoint/2010/main" Requires="p14">
+            <p:contentPart p14:bwMode="auto" r:id="rId14">
+              <p14:nvContentPartPr>
+                <p14:cNvPr id="11" name="Ink 10">
+                  <a:extLst>
+                    <a:ext uri="{FF2B5EF4-FFF2-40B4-BE49-F238E27FC236}">
+                      <a16:creationId xmlns:a16="http://schemas.microsoft.com/office/drawing/2014/main" id="{D2AB8E16-9CD4-4212-BFF0-66E56B50065D}"/>
+                    </a:ext>
+                  </a:extLst>
+                </p14:cNvPr>
+                <p14:cNvContentPartPr/>
+                <p14:nvPr/>
+              </p14:nvContentPartPr>
+              <p14:xfrm>
+                <a:off x="2578249" y="2941819"/>
+                <a:ext cx="93240" cy="175320"/>
+              </p14:xfrm>
+            </p:contentPart>
+          </mc:Choice>
+          <mc:Fallback>
+            <p:pic>
+              <p:nvPicPr>
+                <p:cNvPr id="11" name="Ink 10">
+                  <a:extLst>
+                    <a:ext uri="{FF2B5EF4-FFF2-40B4-BE49-F238E27FC236}">
+                      <a16:creationId xmlns:a16="http://schemas.microsoft.com/office/drawing/2014/main" id="{D2AB8E16-9CD4-4212-BFF0-66E56B50065D}"/>
+                    </a:ext>
+                  </a:extLst>
+                </p:cNvPr>
+                <p:cNvPicPr/>
+                <p:nvPr/>
+              </p:nvPicPr>
+              <p:blipFill>
+                <a:blip r:embed="rId15"/>
+                <a:stretch>
+                  <a:fillRect/>
+                </a:stretch>
+              </p:blipFill>
+              <p:spPr>
+                <a:xfrm>
+                  <a:off x="2569609" y="2933179"/>
+                  <a:ext cx="110880" cy="192960"/>
+                </a:xfrm>
+                <a:prstGeom prst="rect">
+                  <a:avLst/>
+                </a:prstGeom>
+              </p:spPr>
+            </p:pic>
+          </mc:Fallback>
+        </mc:AlternateContent>
+        <mc:AlternateContent xmlns:mc="http://schemas.openxmlformats.org/markup-compatibility/2006">
+          <mc:Choice xmlns:p14="http://schemas.microsoft.com/office/powerpoint/2010/main" Requires="p14">
+            <p:contentPart p14:bwMode="auto" r:id="rId16">
+              <p14:nvContentPartPr>
+                <p14:cNvPr id="12" name="Ink 11">
+                  <a:extLst>
+                    <a:ext uri="{FF2B5EF4-FFF2-40B4-BE49-F238E27FC236}">
+                      <a16:creationId xmlns:a16="http://schemas.microsoft.com/office/drawing/2014/main" id="{B4CCE2C0-A95E-4B33-9DD0-9302962031DA}"/>
+                    </a:ext>
+                  </a:extLst>
+                </p14:cNvPr>
+                <p14:cNvContentPartPr/>
+                <p14:nvPr/>
+              </p14:nvContentPartPr>
+              <p14:xfrm>
+                <a:off x="2715049" y="2802499"/>
+                <a:ext cx="94680" cy="181800"/>
+              </p14:xfrm>
+            </p:contentPart>
+          </mc:Choice>
+          <mc:Fallback>
+            <p:pic>
+              <p:nvPicPr>
+                <p:cNvPr id="12" name="Ink 11">
+                  <a:extLst>
+                    <a:ext uri="{FF2B5EF4-FFF2-40B4-BE49-F238E27FC236}">
+                      <a16:creationId xmlns:a16="http://schemas.microsoft.com/office/drawing/2014/main" id="{B4CCE2C0-A95E-4B33-9DD0-9302962031DA}"/>
+                    </a:ext>
+                  </a:extLst>
+                </p:cNvPr>
+                <p:cNvPicPr/>
+                <p:nvPr/>
+              </p:nvPicPr>
+              <p:blipFill>
+                <a:blip r:embed="rId17"/>
+                <a:stretch>
+                  <a:fillRect/>
+                </a:stretch>
+              </p:blipFill>
+              <p:spPr>
+                <a:xfrm>
+                  <a:off x="2706049" y="2793499"/>
+                  <a:ext cx="112320" cy="199440"/>
+                </a:xfrm>
+                <a:prstGeom prst="rect">
+                  <a:avLst/>
+                </a:prstGeom>
+              </p:spPr>
+            </p:pic>
+          </mc:Fallback>
+        </mc:AlternateContent>
+        <mc:AlternateContent xmlns:mc="http://schemas.openxmlformats.org/markup-compatibility/2006">
+          <mc:Choice xmlns:p14="http://schemas.microsoft.com/office/powerpoint/2010/main" Requires="p14">
+            <p:contentPart p14:bwMode="auto" r:id="rId18">
+              <p14:nvContentPartPr>
+                <p14:cNvPr id="13" name="Ink 12">
+                  <a:extLst>
+                    <a:ext uri="{FF2B5EF4-FFF2-40B4-BE49-F238E27FC236}">
+                      <a16:creationId xmlns:a16="http://schemas.microsoft.com/office/drawing/2014/main" id="{90193BF0-7DDB-4F1A-A696-9458E73245C9}"/>
+                    </a:ext>
+                  </a:extLst>
+                </p14:cNvPr>
+                <p14:cNvContentPartPr/>
+                <p14:nvPr/>
+              </p14:nvContentPartPr>
+              <p14:xfrm>
+                <a:off x="2828809" y="2805379"/>
+                <a:ext cx="109080" cy="175680"/>
+              </p14:xfrm>
+            </p:contentPart>
+          </mc:Choice>
+          <mc:Fallback>
+            <p:pic>
+              <p:nvPicPr>
+                <p:cNvPr id="13" name="Ink 12">
+                  <a:extLst>
+                    <a:ext uri="{FF2B5EF4-FFF2-40B4-BE49-F238E27FC236}">
+                      <a16:creationId xmlns:a16="http://schemas.microsoft.com/office/drawing/2014/main" id="{90193BF0-7DDB-4F1A-A696-9458E73245C9}"/>
+                    </a:ext>
+                  </a:extLst>
+                </p:cNvPr>
+                <p:cNvPicPr/>
+                <p:nvPr/>
+              </p:nvPicPr>
+              <p:blipFill>
+                <a:blip r:embed="rId19"/>
+                <a:stretch>
+                  <a:fillRect/>
+                </a:stretch>
+              </p:blipFill>
+              <p:spPr>
+                <a:xfrm>
+                  <a:off x="2819809" y="2796739"/>
+                  <a:ext cx="126720" cy="193320"/>
+                </a:xfrm>
+                <a:prstGeom prst="rect">
+                  <a:avLst/>
+                </a:prstGeom>
+              </p:spPr>
+            </p:pic>
+          </mc:Fallback>
+        </mc:AlternateContent>
+        <mc:AlternateContent xmlns:mc="http://schemas.openxmlformats.org/markup-compatibility/2006">
+          <mc:Choice xmlns:p14="http://schemas.microsoft.com/office/powerpoint/2010/main" Requires="p14">
+            <p:contentPart p14:bwMode="auto" r:id="rId20">
+              <p14:nvContentPartPr>
+                <p14:cNvPr id="14" name="Ink 13">
+                  <a:extLst>
+                    <a:ext uri="{FF2B5EF4-FFF2-40B4-BE49-F238E27FC236}">
+                      <a16:creationId xmlns:a16="http://schemas.microsoft.com/office/drawing/2014/main" id="{C7F8BEBD-96F0-4570-8EFA-8FEFCB1FD1E3}"/>
+                    </a:ext>
+                  </a:extLst>
+                </p14:cNvPr>
+                <p14:cNvContentPartPr/>
+                <p14:nvPr/>
+              </p14:nvContentPartPr>
+              <p14:xfrm>
+                <a:off x="3240289" y="2852179"/>
+                <a:ext cx="264600" cy="144720"/>
+              </p14:xfrm>
+            </p:contentPart>
+          </mc:Choice>
+          <mc:Fallback>
+            <p:pic>
+              <p:nvPicPr>
+                <p:cNvPr id="14" name="Ink 13">
+                  <a:extLst>
+                    <a:ext uri="{FF2B5EF4-FFF2-40B4-BE49-F238E27FC236}">
+                      <a16:creationId xmlns:a16="http://schemas.microsoft.com/office/drawing/2014/main" id="{C7F8BEBD-96F0-4570-8EFA-8FEFCB1FD1E3}"/>
+                    </a:ext>
+                  </a:extLst>
+                </p:cNvPr>
+                <p:cNvPicPr/>
+                <p:nvPr/>
+              </p:nvPicPr>
+              <p:blipFill>
+                <a:blip r:embed="rId21"/>
+                <a:stretch>
+                  <a:fillRect/>
+                </a:stretch>
+              </p:blipFill>
+              <p:spPr>
+                <a:xfrm>
+                  <a:off x="3231649" y="2843179"/>
+                  <a:ext cx="282240" cy="162360"/>
+                </a:xfrm>
+                <a:prstGeom prst="rect">
+                  <a:avLst/>
+                </a:prstGeom>
+              </p:spPr>
+            </p:pic>
+          </mc:Fallback>
+        </mc:AlternateContent>
+        <mc:AlternateContent xmlns:mc="http://schemas.openxmlformats.org/markup-compatibility/2006">
+          <mc:Choice xmlns:p14="http://schemas.microsoft.com/office/powerpoint/2010/main" Requires="p14">
+            <p:contentPart p14:bwMode="auto" r:id="rId22">
+              <p14:nvContentPartPr>
+                <p14:cNvPr id="15" name="Ink 14">
+                  <a:extLst>
+                    <a:ext uri="{FF2B5EF4-FFF2-40B4-BE49-F238E27FC236}">
+                      <a16:creationId xmlns:a16="http://schemas.microsoft.com/office/drawing/2014/main" id="{DB33D24B-8894-4D89-A523-D487D74127D2}"/>
+                    </a:ext>
+                  </a:extLst>
+                </p14:cNvPr>
+                <p14:cNvContentPartPr/>
+                <p14:nvPr/>
+              </p14:nvContentPartPr>
+              <p14:xfrm>
+                <a:off x="3534409" y="2852899"/>
+                <a:ext cx="99720" cy="128520"/>
+              </p14:xfrm>
+            </p:contentPart>
+          </mc:Choice>
+          <mc:Fallback>
+            <p:pic>
+              <p:nvPicPr>
+                <p:cNvPr id="15" name="Ink 14">
+                  <a:extLst>
+                    <a:ext uri="{FF2B5EF4-FFF2-40B4-BE49-F238E27FC236}">
+                      <a16:creationId xmlns:a16="http://schemas.microsoft.com/office/drawing/2014/main" id="{DB33D24B-8894-4D89-A523-D487D74127D2}"/>
+                    </a:ext>
+                  </a:extLst>
+                </p:cNvPr>
+                <p:cNvPicPr/>
+                <p:nvPr/>
+              </p:nvPicPr>
+              <p:blipFill>
+                <a:blip r:embed="rId23"/>
+                <a:stretch>
+                  <a:fillRect/>
+                </a:stretch>
+              </p:blipFill>
+              <p:spPr>
+                <a:xfrm>
+                  <a:off x="3525409" y="2844259"/>
+                  <a:ext cx="117360" cy="146160"/>
+                </a:xfrm>
+                <a:prstGeom prst="rect">
+                  <a:avLst/>
+                </a:prstGeom>
+              </p:spPr>
+            </p:pic>
+          </mc:Fallback>
+        </mc:AlternateContent>
+        <mc:AlternateContent xmlns:mc="http://schemas.openxmlformats.org/markup-compatibility/2006">
+          <mc:Choice xmlns:p14="http://schemas.microsoft.com/office/powerpoint/2010/main" Requires="p14">
+            <p:contentPart p14:bwMode="auto" r:id="rId24">
+              <p14:nvContentPartPr>
+                <p14:cNvPr id="16" name="Ink 15">
+                  <a:extLst>
+                    <a:ext uri="{FF2B5EF4-FFF2-40B4-BE49-F238E27FC236}">
+                      <a16:creationId xmlns:a16="http://schemas.microsoft.com/office/drawing/2014/main" id="{BB495270-35F4-444A-983B-15704FA2F7CF}"/>
+                    </a:ext>
+                  </a:extLst>
+                </p14:cNvPr>
+                <p14:cNvContentPartPr/>
+                <p14:nvPr/>
+              </p14:nvContentPartPr>
+              <p14:xfrm>
+                <a:off x="3692449" y="2698459"/>
+                <a:ext cx="129960" cy="251640"/>
+              </p14:xfrm>
+            </p:contentPart>
+          </mc:Choice>
+          <mc:Fallback>
+            <p:pic>
+              <p:nvPicPr>
+                <p:cNvPr id="16" name="Ink 15">
+                  <a:extLst>
+                    <a:ext uri="{FF2B5EF4-FFF2-40B4-BE49-F238E27FC236}">
+                      <a16:creationId xmlns:a16="http://schemas.microsoft.com/office/drawing/2014/main" id="{BB495270-35F4-444A-983B-15704FA2F7CF}"/>
+                    </a:ext>
+                  </a:extLst>
+                </p:cNvPr>
+                <p:cNvPicPr/>
+                <p:nvPr/>
+              </p:nvPicPr>
+              <p:blipFill>
+                <a:blip r:embed="rId25"/>
+                <a:stretch>
+                  <a:fillRect/>
+                </a:stretch>
+              </p:blipFill>
+              <p:spPr>
+                <a:xfrm>
+                  <a:off x="3683809" y="2689459"/>
+                  <a:ext cx="147600" cy="269280"/>
+                </a:xfrm>
+                <a:prstGeom prst="rect">
+                  <a:avLst/>
+                </a:prstGeom>
+              </p:spPr>
+            </p:pic>
+          </mc:Fallback>
+        </mc:AlternateContent>
+        <mc:AlternateContent xmlns:mc="http://schemas.openxmlformats.org/markup-compatibility/2006">
+          <mc:Choice xmlns:p14="http://schemas.microsoft.com/office/powerpoint/2010/main" Requires="p14">
+            <p:contentPart p14:bwMode="auto" r:id="rId26">
+              <p14:nvContentPartPr>
+                <p14:cNvPr id="17" name="Ink 16">
+                  <a:extLst>
+                    <a:ext uri="{FF2B5EF4-FFF2-40B4-BE49-F238E27FC236}">
+                      <a16:creationId xmlns:a16="http://schemas.microsoft.com/office/drawing/2014/main" id="{14C54904-4577-42FD-9983-C7C8C4D3654D}"/>
+                    </a:ext>
+                  </a:extLst>
+                </p14:cNvPr>
+                <p14:cNvContentPartPr/>
+                <p14:nvPr/>
+              </p14:nvContentPartPr>
+              <p14:xfrm>
+                <a:off x="3844729" y="2696299"/>
+                <a:ext cx="150480" cy="228600"/>
+              </p14:xfrm>
+            </p:contentPart>
+          </mc:Choice>
+          <mc:Fallback>
+            <p:pic>
+              <p:nvPicPr>
+                <p:cNvPr id="17" name="Ink 16">
+                  <a:extLst>
+                    <a:ext uri="{FF2B5EF4-FFF2-40B4-BE49-F238E27FC236}">
+                      <a16:creationId xmlns:a16="http://schemas.microsoft.com/office/drawing/2014/main" id="{14C54904-4577-42FD-9983-C7C8C4D3654D}"/>
+                    </a:ext>
+                  </a:extLst>
+                </p:cNvPr>
+                <p:cNvPicPr/>
+                <p:nvPr/>
+              </p:nvPicPr>
+              <p:blipFill>
+                <a:blip r:embed="rId27"/>
+                <a:stretch>
+                  <a:fillRect/>
+                </a:stretch>
+              </p:blipFill>
+              <p:spPr>
+                <a:xfrm>
+                  <a:off x="3836089" y="2687659"/>
+                  <a:ext cx="168120" cy="246240"/>
+                </a:xfrm>
+                <a:prstGeom prst="rect">
+                  <a:avLst/>
+                </a:prstGeom>
+              </p:spPr>
+            </p:pic>
+          </mc:Fallback>
+        </mc:AlternateContent>
+        <mc:AlternateContent xmlns:mc="http://schemas.openxmlformats.org/markup-compatibility/2006">
+          <mc:Choice xmlns:p14="http://schemas.microsoft.com/office/powerpoint/2010/main" Requires="p14">
+            <p:contentPart p14:bwMode="auto" r:id="rId28">
+              <p14:nvContentPartPr>
+                <p14:cNvPr id="18" name="Ink 17">
+                  <a:extLst>
+                    <a:ext uri="{FF2B5EF4-FFF2-40B4-BE49-F238E27FC236}">
+                      <a16:creationId xmlns:a16="http://schemas.microsoft.com/office/drawing/2014/main" id="{C961E33E-3DE1-453E-8EB0-3FEA532D9518}"/>
+                    </a:ext>
+                  </a:extLst>
+                </p14:cNvPr>
+                <p14:cNvContentPartPr/>
+                <p14:nvPr/>
+              </p14:nvContentPartPr>
+              <p14:xfrm>
+                <a:off x="3984409" y="2865499"/>
+                <a:ext cx="48240" cy="59760"/>
+              </p14:xfrm>
+            </p:contentPart>
+          </mc:Choice>
+          <mc:Fallback>
+            <p:pic>
+              <p:nvPicPr>
+                <p:cNvPr id="18" name="Ink 17">
+                  <a:extLst>
+                    <a:ext uri="{FF2B5EF4-FFF2-40B4-BE49-F238E27FC236}">
+                      <a16:creationId xmlns:a16="http://schemas.microsoft.com/office/drawing/2014/main" id="{C961E33E-3DE1-453E-8EB0-3FEA532D9518}"/>
+                    </a:ext>
+                  </a:extLst>
+                </p:cNvPr>
+                <p:cNvPicPr/>
+                <p:nvPr/>
+              </p:nvPicPr>
+              <p:blipFill>
+                <a:blip r:embed="rId29"/>
+                <a:stretch>
+                  <a:fillRect/>
+                </a:stretch>
+              </p:blipFill>
+              <p:spPr>
+                <a:xfrm>
+                  <a:off x="3975409" y="2856499"/>
+                  <a:ext cx="65880" cy="77400"/>
+                </a:xfrm>
+                <a:prstGeom prst="rect">
+                  <a:avLst/>
+                </a:prstGeom>
+              </p:spPr>
+            </p:pic>
+          </mc:Fallback>
+        </mc:AlternateContent>
+        <mc:AlternateContent xmlns:mc="http://schemas.openxmlformats.org/markup-compatibility/2006">
+          <mc:Choice xmlns:p14="http://schemas.microsoft.com/office/powerpoint/2010/main" Requires="p14">
+            <p:contentPart p14:bwMode="auto" r:id="rId30">
+              <p14:nvContentPartPr>
+                <p14:cNvPr id="19" name="Ink 18">
+                  <a:extLst>
+                    <a:ext uri="{FF2B5EF4-FFF2-40B4-BE49-F238E27FC236}">
+                      <a16:creationId xmlns:a16="http://schemas.microsoft.com/office/drawing/2014/main" id="{6C027CB0-C93F-402C-A017-8BD148C51383}"/>
+                    </a:ext>
+                  </a:extLst>
+                </p14:cNvPr>
+                <p14:cNvContentPartPr/>
+                <p14:nvPr/>
+              </p14:nvContentPartPr>
+              <p14:xfrm>
+                <a:off x="4053889" y="2687299"/>
+                <a:ext cx="229320" cy="242640"/>
+              </p14:xfrm>
+            </p:contentPart>
+          </mc:Choice>
+          <mc:Fallback>
+            <p:pic>
+              <p:nvPicPr>
+                <p:cNvPr id="19" name="Ink 18">
+                  <a:extLst>
+                    <a:ext uri="{FF2B5EF4-FFF2-40B4-BE49-F238E27FC236}">
+                      <a16:creationId xmlns:a16="http://schemas.microsoft.com/office/drawing/2014/main" id="{6C027CB0-C93F-402C-A017-8BD148C51383}"/>
+                    </a:ext>
+                  </a:extLst>
+                </p:cNvPr>
+                <p:cNvPicPr/>
+                <p:nvPr/>
+              </p:nvPicPr>
+              <p:blipFill>
+                <a:blip r:embed="rId31"/>
+                <a:stretch>
+                  <a:fillRect/>
+                </a:stretch>
+              </p:blipFill>
+              <p:spPr>
+                <a:xfrm>
+                  <a:off x="4044889" y="2678659"/>
+                  <a:ext cx="246960" cy="260280"/>
+                </a:xfrm>
+                <a:prstGeom prst="rect">
+                  <a:avLst/>
+                </a:prstGeom>
+              </p:spPr>
+            </p:pic>
+          </mc:Fallback>
+        </mc:AlternateContent>
+        <mc:AlternateContent xmlns:mc="http://schemas.openxmlformats.org/markup-compatibility/2006">
+          <mc:Choice xmlns:p14="http://schemas.microsoft.com/office/powerpoint/2010/main" Requires="p14">
+            <p:contentPart p14:bwMode="auto" r:id="rId32">
+              <p14:nvContentPartPr>
+                <p14:cNvPr id="20" name="Ink 19">
+                  <a:extLst>
+                    <a:ext uri="{FF2B5EF4-FFF2-40B4-BE49-F238E27FC236}">
+                      <a16:creationId xmlns:a16="http://schemas.microsoft.com/office/drawing/2014/main" id="{53F311F3-A96C-42D3-80A2-3E005E0ED1F0}"/>
+                    </a:ext>
+                  </a:extLst>
+                </p14:cNvPr>
+                <p14:cNvContentPartPr/>
+                <p14:nvPr/>
+              </p14:nvContentPartPr>
+              <p14:xfrm>
+                <a:off x="4257289" y="2892139"/>
+                <a:ext cx="15840" cy="16560"/>
+              </p14:xfrm>
+            </p:contentPart>
+          </mc:Choice>
+          <mc:Fallback>
+            <p:pic>
+              <p:nvPicPr>
+                <p:cNvPr id="20" name="Ink 19">
+                  <a:extLst>
+                    <a:ext uri="{FF2B5EF4-FFF2-40B4-BE49-F238E27FC236}">
+                      <a16:creationId xmlns:a16="http://schemas.microsoft.com/office/drawing/2014/main" id="{53F311F3-A96C-42D3-80A2-3E005E0ED1F0}"/>
+                    </a:ext>
+                  </a:extLst>
+                </p:cNvPr>
+                <p:cNvPicPr/>
+                <p:nvPr/>
+              </p:nvPicPr>
+              <p:blipFill>
+                <a:blip r:embed="rId33"/>
+                <a:stretch>
+                  <a:fillRect/>
+                </a:stretch>
+              </p:blipFill>
+              <p:spPr>
+                <a:xfrm>
+                  <a:off x="4248289" y="2883139"/>
+                  <a:ext cx="33480" cy="34200"/>
+                </a:xfrm>
+                <a:prstGeom prst="rect">
+                  <a:avLst/>
+                </a:prstGeom>
+              </p:spPr>
+            </p:pic>
+          </mc:Fallback>
+        </mc:AlternateContent>
+      </p:grpSp>
+      <p:grpSp>
+        <p:nvGrpSpPr>
+          <p:cNvPr id="28" name="Group 27">
+            <a:extLst>
+              <a:ext uri="{FF2B5EF4-FFF2-40B4-BE49-F238E27FC236}">
+                <a16:creationId xmlns:a16="http://schemas.microsoft.com/office/drawing/2014/main" id="{61517436-082D-4412-AE04-1B2431794F45}"/>
+              </a:ext>
+            </a:extLst>
+          </p:cNvPr>
+          <p:cNvGrpSpPr/>
+          <p:nvPr/>
+        </p:nvGrpSpPr>
+        <p:grpSpPr>
+          <a:xfrm>
+            <a:off x="2265049" y="3289579"/>
+            <a:ext cx="715320" cy="342720"/>
+            <a:chOff x="2265049" y="3289579"/>
+            <a:chExt cx="715320" cy="342720"/>
+          </a:xfrm>
+        </p:grpSpPr>
+        <mc:AlternateContent xmlns:mc="http://schemas.openxmlformats.org/markup-compatibility/2006">
+          <mc:Choice xmlns:p14="http://schemas.microsoft.com/office/powerpoint/2010/main" Requires="p14">
+            <p:contentPart p14:bwMode="auto" r:id="rId34">
+              <p14:nvContentPartPr>
+                <p14:cNvPr id="22" name="Ink 21">
+                  <a:extLst>
+                    <a:ext uri="{FF2B5EF4-FFF2-40B4-BE49-F238E27FC236}">
+                      <a16:creationId xmlns:a16="http://schemas.microsoft.com/office/drawing/2014/main" id="{8DEB453B-8A83-40BD-806B-4F1FA79D45DC}"/>
+                    </a:ext>
+                  </a:extLst>
+                </p14:cNvPr>
+                <p14:cNvContentPartPr/>
+                <p14:nvPr/>
+              </p14:nvContentPartPr>
+              <p14:xfrm>
+                <a:off x="2265049" y="3289579"/>
+                <a:ext cx="43560" cy="277560"/>
+              </p14:xfrm>
+            </p:contentPart>
+          </mc:Choice>
+          <mc:Fallback>
+            <p:pic>
+              <p:nvPicPr>
+                <p:cNvPr id="22" name="Ink 21">
+                  <a:extLst>
+                    <a:ext uri="{FF2B5EF4-FFF2-40B4-BE49-F238E27FC236}">
+                      <a16:creationId xmlns:a16="http://schemas.microsoft.com/office/drawing/2014/main" id="{8DEB453B-8A83-40BD-806B-4F1FA79D45DC}"/>
+                    </a:ext>
+                  </a:extLst>
+                </p:cNvPr>
+                <p:cNvPicPr/>
+                <p:nvPr/>
+              </p:nvPicPr>
+              <p:blipFill>
+                <a:blip r:embed="rId35"/>
+                <a:stretch>
+                  <a:fillRect/>
+                </a:stretch>
+              </p:blipFill>
+              <p:spPr>
+                <a:xfrm>
+                  <a:off x="2256409" y="3280579"/>
+                  <a:ext cx="61200" cy="295200"/>
+                </a:xfrm>
+                <a:prstGeom prst="rect">
+                  <a:avLst/>
+                </a:prstGeom>
+              </p:spPr>
+            </p:pic>
+          </mc:Fallback>
+        </mc:AlternateContent>
+        <mc:AlternateContent xmlns:mc="http://schemas.openxmlformats.org/markup-compatibility/2006">
+          <mc:Choice xmlns:p14="http://schemas.microsoft.com/office/powerpoint/2010/main" Requires="p14">
+            <p:contentPart p14:bwMode="auto" r:id="rId36">
+              <p14:nvContentPartPr>
+                <p14:cNvPr id="23" name="Ink 22">
+                  <a:extLst>
+                    <a:ext uri="{FF2B5EF4-FFF2-40B4-BE49-F238E27FC236}">
+                      <a16:creationId xmlns:a16="http://schemas.microsoft.com/office/drawing/2014/main" id="{9CC4CE0A-385F-4D03-9BFD-E759D2ACC6F8}"/>
+                    </a:ext>
+                  </a:extLst>
+                </p14:cNvPr>
+                <p14:cNvContentPartPr/>
+                <p14:nvPr/>
+              </p14:nvContentPartPr>
+              <p14:xfrm>
+                <a:off x="2326609" y="3432859"/>
+                <a:ext cx="80640" cy="119160"/>
+              </p14:xfrm>
+            </p:contentPart>
+          </mc:Choice>
+          <mc:Fallback>
+            <p:pic>
+              <p:nvPicPr>
+                <p:cNvPr id="23" name="Ink 22">
+                  <a:extLst>
+                    <a:ext uri="{FF2B5EF4-FFF2-40B4-BE49-F238E27FC236}">
+                      <a16:creationId xmlns:a16="http://schemas.microsoft.com/office/drawing/2014/main" id="{9CC4CE0A-385F-4D03-9BFD-E759D2ACC6F8}"/>
+                    </a:ext>
+                  </a:extLst>
+                </p:cNvPr>
+                <p:cNvPicPr/>
+                <p:nvPr/>
+              </p:nvPicPr>
+              <p:blipFill>
+                <a:blip r:embed="rId37"/>
+                <a:stretch>
+                  <a:fillRect/>
+                </a:stretch>
+              </p:blipFill>
+              <p:spPr>
+                <a:xfrm>
+                  <a:off x="2317969" y="3423859"/>
+                  <a:ext cx="98280" cy="136800"/>
+                </a:xfrm>
+                <a:prstGeom prst="rect">
+                  <a:avLst/>
+                </a:prstGeom>
+              </p:spPr>
+            </p:pic>
+          </mc:Fallback>
+        </mc:AlternateContent>
+        <mc:AlternateContent xmlns:mc="http://schemas.openxmlformats.org/markup-compatibility/2006">
+          <mc:Choice xmlns:p14="http://schemas.microsoft.com/office/powerpoint/2010/main" Requires="p14">
+            <p:contentPart p14:bwMode="auto" r:id="rId38">
+              <p14:nvContentPartPr>
+                <p14:cNvPr id="24" name="Ink 23">
+                  <a:extLst>
+                    <a:ext uri="{FF2B5EF4-FFF2-40B4-BE49-F238E27FC236}">
+                      <a16:creationId xmlns:a16="http://schemas.microsoft.com/office/drawing/2014/main" id="{4CB3FE0E-65CF-47E9-A811-26E48D43F5B0}"/>
+                    </a:ext>
+                  </a:extLst>
+                </p14:cNvPr>
+                <p14:cNvContentPartPr/>
+                <p14:nvPr/>
+              </p14:nvContentPartPr>
+              <p14:xfrm>
+                <a:off x="2444689" y="3424939"/>
+                <a:ext cx="147960" cy="124920"/>
+              </p14:xfrm>
+            </p:contentPart>
+          </mc:Choice>
+          <mc:Fallback>
+            <p:pic>
+              <p:nvPicPr>
+                <p:cNvPr id="24" name="Ink 23">
+                  <a:extLst>
+                    <a:ext uri="{FF2B5EF4-FFF2-40B4-BE49-F238E27FC236}">
+                      <a16:creationId xmlns:a16="http://schemas.microsoft.com/office/drawing/2014/main" id="{4CB3FE0E-65CF-47E9-A811-26E48D43F5B0}"/>
+                    </a:ext>
+                  </a:extLst>
+                </p:cNvPr>
+                <p:cNvPicPr/>
+                <p:nvPr/>
+              </p:nvPicPr>
+              <p:blipFill>
+                <a:blip r:embed="rId39"/>
+                <a:stretch>
+                  <a:fillRect/>
+                </a:stretch>
+              </p:blipFill>
+              <p:spPr>
+                <a:xfrm>
+                  <a:off x="2436049" y="3415939"/>
+                  <a:ext cx="165600" cy="142560"/>
+                </a:xfrm>
+                <a:prstGeom prst="rect">
+                  <a:avLst/>
+                </a:prstGeom>
+              </p:spPr>
+            </p:pic>
+          </mc:Fallback>
+        </mc:AlternateContent>
+        <mc:AlternateContent xmlns:mc="http://schemas.openxmlformats.org/markup-compatibility/2006">
+          <mc:Choice xmlns:p14="http://schemas.microsoft.com/office/powerpoint/2010/main" Requires="p14">
+            <p:contentPart p14:bwMode="auto" r:id="rId40">
+              <p14:nvContentPartPr>
+                <p14:cNvPr id="25" name="Ink 24">
+                  <a:extLst>
+                    <a:ext uri="{FF2B5EF4-FFF2-40B4-BE49-F238E27FC236}">
+                      <a16:creationId xmlns:a16="http://schemas.microsoft.com/office/drawing/2014/main" id="{3DA9807A-1F49-47F0-A710-C3ACD7823871}"/>
+                    </a:ext>
+                  </a:extLst>
+                </p14:cNvPr>
+                <p14:cNvContentPartPr/>
+                <p14:nvPr/>
+              </p14:nvContentPartPr>
+              <p14:xfrm>
+                <a:off x="2614609" y="3433219"/>
+                <a:ext cx="69120" cy="199080"/>
+              </p14:xfrm>
+            </p:contentPart>
+          </mc:Choice>
+          <mc:Fallback>
+            <p:pic>
+              <p:nvPicPr>
+                <p:cNvPr id="25" name="Ink 24">
+                  <a:extLst>
+                    <a:ext uri="{FF2B5EF4-FFF2-40B4-BE49-F238E27FC236}">
+                      <a16:creationId xmlns:a16="http://schemas.microsoft.com/office/drawing/2014/main" id="{3DA9807A-1F49-47F0-A710-C3ACD7823871}"/>
+                    </a:ext>
+                  </a:extLst>
+                </p:cNvPr>
+                <p:cNvPicPr/>
+                <p:nvPr/>
+              </p:nvPicPr>
+              <p:blipFill>
+                <a:blip r:embed="rId41"/>
+                <a:stretch>
+                  <a:fillRect/>
+                </a:stretch>
+              </p:blipFill>
+              <p:spPr>
+                <a:xfrm>
+                  <a:off x="2605969" y="3424219"/>
+                  <a:ext cx="86760" cy="216720"/>
+                </a:xfrm>
+                <a:prstGeom prst="rect">
+                  <a:avLst/>
+                </a:prstGeom>
+              </p:spPr>
+            </p:pic>
+          </mc:Fallback>
+        </mc:AlternateContent>
+        <mc:AlternateContent xmlns:mc="http://schemas.openxmlformats.org/markup-compatibility/2006">
+          <mc:Choice xmlns:p14="http://schemas.microsoft.com/office/powerpoint/2010/main" Requires="p14">
+            <p:contentPart p14:bwMode="auto" r:id="rId42">
+              <p14:nvContentPartPr>
+                <p14:cNvPr id="26" name="Ink 25">
+                  <a:extLst>
+                    <a:ext uri="{FF2B5EF4-FFF2-40B4-BE49-F238E27FC236}">
+                      <a16:creationId xmlns:a16="http://schemas.microsoft.com/office/drawing/2014/main" id="{F14B8A5B-A486-4420-95AC-C7595620DD19}"/>
+                    </a:ext>
+                  </a:extLst>
+                </p14:cNvPr>
+                <p14:cNvContentPartPr/>
+                <p14:nvPr/>
+              </p14:nvContentPartPr>
+              <p14:xfrm>
+                <a:off x="2746369" y="3304339"/>
+                <a:ext cx="103680" cy="203040"/>
+              </p14:xfrm>
+            </p:contentPart>
+          </mc:Choice>
+          <mc:Fallback>
+            <p:pic>
+              <p:nvPicPr>
+                <p:cNvPr id="26" name="Ink 25">
+                  <a:extLst>
+                    <a:ext uri="{FF2B5EF4-FFF2-40B4-BE49-F238E27FC236}">
+                      <a16:creationId xmlns:a16="http://schemas.microsoft.com/office/drawing/2014/main" id="{F14B8A5B-A486-4420-95AC-C7595620DD19}"/>
+                    </a:ext>
+                  </a:extLst>
+                </p:cNvPr>
+                <p:cNvPicPr/>
+                <p:nvPr/>
+              </p:nvPicPr>
+              <p:blipFill>
+                <a:blip r:embed="rId43"/>
+                <a:stretch>
+                  <a:fillRect/>
+                </a:stretch>
+              </p:blipFill>
+              <p:spPr>
+                <a:xfrm>
+                  <a:off x="2737729" y="3295699"/>
+                  <a:ext cx="121320" cy="220680"/>
+                </a:xfrm>
+                <a:prstGeom prst="rect">
+                  <a:avLst/>
+                </a:prstGeom>
+              </p:spPr>
+            </p:pic>
+          </mc:Fallback>
+        </mc:AlternateContent>
+        <mc:AlternateContent xmlns:mc="http://schemas.openxmlformats.org/markup-compatibility/2006">
+          <mc:Choice xmlns:p14="http://schemas.microsoft.com/office/powerpoint/2010/main" Requires="p14">
+            <p:contentPart p14:bwMode="auto" r:id="rId44">
+              <p14:nvContentPartPr>
+                <p14:cNvPr id="27" name="Ink 26">
+                  <a:extLst>
+                    <a:ext uri="{FF2B5EF4-FFF2-40B4-BE49-F238E27FC236}">
+                      <a16:creationId xmlns:a16="http://schemas.microsoft.com/office/drawing/2014/main" id="{30D68790-C39D-4ACB-8DA1-E6992F9E8FC7}"/>
+                    </a:ext>
+                  </a:extLst>
+                </p14:cNvPr>
+                <p14:cNvContentPartPr/>
+                <p14:nvPr/>
+              </p14:nvContentPartPr>
+              <p14:xfrm>
+                <a:off x="2860489" y="3305059"/>
+                <a:ext cx="119880" cy="183240"/>
+              </p14:xfrm>
+            </p:contentPart>
+          </mc:Choice>
+          <mc:Fallback>
+            <p:pic>
+              <p:nvPicPr>
+                <p:cNvPr id="27" name="Ink 26">
+                  <a:extLst>
+                    <a:ext uri="{FF2B5EF4-FFF2-40B4-BE49-F238E27FC236}">
+                      <a16:creationId xmlns:a16="http://schemas.microsoft.com/office/drawing/2014/main" id="{30D68790-C39D-4ACB-8DA1-E6992F9E8FC7}"/>
+                    </a:ext>
+                  </a:extLst>
+                </p:cNvPr>
+                <p:cNvPicPr/>
+                <p:nvPr/>
+              </p:nvPicPr>
+              <p:blipFill>
+                <a:blip r:embed="rId45"/>
+                <a:stretch>
+                  <a:fillRect/>
+                </a:stretch>
+              </p:blipFill>
+              <p:spPr>
+                <a:xfrm>
+                  <a:off x="2851489" y="3296059"/>
+                  <a:ext cx="137520" cy="200880"/>
+                </a:xfrm>
+                <a:prstGeom prst="rect">
+                  <a:avLst/>
+                </a:prstGeom>
+              </p:spPr>
+            </p:pic>
+          </mc:Fallback>
+        </mc:AlternateContent>
+      </p:grpSp>
+      <mc:AlternateContent xmlns:mc="http://schemas.openxmlformats.org/markup-compatibility/2006">
+        <mc:Choice xmlns:p14="http://schemas.microsoft.com/office/powerpoint/2010/main" Requires="p14">
+          <p:contentPart p14:bwMode="auto" r:id="rId46">
+            <p14:nvContentPartPr>
+              <p14:cNvPr id="29" name="Ink 28">
+                <a:extLst>
+                  <a:ext uri="{FF2B5EF4-FFF2-40B4-BE49-F238E27FC236}">
+                    <a16:creationId xmlns:a16="http://schemas.microsoft.com/office/drawing/2014/main" id="{CBE34204-3EC9-4DE7-BE24-6F7ABB9E848F}"/>
+                  </a:ext>
+                </a:extLst>
+              </p14:cNvPr>
+              <p14:cNvContentPartPr/>
+              <p14:nvPr/>
+            </p14:nvContentPartPr>
+            <p14:xfrm>
+              <a:off x="1681129" y="3391819"/>
+              <a:ext cx="303480" cy="136080"/>
+            </p14:xfrm>
+          </p:contentPart>
+        </mc:Choice>
+        <mc:Fallback>
+          <p:pic>
+            <p:nvPicPr>
+              <p:cNvPr id="29" name="Ink 28">
+                <a:extLst>
+                  <a:ext uri="{FF2B5EF4-FFF2-40B4-BE49-F238E27FC236}">
+                    <a16:creationId xmlns:a16="http://schemas.microsoft.com/office/drawing/2014/main" id="{CBE34204-3EC9-4DE7-BE24-6F7ABB9E848F}"/>
+                  </a:ext>
+                </a:extLst>
+              </p:cNvPr>
+              <p:cNvPicPr/>
+              <p:nvPr/>
+            </p:nvPicPr>
+            <p:blipFill>
+              <a:blip r:embed="rId47"/>
+              <a:stretch>
+                <a:fillRect/>
+              </a:stretch>
+            </p:blipFill>
+            <p:spPr>
+              <a:xfrm>
+                <a:off x="1672129" y="3382819"/>
+                <a:ext cx="321120" cy="153720"/>
+              </a:xfrm>
+              <a:prstGeom prst="rect">
+                <a:avLst/>
+              </a:prstGeom>
+            </p:spPr>
+          </p:pic>
+        </mc:Fallback>
+      </mc:AlternateContent>
+      <mc:AlternateContent xmlns:mc="http://schemas.openxmlformats.org/markup-compatibility/2006">
+        <mc:Choice xmlns:p14="http://schemas.microsoft.com/office/powerpoint/2010/main" Requires="p14">
+          <p:contentPart p14:bwMode="auto" r:id="rId48">
+            <p14:nvContentPartPr>
+              <p14:cNvPr id="30" name="Ink 29">
+                <a:extLst>
+                  <a:ext uri="{FF2B5EF4-FFF2-40B4-BE49-F238E27FC236}">
+                    <a16:creationId xmlns:a16="http://schemas.microsoft.com/office/drawing/2014/main" id="{EE2D63F7-621A-4085-8949-E6915D9C7ED5}"/>
+                  </a:ext>
+                </a:extLst>
+              </p14:cNvPr>
+              <p14:cNvContentPartPr/>
+              <p14:nvPr/>
+            </p14:nvContentPartPr>
+            <p14:xfrm>
+              <a:off x="3197809" y="3378859"/>
+              <a:ext cx="275760" cy="147240"/>
+            </p14:xfrm>
+          </p:contentPart>
+        </mc:Choice>
+        <mc:Fallback>
+          <p:pic>
+            <p:nvPicPr>
+              <p:cNvPr id="30" name="Ink 29">
+                <a:extLst>
+                  <a:ext uri="{FF2B5EF4-FFF2-40B4-BE49-F238E27FC236}">
+                    <a16:creationId xmlns:a16="http://schemas.microsoft.com/office/drawing/2014/main" id="{EE2D63F7-621A-4085-8949-E6915D9C7ED5}"/>
+                  </a:ext>
+                </a:extLst>
+              </p:cNvPr>
+              <p:cNvPicPr/>
+              <p:nvPr/>
+            </p:nvPicPr>
+            <p:blipFill>
+              <a:blip r:embed="rId49"/>
+              <a:stretch>
+                <a:fillRect/>
+              </a:stretch>
+            </p:blipFill>
+            <p:spPr>
+              <a:xfrm>
+                <a:off x="3189169" y="3369859"/>
+                <a:ext cx="293400" cy="164880"/>
+              </a:xfrm>
+              <a:prstGeom prst="rect">
+                <a:avLst/>
+              </a:prstGeom>
+            </p:spPr>
+          </p:pic>
+        </mc:Fallback>
+      </mc:AlternateContent>
+      <p:grpSp>
+        <p:nvGrpSpPr>
+          <p:cNvPr id="33" name="Group 32">
+            <a:extLst>
+              <a:ext uri="{FF2B5EF4-FFF2-40B4-BE49-F238E27FC236}">
+                <a16:creationId xmlns:a16="http://schemas.microsoft.com/office/drawing/2014/main" id="{191B8963-9F0B-4BD7-8F68-B40755DB0B13}"/>
+              </a:ext>
+            </a:extLst>
+          </p:cNvPr>
+          <p:cNvGrpSpPr/>
+          <p:nvPr/>
+        </p:nvGrpSpPr>
+        <p:grpSpPr>
+          <a:xfrm>
+            <a:off x="4719529" y="2733379"/>
+            <a:ext cx="292680" cy="166320"/>
+            <a:chOff x="4719529" y="2733379"/>
+            <a:chExt cx="292680" cy="166320"/>
+          </a:xfrm>
+        </p:grpSpPr>
+        <mc:AlternateContent xmlns:mc="http://schemas.openxmlformats.org/markup-compatibility/2006">
+          <mc:Choice xmlns:p14="http://schemas.microsoft.com/office/powerpoint/2010/main" Requires="p14">
+            <p:contentPart p14:bwMode="auto" r:id="rId50">
+              <p14:nvContentPartPr>
+                <p14:cNvPr id="31" name="Ink 30">
+                  <a:extLst>
+                    <a:ext uri="{FF2B5EF4-FFF2-40B4-BE49-F238E27FC236}">
+                      <a16:creationId xmlns:a16="http://schemas.microsoft.com/office/drawing/2014/main" id="{DFF8DAAF-B4CC-49B4-A4CD-B05BED868DC6}"/>
+                    </a:ext>
+                  </a:extLst>
+                </p14:cNvPr>
+                <p14:cNvContentPartPr/>
+                <p14:nvPr/>
+              </p14:nvContentPartPr>
+              <p14:xfrm>
+                <a:off x="4719529" y="2733379"/>
+                <a:ext cx="149400" cy="166320"/>
+              </p14:xfrm>
+            </p:contentPart>
+          </mc:Choice>
+          <mc:Fallback>
+            <p:pic>
+              <p:nvPicPr>
+                <p:cNvPr id="31" name="Ink 30">
+                  <a:extLst>
+                    <a:ext uri="{FF2B5EF4-FFF2-40B4-BE49-F238E27FC236}">
+                      <a16:creationId xmlns:a16="http://schemas.microsoft.com/office/drawing/2014/main" id="{DFF8DAAF-B4CC-49B4-A4CD-B05BED868DC6}"/>
+                    </a:ext>
+                  </a:extLst>
+                </p:cNvPr>
+                <p:cNvPicPr/>
+                <p:nvPr/>
+              </p:nvPicPr>
+              <p:blipFill>
+                <a:blip r:embed="rId51"/>
+                <a:stretch>
+                  <a:fillRect/>
+                </a:stretch>
+              </p:blipFill>
+              <p:spPr>
+                <a:xfrm>
+                  <a:off x="4710529" y="2724739"/>
+                  <a:ext cx="167040" cy="183960"/>
+                </a:xfrm>
+                <a:prstGeom prst="rect">
+                  <a:avLst/>
+                </a:prstGeom>
+              </p:spPr>
+            </p:pic>
+          </mc:Fallback>
+        </mc:AlternateContent>
+        <mc:AlternateContent xmlns:mc="http://schemas.openxmlformats.org/markup-compatibility/2006">
+          <mc:Choice xmlns:p14="http://schemas.microsoft.com/office/powerpoint/2010/main" Requires="p14">
+            <p:contentPart p14:bwMode="auto" r:id="rId52">
+              <p14:nvContentPartPr>
+                <p14:cNvPr id="32" name="Ink 31">
+                  <a:extLst>
+                    <a:ext uri="{FF2B5EF4-FFF2-40B4-BE49-F238E27FC236}">
+                      <a16:creationId xmlns:a16="http://schemas.microsoft.com/office/drawing/2014/main" id="{A47DDB02-934A-457C-9D64-93A71361D54E}"/>
+                    </a:ext>
+                  </a:extLst>
+                </p14:cNvPr>
+                <p14:cNvContentPartPr/>
+                <p14:nvPr/>
+              </p14:nvContentPartPr>
+              <p14:xfrm>
+                <a:off x="4907449" y="2757139"/>
+                <a:ext cx="104760" cy="120960"/>
+              </p14:xfrm>
+            </p:contentPart>
+          </mc:Choice>
+          <mc:Fallback>
+            <p:pic>
+              <p:nvPicPr>
+                <p:cNvPr id="32" name="Ink 31">
+                  <a:extLst>
+                    <a:ext uri="{FF2B5EF4-FFF2-40B4-BE49-F238E27FC236}">
+                      <a16:creationId xmlns:a16="http://schemas.microsoft.com/office/drawing/2014/main" id="{A47DDB02-934A-457C-9D64-93A71361D54E}"/>
+                    </a:ext>
+                  </a:extLst>
+                </p:cNvPr>
+                <p:cNvPicPr/>
+                <p:nvPr/>
+              </p:nvPicPr>
+              <p:blipFill>
+                <a:blip r:embed="rId53"/>
+                <a:stretch>
+                  <a:fillRect/>
+                </a:stretch>
+              </p:blipFill>
+              <p:spPr>
+                <a:xfrm>
+                  <a:off x="4898449" y="2748139"/>
+                  <a:ext cx="122400" cy="138600"/>
+                </a:xfrm>
+                <a:prstGeom prst="rect">
+                  <a:avLst/>
+                </a:prstGeom>
+              </p:spPr>
+            </p:pic>
+          </mc:Fallback>
+        </mc:AlternateContent>
+      </p:grpSp>
+      <p:grpSp>
+        <p:nvGrpSpPr>
+          <p:cNvPr id="46" name="Group 45">
+            <a:extLst>
+              <a:ext uri="{FF2B5EF4-FFF2-40B4-BE49-F238E27FC236}">
+                <a16:creationId xmlns:a16="http://schemas.microsoft.com/office/drawing/2014/main" id="{408E7C69-C657-48FB-B3B4-EA7149E0C819}"/>
+              </a:ext>
+            </a:extLst>
+          </p:cNvPr>
+          <p:cNvGrpSpPr/>
+          <p:nvPr/>
+        </p:nvGrpSpPr>
+        <p:grpSpPr>
+          <a:xfrm>
+            <a:off x="3839329" y="3275539"/>
+            <a:ext cx="683280" cy="294120"/>
+            <a:chOff x="3839329" y="3275539"/>
+            <a:chExt cx="683280" cy="294120"/>
+          </a:xfrm>
+        </p:grpSpPr>
+        <mc:AlternateContent xmlns:mc="http://schemas.openxmlformats.org/markup-compatibility/2006">
+          <mc:Choice xmlns:p14="http://schemas.microsoft.com/office/powerpoint/2010/main" Requires="p14">
+            <p:contentPart p14:bwMode="auto" r:id="rId54">
+              <p14:nvContentPartPr>
+                <p14:cNvPr id="41" name="Ink 40">
+                  <a:extLst>
+                    <a:ext uri="{FF2B5EF4-FFF2-40B4-BE49-F238E27FC236}">
+                      <a16:creationId xmlns:a16="http://schemas.microsoft.com/office/drawing/2014/main" id="{4EF631FA-C610-4ED8-8F03-61F67322A4D2}"/>
+                    </a:ext>
+                  </a:extLst>
+                </p14:cNvPr>
+                <p14:cNvContentPartPr/>
+                <p14:nvPr/>
+              </p14:nvContentPartPr>
+              <p14:xfrm>
+                <a:off x="3839329" y="3275539"/>
+                <a:ext cx="152640" cy="294120"/>
+              </p14:xfrm>
+            </p:contentPart>
+          </mc:Choice>
+          <mc:Fallback>
+            <p:pic>
+              <p:nvPicPr>
+                <p:cNvPr id="41" name="Ink 40">
+                  <a:extLst>
+                    <a:ext uri="{FF2B5EF4-FFF2-40B4-BE49-F238E27FC236}">
+                      <a16:creationId xmlns:a16="http://schemas.microsoft.com/office/drawing/2014/main" id="{4EF631FA-C610-4ED8-8F03-61F67322A4D2}"/>
+                    </a:ext>
+                  </a:extLst>
+                </p:cNvPr>
+                <p:cNvPicPr/>
+                <p:nvPr/>
+              </p:nvPicPr>
+              <p:blipFill>
+                <a:blip r:embed="rId55"/>
+                <a:stretch>
+                  <a:fillRect/>
+                </a:stretch>
+              </p:blipFill>
+              <p:spPr>
+                <a:xfrm>
+                  <a:off x="3830689" y="3266539"/>
+                  <a:ext cx="170280" cy="311760"/>
+                </a:xfrm>
+                <a:prstGeom prst="rect">
+                  <a:avLst/>
+                </a:prstGeom>
+              </p:spPr>
+            </p:pic>
+          </mc:Fallback>
+        </mc:AlternateContent>
+        <mc:AlternateContent xmlns:mc="http://schemas.openxmlformats.org/markup-compatibility/2006">
+          <mc:Choice xmlns:p14="http://schemas.microsoft.com/office/powerpoint/2010/main" Requires="p14">
+            <p:contentPart p14:bwMode="auto" r:id="rId56">
+              <p14:nvContentPartPr>
+                <p14:cNvPr id="42" name="Ink 41">
+                  <a:extLst>
+                    <a:ext uri="{FF2B5EF4-FFF2-40B4-BE49-F238E27FC236}">
+                      <a16:creationId xmlns:a16="http://schemas.microsoft.com/office/drawing/2014/main" id="{6F7C3FFB-240D-455B-B61B-B222ABE2F695}"/>
+                    </a:ext>
+                  </a:extLst>
+                </p14:cNvPr>
+                <p14:cNvContentPartPr/>
+                <p14:nvPr/>
+              </p14:nvContentPartPr>
+              <p14:xfrm>
+                <a:off x="3839689" y="3429259"/>
+                <a:ext cx="258840" cy="110160"/>
+              </p14:xfrm>
+            </p:contentPart>
+          </mc:Choice>
+          <mc:Fallback>
+            <p:pic>
+              <p:nvPicPr>
+                <p:cNvPr id="42" name="Ink 41">
+                  <a:extLst>
+                    <a:ext uri="{FF2B5EF4-FFF2-40B4-BE49-F238E27FC236}">
+                      <a16:creationId xmlns:a16="http://schemas.microsoft.com/office/drawing/2014/main" id="{6F7C3FFB-240D-455B-B61B-B222ABE2F695}"/>
+                    </a:ext>
+                  </a:extLst>
+                </p:cNvPr>
+                <p:cNvPicPr/>
+                <p:nvPr/>
+              </p:nvPicPr>
+              <p:blipFill>
+                <a:blip r:embed="rId57"/>
+                <a:stretch>
+                  <a:fillRect/>
+                </a:stretch>
+              </p:blipFill>
+              <p:spPr>
+                <a:xfrm>
+                  <a:off x="3831049" y="3420619"/>
+                  <a:ext cx="276480" cy="127800"/>
+                </a:xfrm>
+                <a:prstGeom prst="rect">
+                  <a:avLst/>
+                </a:prstGeom>
+              </p:spPr>
+            </p:pic>
+          </mc:Fallback>
+        </mc:AlternateContent>
+        <mc:AlternateContent xmlns:mc="http://schemas.openxmlformats.org/markup-compatibility/2006">
+          <mc:Choice xmlns:p14="http://schemas.microsoft.com/office/powerpoint/2010/main" Requires="p14">
+            <p:contentPart p14:bwMode="auto" r:id="rId58">
+              <p14:nvContentPartPr>
+                <p14:cNvPr id="43" name="Ink 42">
+                  <a:extLst>
+                    <a:ext uri="{FF2B5EF4-FFF2-40B4-BE49-F238E27FC236}">
+                      <a16:creationId xmlns:a16="http://schemas.microsoft.com/office/drawing/2014/main" id="{32851F7B-0DD4-469E-AF83-326E5084941B}"/>
+                    </a:ext>
+                  </a:extLst>
+                </p14:cNvPr>
+                <p14:cNvContentPartPr/>
+                <p14:nvPr/>
+              </p14:nvContentPartPr>
+              <p14:xfrm>
+                <a:off x="4102129" y="3389659"/>
+                <a:ext cx="6840" cy="13680"/>
+              </p14:xfrm>
+            </p:contentPart>
+          </mc:Choice>
+          <mc:Fallback>
+            <p:pic>
+              <p:nvPicPr>
+                <p:cNvPr id="43" name="Ink 42">
+                  <a:extLst>
+                    <a:ext uri="{FF2B5EF4-FFF2-40B4-BE49-F238E27FC236}">
+                      <a16:creationId xmlns:a16="http://schemas.microsoft.com/office/drawing/2014/main" id="{32851F7B-0DD4-469E-AF83-326E5084941B}"/>
+                    </a:ext>
+                  </a:extLst>
+                </p:cNvPr>
+                <p:cNvPicPr/>
+                <p:nvPr/>
+              </p:nvPicPr>
+              <p:blipFill>
+                <a:blip r:embed="rId59"/>
+                <a:stretch>
+                  <a:fillRect/>
+                </a:stretch>
+              </p:blipFill>
+              <p:spPr>
+                <a:xfrm>
+                  <a:off x="4093129" y="3380659"/>
+                  <a:ext cx="24480" cy="31320"/>
+                </a:xfrm>
+                <a:prstGeom prst="rect">
+                  <a:avLst/>
+                </a:prstGeom>
+              </p:spPr>
+            </p:pic>
+          </mc:Fallback>
+        </mc:AlternateContent>
+        <mc:AlternateContent xmlns:mc="http://schemas.openxmlformats.org/markup-compatibility/2006">
+          <mc:Choice xmlns:p14="http://schemas.microsoft.com/office/powerpoint/2010/main" Requires="p14">
+            <p:contentPart p14:bwMode="auto" r:id="rId60">
+              <p14:nvContentPartPr>
+                <p14:cNvPr id="44" name="Ink 43">
+                  <a:extLst>
+                    <a:ext uri="{FF2B5EF4-FFF2-40B4-BE49-F238E27FC236}">
+                      <a16:creationId xmlns:a16="http://schemas.microsoft.com/office/drawing/2014/main" id="{1FAF84DC-6ECF-4D03-8C77-0D5795C0B82F}"/>
+                    </a:ext>
+                  </a:extLst>
+                </p14:cNvPr>
+                <p14:cNvContentPartPr/>
+                <p14:nvPr/>
+              </p14:nvContentPartPr>
+              <p14:xfrm>
+                <a:off x="4135609" y="3289579"/>
+                <a:ext cx="247680" cy="227160"/>
+              </p14:xfrm>
+            </p:contentPart>
+          </mc:Choice>
+          <mc:Fallback>
+            <p:pic>
+              <p:nvPicPr>
+                <p:cNvPr id="44" name="Ink 43">
+                  <a:extLst>
+                    <a:ext uri="{FF2B5EF4-FFF2-40B4-BE49-F238E27FC236}">
+                      <a16:creationId xmlns:a16="http://schemas.microsoft.com/office/drawing/2014/main" id="{1FAF84DC-6ECF-4D03-8C77-0D5795C0B82F}"/>
+                    </a:ext>
+                  </a:extLst>
+                </p:cNvPr>
+                <p:cNvPicPr/>
+                <p:nvPr/>
+              </p:nvPicPr>
+              <p:blipFill>
+                <a:blip r:embed="rId61"/>
+                <a:stretch>
+                  <a:fillRect/>
+                </a:stretch>
+              </p:blipFill>
+              <p:spPr>
+                <a:xfrm>
+                  <a:off x="4126969" y="3280579"/>
+                  <a:ext cx="265320" cy="244800"/>
+                </a:xfrm>
+                <a:prstGeom prst="rect">
+                  <a:avLst/>
+                </a:prstGeom>
+              </p:spPr>
+            </p:pic>
+          </mc:Fallback>
+        </mc:AlternateContent>
+        <mc:AlternateContent xmlns:mc="http://schemas.openxmlformats.org/markup-compatibility/2006">
+          <mc:Choice xmlns:p14="http://schemas.microsoft.com/office/powerpoint/2010/main" Requires="p14">
+            <p:contentPart p14:bwMode="auto" r:id="rId62">
+              <p14:nvContentPartPr>
+                <p14:cNvPr id="45" name="Ink 44">
+                  <a:extLst>
+                    <a:ext uri="{FF2B5EF4-FFF2-40B4-BE49-F238E27FC236}">
+                      <a16:creationId xmlns:a16="http://schemas.microsoft.com/office/drawing/2014/main" id="{579B9776-59E0-441D-B742-A33B8724004A}"/>
+                    </a:ext>
+                  </a:extLst>
+                </p14:cNvPr>
+                <p14:cNvContentPartPr/>
+                <p14:nvPr/>
+              </p14:nvContentPartPr>
+              <p14:xfrm>
+                <a:off x="4424689" y="3311899"/>
+                <a:ext cx="97920" cy="208800"/>
+              </p14:xfrm>
+            </p:contentPart>
+          </mc:Choice>
+          <mc:Fallback>
+            <p:pic>
+              <p:nvPicPr>
+                <p:cNvPr id="45" name="Ink 44">
+                  <a:extLst>
+                    <a:ext uri="{FF2B5EF4-FFF2-40B4-BE49-F238E27FC236}">
+                      <a16:creationId xmlns:a16="http://schemas.microsoft.com/office/drawing/2014/main" id="{579B9776-59E0-441D-B742-A33B8724004A}"/>
+                    </a:ext>
+                  </a:extLst>
+                </p:cNvPr>
+                <p:cNvPicPr/>
+                <p:nvPr/>
+              </p:nvPicPr>
+              <p:blipFill>
+                <a:blip r:embed="rId63"/>
+                <a:stretch>
+                  <a:fillRect/>
+                </a:stretch>
+              </p:blipFill>
+              <p:spPr>
+                <a:xfrm>
+                  <a:off x="4415689" y="3303259"/>
+                  <a:ext cx="115560" cy="226440"/>
+                </a:xfrm>
+                <a:prstGeom prst="rect">
+                  <a:avLst/>
+                </a:prstGeom>
+              </p:spPr>
+            </p:pic>
+          </mc:Fallback>
+        </mc:AlternateContent>
+      </p:grpSp>
     </p:spTree>
     <p:extLst>
       <p:ext uri="{BB962C8B-B14F-4D97-AF65-F5344CB8AC3E}">
